--- a/Manuscript/Figures/Methods_FlowChart.pptx
+++ b/Manuscript/Figures/Methods_FlowChart.pptx
@@ -2,7 +2,7 @@
 <file path=ppt/presentation.xml><?xml version="1.0" encoding="utf-8"?>
 <p:presentation xmlns:a="http://schemas.openxmlformats.org/drawingml/2006/main" xmlns:r="http://schemas.openxmlformats.org/officeDocument/2006/relationships" xmlns:p="http://schemas.openxmlformats.org/presentationml/2006/main" saveSubsetFonts="1">
   <p:sldMasterIdLst>
-    <p:sldMasterId id="2147483852" r:id="rId1"/>
+    <p:sldMasterId id="2147483888" r:id="rId1"/>
   </p:sldMasterIdLst>
   <p:notesMasterIdLst>
     <p:notesMasterId r:id="rId3"/>
@@ -10,7 +10,7 @@
   <p:sldIdLst>
     <p:sldId id="256" r:id="rId2"/>
   </p:sldIdLst>
-  <p:sldSz cx="3419475" cy="5075238"/>
+  <p:sldSz cx="3455988" cy="5580063"/>
   <p:notesSz cx="6858000" cy="9144000"/>
   <p:defaultTextStyle>
     <a:defPPr>
@@ -118,7 +118,7 @@
 <file path=ppt/revisionInfo.xml><?xml version="1.0" encoding="utf-8"?>
 <p1510:revInfo xmlns:a="http://schemas.openxmlformats.org/drawingml/2006/main" xmlns:r="http://schemas.openxmlformats.org/officeDocument/2006/relationships" xmlns:p1510="http://schemas.microsoft.com/office/powerpoint/2015/10/main">
   <p1510:revLst>
-    <p1510:client id="{9EEC3235-DB20-4327-8C38-7C09ED2FC0E9}" v="12" dt="2021-02-15T10:17:23.583"/>
+    <p1510:client id="{5FC92842-FE7F-496C-AA0D-B609D11FB8B2}" v="30" dt="2021-04-19T11:30:00.519"/>
   </p1510:revLst>
 </p1510:revInfo>
 </file>
@@ -9079,6 +9079,1774 @@
             <pc:docMk/>
             <pc:sldMk cId="2969362105" sldId="256"/>
             <ac:cxnSpMk id="623" creationId="{27CE6032-B8C9-465B-8CC6-42FEF75965C0}"/>
+          </ac:cxnSpMkLst>
+        </pc:cxnChg>
+      </pc:sldChg>
+    </pc:docChg>
+  </pc:docChgLst>
+  <pc:docChgLst>
+    <pc:chgData name="Fatima Pillosu" userId="a6295d4dc9e22643" providerId="LiveId" clId="{5FC92842-FE7F-496C-AA0D-B609D11FB8B2}"/>
+    <pc:docChg chg="undo custSel modSld">
+      <pc:chgData name="Fatima Pillosu" userId="a6295d4dc9e22643" providerId="LiveId" clId="{5FC92842-FE7F-496C-AA0D-B609D11FB8B2}" dt="2021-04-28T13:55:08.260" v="2398" actId="20577"/>
+      <pc:docMkLst>
+        <pc:docMk/>
+      </pc:docMkLst>
+      <pc:sldChg chg="addSp delSp modSp mod">
+        <pc:chgData name="Fatima Pillosu" userId="a6295d4dc9e22643" providerId="LiveId" clId="{5FC92842-FE7F-496C-AA0D-B609D11FB8B2}" dt="2021-04-28T13:55:08.260" v="2398" actId="20577"/>
+        <pc:sldMkLst>
+          <pc:docMk/>
+          <pc:sldMk cId="2969362105" sldId="256"/>
+        </pc:sldMkLst>
+        <pc:spChg chg="add del mod">
+          <ac:chgData name="Fatima Pillosu" userId="a6295d4dc9e22643" providerId="LiveId" clId="{5FC92842-FE7F-496C-AA0D-B609D11FB8B2}" dt="2021-04-19T11:17:35.579" v="1927" actId="21"/>
+          <ac:spMkLst>
+            <pc:docMk/>
+            <pc:sldMk cId="2969362105" sldId="256"/>
+            <ac:spMk id="48" creationId="{58654713-2CA3-4781-94E1-36C740F993BC}"/>
+          </ac:spMkLst>
+        </pc:spChg>
+        <pc:spChg chg="add del mod">
+          <ac:chgData name="Fatima Pillosu" userId="a6295d4dc9e22643" providerId="LiveId" clId="{5FC92842-FE7F-496C-AA0D-B609D11FB8B2}" dt="2021-04-19T11:17:35.579" v="1927" actId="21"/>
+          <ac:spMkLst>
+            <pc:docMk/>
+            <pc:sldMk cId="2969362105" sldId="256"/>
+            <ac:spMk id="64" creationId="{AD870DEA-C836-4F76-B0E2-43CCB23FF21D}"/>
+          </ac:spMkLst>
+        </pc:spChg>
+        <pc:spChg chg="add del mod">
+          <ac:chgData name="Fatima Pillosu" userId="a6295d4dc9e22643" providerId="LiveId" clId="{5FC92842-FE7F-496C-AA0D-B609D11FB8B2}" dt="2021-04-19T11:17:35.579" v="1927" actId="21"/>
+          <ac:spMkLst>
+            <pc:docMk/>
+            <pc:sldMk cId="2969362105" sldId="256"/>
+            <ac:spMk id="70" creationId="{ACE63E7C-F42B-4C22-8D4A-C59D5B01F69A}"/>
+          </ac:spMkLst>
+        </pc:spChg>
+        <pc:spChg chg="add del mod">
+          <ac:chgData name="Fatima Pillosu" userId="a6295d4dc9e22643" providerId="LiveId" clId="{5FC92842-FE7F-496C-AA0D-B609D11FB8B2}" dt="2021-04-19T11:17:35.579" v="1927" actId="21"/>
+          <ac:spMkLst>
+            <pc:docMk/>
+            <pc:sldMk cId="2969362105" sldId="256"/>
+            <ac:spMk id="71" creationId="{C3D90D11-C8C2-4381-BD1A-D598CD03BE1A}"/>
+          </ac:spMkLst>
+        </pc:spChg>
+        <pc:spChg chg="add del mod">
+          <ac:chgData name="Fatima Pillosu" userId="a6295d4dc9e22643" providerId="LiveId" clId="{5FC92842-FE7F-496C-AA0D-B609D11FB8B2}" dt="2021-04-19T11:17:35.579" v="1927" actId="21"/>
+          <ac:spMkLst>
+            <pc:docMk/>
+            <pc:sldMk cId="2969362105" sldId="256"/>
+            <ac:spMk id="72" creationId="{ED7D883F-AC32-4BDC-8D24-957B1E52F5BA}"/>
+          </ac:spMkLst>
+        </pc:spChg>
+        <pc:spChg chg="add del mod">
+          <ac:chgData name="Fatima Pillosu" userId="a6295d4dc9e22643" providerId="LiveId" clId="{5FC92842-FE7F-496C-AA0D-B609D11FB8B2}" dt="2021-04-19T11:17:35.579" v="1927" actId="21"/>
+          <ac:spMkLst>
+            <pc:docMk/>
+            <pc:sldMk cId="2969362105" sldId="256"/>
+            <ac:spMk id="73" creationId="{46EB4B30-2826-48DF-9EC1-0791B74B071D}"/>
+          </ac:spMkLst>
+        </pc:spChg>
+        <pc:spChg chg="add del mod">
+          <ac:chgData name="Fatima Pillosu" userId="a6295d4dc9e22643" providerId="LiveId" clId="{5FC92842-FE7F-496C-AA0D-B609D11FB8B2}" dt="2021-04-19T11:17:35.579" v="1927" actId="21"/>
+          <ac:spMkLst>
+            <pc:docMk/>
+            <pc:sldMk cId="2969362105" sldId="256"/>
+            <ac:spMk id="99" creationId="{ED00FA2C-5F17-4A80-A386-03BD93474DF7}"/>
+          </ac:spMkLst>
+        </pc:spChg>
+        <pc:spChg chg="del mod">
+          <ac:chgData name="Fatima Pillosu" userId="a6295d4dc9e22643" providerId="LiveId" clId="{5FC92842-FE7F-496C-AA0D-B609D11FB8B2}" dt="2021-04-19T11:17:35.579" v="1927" actId="21"/>
+          <ac:spMkLst>
+            <pc:docMk/>
+            <pc:sldMk cId="2969362105" sldId="256"/>
+            <ac:spMk id="123" creationId="{84DC0089-261C-4ECF-988B-D71A4EA98784}"/>
+          </ac:spMkLst>
+        </pc:spChg>
+        <pc:spChg chg="del mod">
+          <ac:chgData name="Fatima Pillosu" userId="a6295d4dc9e22643" providerId="LiveId" clId="{5FC92842-FE7F-496C-AA0D-B609D11FB8B2}" dt="2021-04-19T11:17:35.579" v="1927" actId="21"/>
+          <ac:spMkLst>
+            <pc:docMk/>
+            <pc:sldMk cId="2969362105" sldId="256"/>
+            <ac:spMk id="125" creationId="{23F4192C-3C5C-4058-ABA6-8D0D8ABD186A}"/>
+          </ac:spMkLst>
+        </pc:spChg>
+        <pc:spChg chg="del mod">
+          <ac:chgData name="Fatima Pillosu" userId="a6295d4dc9e22643" providerId="LiveId" clId="{5FC92842-FE7F-496C-AA0D-B609D11FB8B2}" dt="2021-04-19T10:26:14.188" v="359" actId="478"/>
+          <ac:spMkLst>
+            <pc:docMk/>
+            <pc:sldMk cId="2969362105" sldId="256"/>
+            <ac:spMk id="126" creationId="{5B54B95C-2773-40A2-B228-8900DEBA412C}"/>
+          </ac:spMkLst>
+        </pc:spChg>
+        <pc:spChg chg="del mod">
+          <ac:chgData name="Fatima Pillosu" userId="a6295d4dc9e22643" providerId="LiveId" clId="{5FC92842-FE7F-496C-AA0D-B609D11FB8B2}" dt="2021-04-19T11:17:35.579" v="1927" actId="21"/>
+          <ac:spMkLst>
+            <pc:docMk/>
+            <pc:sldMk cId="2969362105" sldId="256"/>
+            <ac:spMk id="128" creationId="{0E29CBF7-C8DD-4BC2-BB7F-51E2D06DB315}"/>
+          </ac:spMkLst>
+        </pc:spChg>
+        <pc:spChg chg="del mod">
+          <ac:chgData name="Fatima Pillosu" userId="a6295d4dc9e22643" providerId="LiveId" clId="{5FC92842-FE7F-496C-AA0D-B609D11FB8B2}" dt="2021-04-19T11:17:35.579" v="1927" actId="21"/>
+          <ac:spMkLst>
+            <pc:docMk/>
+            <pc:sldMk cId="2969362105" sldId="256"/>
+            <ac:spMk id="129" creationId="{641C321A-289F-4254-8AB0-381EE0E91068}"/>
+          </ac:spMkLst>
+        </pc:spChg>
+        <pc:spChg chg="del mod">
+          <ac:chgData name="Fatima Pillosu" userId="a6295d4dc9e22643" providerId="LiveId" clId="{5FC92842-FE7F-496C-AA0D-B609D11FB8B2}" dt="2021-04-19T11:17:35.579" v="1927" actId="21"/>
+          <ac:spMkLst>
+            <pc:docMk/>
+            <pc:sldMk cId="2969362105" sldId="256"/>
+            <ac:spMk id="132" creationId="{6817A596-B104-4B0F-9058-DF24083B0509}"/>
+          </ac:spMkLst>
+        </pc:spChg>
+        <pc:spChg chg="del mod">
+          <ac:chgData name="Fatima Pillosu" userId="a6295d4dc9e22643" providerId="LiveId" clId="{5FC92842-FE7F-496C-AA0D-B609D11FB8B2}" dt="2021-04-19T11:17:35.579" v="1927" actId="21"/>
+          <ac:spMkLst>
+            <pc:docMk/>
+            <pc:sldMk cId="2969362105" sldId="256"/>
+            <ac:spMk id="136" creationId="{65BDA3E8-CD6A-4FD2-85E7-470CB2949112}"/>
+          </ac:spMkLst>
+        </pc:spChg>
+        <pc:spChg chg="del mod">
+          <ac:chgData name="Fatima Pillosu" userId="a6295d4dc9e22643" providerId="LiveId" clId="{5FC92842-FE7F-496C-AA0D-B609D11FB8B2}" dt="2021-04-19T11:17:35.579" v="1927" actId="21"/>
+          <ac:spMkLst>
+            <pc:docMk/>
+            <pc:sldMk cId="2969362105" sldId="256"/>
+            <ac:spMk id="138" creationId="{C304CC4C-4F2F-4821-A035-78B87CC1C778}"/>
+          </ac:spMkLst>
+        </pc:spChg>
+        <pc:spChg chg="del mod">
+          <ac:chgData name="Fatima Pillosu" userId="a6295d4dc9e22643" providerId="LiveId" clId="{5FC92842-FE7F-496C-AA0D-B609D11FB8B2}" dt="2021-04-19T11:17:35.579" v="1927" actId="21"/>
+          <ac:spMkLst>
+            <pc:docMk/>
+            <pc:sldMk cId="2969362105" sldId="256"/>
+            <ac:spMk id="139" creationId="{E76AD702-9494-459F-814C-C0F84321D4FE}"/>
+          </ac:spMkLst>
+        </pc:spChg>
+        <pc:spChg chg="del mod">
+          <ac:chgData name="Fatima Pillosu" userId="a6295d4dc9e22643" providerId="LiveId" clId="{5FC92842-FE7F-496C-AA0D-B609D11FB8B2}" dt="2021-04-19T11:17:35.579" v="1927" actId="21"/>
+          <ac:spMkLst>
+            <pc:docMk/>
+            <pc:sldMk cId="2969362105" sldId="256"/>
+            <ac:spMk id="141" creationId="{6EFF9339-92AE-4BCC-B827-F8C4CBEB346C}"/>
+          </ac:spMkLst>
+        </pc:spChg>
+        <pc:spChg chg="del mod">
+          <ac:chgData name="Fatima Pillosu" userId="a6295d4dc9e22643" providerId="LiveId" clId="{5FC92842-FE7F-496C-AA0D-B609D11FB8B2}" dt="2021-04-19T11:17:35.579" v="1927" actId="21"/>
+          <ac:spMkLst>
+            <pc:docMk/>
+            <pc:sldMk cId="2969362105" sldId="256"/>
+            <ac:spMk id="144" creationId="{BFFBFD37-E911-46AB-AA5F-CACE9492D57E}"/>
+          </ac:spMkLst>
+        </pc:spChg>
+        <pc:spChg chg="del mod">
+          <ac:chgData name="Fatima Pillosu" userId="a6295d4dc9e22643" providerId="LiveId" clId="{5FC92842-FE7F-496C-AA0D-B609D11FB8B2}" dt="2021-04-19T11:17:35.579" v="1927" actId="21"/>
+          <ac:spMkLst>
+            <pc:docMk/>
+            <pc:sldMk cId="2969362105" sldId="256"/>
+            <ac:spMk id="147" creationId="{3E850B6E-86F3-4C57-8400-4E073EF0D7BA}"/>
+          </ac:spMkLst>
+        </pc:spChg>
+        <pc:spChg chg="del mod">
+          <ac:chgData name="Fatima Pillosu" userId="a6295d4dc9e22643" providerId="LiveId" clId="{5FC92842-FE7F-496C-AA0D-B609D11FB8B2}" dt="2021-04-19T11:17:35.579" v="1927" actId="21"/>
+          <ac:spMkLst>
+            <pc:docMk/>
+            <pc:sldMk cId="2969362105" sldId="256"/>
+            <ac:spMk id="148" creationId="{758B1423-5973-42B6-84F3-A86AB3FE346D}"/>
+          </ac:spMkLst>
+        </pc:spChg>
+        <pc:spChg chg="del mod">
+          <ac:chgData name="Fatima Pillosu" userId="a6295d4dc9e22643" providerId="LiveId" clId="{5FC92842-FE7F-496C-AA0D-B609D11FB8B2}" dt="2021-04-19T11:17:35.579" v="1927" actId="21"/>
+          <ac:spMkLst>
+            <pc:docMk/>
+            <pc:sldMk cId="2969362105" sldId="256"/>
+            <ac:spMk id="149" creationId="{3C09C7FB-47EB-4AD5-BB35-62F8309C4C5D}"/>
+          </ac:spMkLst>
+        </pc:spChg>
+        <pc:spChg chg="del mod">
+          <ac:chgData name="Fatima Pillosu" userId="a6295d4dc9e22643" providerId="LiveId" clId="{5FC92842-FE7F-496C-AA0D-B609D11FB8B2}" dt="2021-04-19T11:17:35.579" v="1927" actId="21"/>
+          <ac:spMkLst>
+            <pc:docMk/>
+            <pc:sldMk cId="2969362105" sldId="256"/>
+            <ac:spMk id="150" creationId="{60DE4DCA-D392-4BD2-8683-B7538A0ABD6D}"/>
+          </ac:spMkLst>
+        </pc:spChg>
+        <pc:spChg chg="del mod">
+          <ac:chgData name="Fatima Pillosu" userId="a6295d4dc9e22643" providerId="LiveId" clId="{5FC92842-FE7F-496C-AA0D-B609D11FB8B2}" dt="2021-04-19T11:17:35.579" v="1927" actId="21"/>
+          <ac:spMkLst>
+            <pc:docMk/>
+            <pc:sldMk cId="2969362105" sldId="256"/>
+            <ac:spMk id="151" creationId="{9411C48E-0E32-4FCA-BC87-D95E1CA1A4B6}"/>
+          </ac:spMkLst>
+        </pc:spChg>
+        <pc:spChg chg="del mod">
+          <ac:chgData name="Fatima Pillosu" userId="a6295d4dc9e22643" providerId="LiveId" clId="{5FC92842-FE7F-496C-AA0D-B609D11FB8B2}" dt="2021-04-19T11:17:35.579" v="1927" actId="21"/>
+          <ac:spMkLst>
+            <pc:docMk/>
+            <pc:sldMk cId="2969362105" sldId="256"/>
+            <ac:spMk id="152" creationId="{B309B982-440E-48D8-8195-CD17D6778287}"/>
+          </ac:spMkLst>
+        </pc:spChg>
+        <pc:spChg chg="del mod">
+          <ac:chgData name="Fatima Pillosu" userId="a6295d4dc9e22643" providerId="LiveId" clId="{5FC92842-FE7F-496C-AA0D-B609D11FB8B2}" dt="2021-04-19T11:17:35.579" v="1927" actId="21"/>
+          <ac:spMkLst>
+            <pc:docMk/>
+            <pc:sldMk cId="2969362105" sldId="256"/>
+            <ac:spMk id="156" creationId="{8539F026-8842-4405-838B-6E8532626571}"/>
+          </ac:spMkLst>
+        </pc:spChg>
+        <pc:spChg chg="del mod">
+          <ac:chgData name="Fatima Pillosu" userId="a6295d4dc9e22643" providerId="LiveId" clId="{5FC92842-FE7F-496C-AA0D-B609D11FB8B2}" dt="2021-04-19T11:17:35.579" v="1927" actId="21"/>
+          <ac:spMkLst>
+            <pc:docMk/>
+            <pc:sldMk cId="2969362105" sldId="256"/>
+            <ac:spMk id="157" creationId="{FDAC7E92-12B1-4AD1-9DBA-FD7B5A51FC4B}"/>
+          </ac:spMkLst>
+        </pc:spChg>
+        <pc:spChg chg="del mod">
+          <ac:chgData name="Fatima Pillosu" userId="a6295d4dc9e22643" providerId="LiveId" clId="{5FC92842-FE7F-496C-AA0D-B609D11FB8B2}" dt="2021-04-19T10:35:37.409" v="624" actId="478"/>
+          <ac:spMkLst>
+            <pc:docMk/>
+            <pc:sldMk cId="2969362105" sldId="256"/>
+            <ac:spMk id="158" creationId="{652D85F5-8394-421A-9C4D-17F64979BA3A}"/>
+          </ac:spMkLst>
+        </pc:spChg>
+        <pc:spChg chg="del mod">
+          <ac:chgData name="Fatima Pillosu" userId="a6295d4dc9e22643" providerId="LiveId" clId="{5FC92842-FE7F-496C-AA0D-B609D11FB8B2}" dt="2021-04-19T11:17:35.579" v="1927" actId="21"/>
+          <ac:spMkLst>
+            <pc:docMk/>
+            <pc:sldMk cId="2969362105" sldId="256"/>
+            <ac:spMk id="159" creationId="{6253FD2B-555C-4B51-B8B8-156CA0CC3A51}"/>
+          </ac:spMkLst>
+        </pc:spChg>
+        <pc:spChg chg="del mod">
+          <ac:chgData name="Fatima Pillosu" userId="a6295d4dc9e22643" providerId="LiveId" clId="{5FC92842-FE7F-496C-AA0D-B609D11FB8B2}" dt="2021-04-19T10:36:40.511" v="638" actId="478"/>
+          <ac:spMkLst>
+            <pc:docMk/>
+            <pc:sldMk cId="2969362105" sldId="256"/>
+            <ac:spMk id="160" creationId="{D4737B74-D717-4B73-B0BD-DF820697AA8E}"/>
+          </ac:spMkLst>
+        </pc:spChg>
+        <pc:spChg chg="del mod">
+          <ac:chgData name="Fatima Pillosu" userId="a6295d4dc9e22643" providerId="LiveId" clId="{5FC92842-FE7F-496C-AA0D-B609D11FB8B2}" dt="2021-04-19T10:36:49.819" v="639" actId="478"/>
+          <ac:spMkLst>
+            <pc:docMk/>
+            <pc:sldMk cId="2969362105" sldId="256"/>
+            <ac:spMk id="161" creationId="{E5B78F21-099B-4DEE-A05B-C767241E3252}"/>
+          </ac:spMkLst>
+        </pc:spChg>
+        <pc:spChg chg="del mod">
+          <ac:chgData name="Fatima Pillosu" userId="a6295d4dc9e22643" providerId="LiveId" clId="{5FC92842-FE7F-496C-AA0D-B609D11FB8B2}" dt="2021-04-19T11:17:35.579" v="1927" actId="21"/>
+          <ac:spMkLst>
+            <pc:docMk/>
+            <pc:sldMk cId="2969362105" sldId="256"/>
+            <ac:spMk id="162" creationId="{3E40FA3A-333A-4178-BBBC-F339A5FC5269}"/>
+          </ac:spMkLst>
+        </pc:spChg>
+        <pc:spChg chg="del mod">
+          <ac:chgData name="Fatima Pillosu" userId="a6295d4dc9e22643" providerId="LiveId" clId="{5FC92842-FE7F-496C-AA0D-B609D11FB8B2}" dt="2021-04-19T11:17:35.579" v="1927" actId="21"/>
+          <ac:spMkLst>
+            <pc:docMk/>
+            <pc:sldMk cId="2969362105" sldId="256"/>
+            <ac:spMk id="163" creationId="{BD4B059B-E653-49D1-AAF8-E27F0D8BF3DF}"/>
+          </ac:spMkLst>
+        </pc:spChg>
+        <pc:spChg chg="del mod">
+          <ac:chgData name="Fatima Pillosu" userId="a6295d4dc9e22643" providerId="LiveId" clId="{5FC92842-FE7F-496C-AA0D-B609D11FB8B2}" dt="2021-04-19T11:17:35.579" v="1927" actId="21"/>
+          <ac:spMkLst>
+            <pc:docMk/>
+            <pc:sldMk cId="2969362105" sldId="256"/>
+            <ac:spMk id="164" creationId="{8F4317FD-2147-49D9-9D5B-FA03498D78AA}"/>
+          </ac:spMkLst>
+        </pc:spChg>
+        <pc:spChg chg="del mod">
+          <ac:chgData name="Fatima Pillosu" userId="a6295d4dc9e22643" providerId="LiveId" clId="{5FC92842-FE7F-496C-AA0D-B609D11FB8B2}" dt="2021-04-19T11:17:35.579" v="1927" actId="21"/>
+          <ac:spMkLst>
+            <pc:docMk/>
+            <pc:sldMk cId="2969362105" sldId="256"/>
+            <ac:spMk id="166" creationId="{B0B31249-3965-4EAE-9779-86EF7BA30922}"/>
+          </ac:spMkLst>
+        </pc:spChg>
+        <pc:spChg chg="del mod">
+          <ac:chgData name="Fatima Pillosu" userId="a6295d4dc9e22643" providerId="LiveId" clId="{5FC92842-FE7F-496C-AA0D-B609D11FB8B2}" dt="2021-04-19T11:17:35.579" v="1927" actId="21"/>
+          <ac:spMkLst>
+            <pc:docMk/>
+            <pc:sldMk cId="2969362105" sldId="256"/>
+            <ac:spMk id="168" creationId="{AD6D1F93-1604-42F6-9D96-7EC2C2F69828}"/>
+          </ac:spMkLst>
+        </pc:spChg>
+        <pc:spChg chg="add del mod">
+          <ac:chgData name="Fatima Pillosu" userId="a6295d4dc9e22643" providerId="LiveId" clId="{5FC92842-FE7F-496C-AA0D-B609D11FB8B2}" dt="2021-04-19T11:17:35.579" v="1927" actId="21"/>
+          <ac:spMkLst>
+            <pc:docMk/>
+            <pc:sldMk cId="2969362105" sldId="256"/>
+            <ac:spMk id="169" creationId="{A4F5A5F1-6325-4F21-A4AE-92DC7D8EA272}"/>
+          </ac:spMkLst>
+        </pc:spChg>
+        <pc:spChg chg="add del mod">
+          <ac:chgData name="Fatima Pillosu" userId="a6295d4dc9e22643" providerId="LiveId" clId="{5FC92842-FE7F-496C-AA0D-B609D11FB8B2}" dt="2021-04-19T11:17:35.579" v="1927" actId="21"/>
+          <ac:spMkLst>
+            <pc:docMk/>
+            <pc:sldMk cId="2969362105" sldId="256"/>
+            <ac:spMk id="171" creationId="{507D69FB-CAE4-41C2-BA00-F73764E857E5}"/>
+          </ac:spMkLst>
+        </pc:spChg>
+        <pc:spChg chg="add del mod">
+          <ac:chgData name="Fatima Pillosu" userId="a6295d4dc9e22643" providerId="LiveId" clId="{5FC92842-FE7F-496C-AA0D-B609D11FB8B2}" dt="2021-04-19T11:19:27.249" v="1956" actId="21"/>
+          <ac:spMkLst>
+            <pc:docMk/>
+            <pc:sldMk cId="2969362105" sldId="256"/>
+            <ac:spMk id="172" creationId="{B1C054D3-7859-406F-B3E7-0DBCBB6543C3}"/>
+          </ac:spMkLst>
+        </pc:spChg>
+        <pc:spChg chg="add del mod">
+          <ac:chgData name="Fatima Pillosu" userId="a6295d4dc9e22643" providerId="LiveId" clId="{5FC92842-FE7F-496C-AA0D-B609D11FB8B2}" dt="2021-04-19T11:19:27.249" v="1956" actId="21"/>
+          <ac:spMkLst>
+            <pc:docMk/>
+            <pc:sldMk cId="2969362105" sldId="256"/>
+            <ac:spMk id="174" creationId="{98B1DCEA-BF8D-4C4C-80DF-AC1019BF6B4F}"/>
+          </ac:spMkLst>
+        </pc:spChg>
+        <pc:spChg chg="add del mod">
+          <ac:chgData name="Fatima Pillosu" userId="a6295d4dc9e22643" providerId="LiveId" clId="{5FC92842-FE7F-496C-AA0D-B609D11FB8B2}" dt="2021-04-19T11:19:27.249" v="1956" actId="21"/>
+          <ac:spMkLst>
+            <pc:docMk/>
+            <pc:sldMk cId="2969362105" sldId="256"/>
+            <ac:spMk id="175" creationId="{6F9B64BB-AFE2-4053-95AD-0862A9B49C57}"/>
+          </ac:spMkLst>
+        </pc:spChg>
+        <pc:spChg chg="add del mod">
+          <ac:chgData name="Fatima Pillosu" userId="a6295d4dc9e22643" providerId="LiveId" clId="{5FC92842-FE7F-496C-AA0D-B609D11FB8B2}" dt="2021-04-19T11:19:27.249" v="1956" actId="21"/>
+          <ac:spMkLst>
+            <pc:docMk/>
+            <pc:sldMk cId="2969362105" sldId="256"/>
+            <ac:spMk id="176" creationId="{0D404172-69AB-44A5-AB7F-2E4C1A92E0E4}"/>
+          </ac:spMkLst>
+        </pc:spChg>
+        <pc:spChg chg="add del mod">
+          <ac:chgData name="Fatima Pillosu" userId="a6295d4dc9e22643" providerId="LiveId" clId="{5FC92842-FE7F-496C-AA0D-B609D11FB8B2}" dt="2021-04-19T11:19:27.249" v="1956" actId="21"/>
+          <ac:spMkLst>
+            <pc:docMk/>
+            <pc:sldMk cId="2969362105" sldId="256"/>
+            <ac:spMk id="178" creationId="{1052D224-ABE7-4B16-AEA0-55B5ADC446A9}"/>
+          </ac:spMkLst>
+        </pc:spChg>
+        <pc:spChg chg="add del mod">
+          <ac:chgData name="Fatima Pillosu" userId="a6295d4dc9e22643" providerId="LiveId" clId="{5FC92842-FE7F-496C-AA0D-B609D11FB8B2}" dt="2021-04-19T11:19:27.249" v="1956" actId="21"/>
+          <ac:spMkLst>
+            <pc:docMk/>
+            <pc:sldMk cId="2969362105" sldId="256"/>
+            <ac:spMk id="182" creationId="{9BE11BDA-32B5-42DA-A13B-41E28427881C}"/>
+          </ac:spMkLst>
+        </pc:spChg>
+        <pc:spChg chg="add del mod">
+          <ac:chgData name="Fatima Pillosu" userId="a6295d4dc9e22643" providerId="LiveId" clId="{5FC92842-FE7F-496C-AA0D-B609D11FB8B2}" dt="2021-04-19T11:19:27.249" v="1956" actId="21"/>
+          <ac:spMkLst>
+            <pc:docMk/>
+            <pc:sldMk cId="2969362105" sldId="256"/>
+            <ac:spMk id="184" creationId="{36E31B49-5DEA-4458-A99E-403A1AB23057}"/>
+          </ac:spMkLst>
+        </pc:spChg>
+        <pc:spChg chg="add del mod">
+          <ac:chgData name="Fatima Pillosu" userId="a6295d4dc9e22643" providerId="LiveId" clId="{5FC92842-FE7F-496C-AA0D-B609D11FB8B2}" dt="2021-04-19T11:19:27.249" v="1956" actId="21"/>
+          <ac:spMkLst>
+            <pc:docMk/>
+            <pc:sldMk cId="2969362105" sldId="256"/>
+            <ac:spMk id="185" creationId="{2FFD519B-140D-401D-821E-FC6C68BB66F6}"/>
+          </ac:spMkLst>
+        </pc:spChg>
+        <pc:spChg chg="add del mod">
+          <ac:chgData name="Fatima Pillosu" userId="a6295d4dc9e22643" providerId="LiveId" clId="{5FC92842-FE7F-496C-AA0D-B609D11FB8B2}" dt="2021-04-19T11:19:27.249" v="1956" actId="21"/>
+          <ac:spMkLst>
+            <pc:docMk/>
+            <pc:sldMk cId="2969362105" sldId="256"/>
+            <ac:spMk id="187" creationId="{DABF534A-7F91-4FBF-BE9B-FB3C9EF90B62}"/>
+          </ac:spMkLst>
+        </pc:spChg>
+        <pc:spChg chg="add del mod">
+          <ac:chgData name="Fatima Pillosu" userId="a6295d4dc9e22643" providerId="LiveId" clId="{5FC92842-FE7F-496C-AA0D-B609D11FB8B2}" dt="2021-04-19T11:19:27.249" v="1956" actId="21"/>
+          <ac:spMkLst>
+            <pc:docMk/>
+            <pc:sldMk cId="2969362105" sldId="256"/>
+            <ac:spMk id="189" creationId="{97E96BA6-1199-4587-A1FD-EE8E30297FDE}"/>
+          </ac:spMkLst>
+        </pc:spChg>
+        <pc:spChg chg="add del mod">
+          <ac:chgData name="Fatima Pillosu" userId="a6295d4dc9e22643" providerId="LiveId" clId="{5FC92842-FE7F-496C-AA0D-B609D11FB8B2}" dt="2021-04-19T11:19:27.249" v="1956" actId="21"/>
+          <ac:spMkLst>
+            <pc:docMk/>
+            <pc:sldMk cId="2969362105" sldId="256"/>
+            <ac:spMk id="192" creationId="{EADDE16D-09EA-40A0-B242-2E4AFBE62A56}"/>
+          </ac:spMkLst>
+        </pc:spChg>
+        <pc:spChg chg="add del mod">
+          <ac:chgData name="Fatima Pillosu" userId="a6295d4dc9e22643" providerId="LiveId" clId="{5FC92842-FE7F-496C-AA0D-B609D11FB8B2}" dt="2021-04-19T11:19:27.249" v="1956" actId="21"/>
+          <ac:spMkLst>
+            <pc:docMk/>
+            <pc:sldMk cId="2969362105" sldId="256"/>
+            <ac:spMk id="193" creationId="{DBFE35C1-94FC-45F8-BE3F-FEA2149DBC0C}"/>
+          </ac:spMkLst>
+        </pc:spChg>
+        <pc:spChg chg="add del mod">
+          <ac:chgData name="Fatima Pillosu" userId="a6295d4dc9e22643" providerId="LiveId" clId="{5FC92842-FE7F-496C-AA0D-B609D11FB8B2}" dt="2021-04-19T11:19:27.249" v="1956" actId="21"/>
+          <ac:spMkLst>
+            <pc:docMk/>
+            <pc:sldMk cId="2969362105" sldId="256"/>
+            <ac:spMk id="194" creationId="{1ECD27C5-ED0B-433A-8CCA-CBE2665DB709}"/>
+          </ac:spMkLst>
+        </pc:spChg>
+        <pc:spChg chg="add del mod">
+          <ac:chgData name="Fatima Pillosu" userId="a6295d4dc9e22643" providerId="LiveId" clId="{5FC92842-FE7F-496C-AA0D-B609D11FB8B2}" dt="2021-04-19T11:19:27.249" v="1956" actId="21"/>
+          <ac:spMkLst>
+            <pc:docMk/>
+            <pc:sldMk cId="2969362105" sldId="256"/>
+            <ac:spMk id="195" creationId="{1FC88BB4-50B2-4718-A959-F4FDF3A4143B}"/>
+          </ac:spMkLst>
+        </pc:spChg>
+        <pc:spChg chg="add del mod">
+          <ac:chgData name="Fatima Pillosu" userId="a6295d4dc9e22643" providerId="LiveId" clId="{5FC92842-FE7F-496C-AA0D-B609D11FB8B2}" dt="2021-04-19T11:19:27.249" v="1956" actId="21"/>
+          <ac:spMkLst>
+            <pc:docMk/>
+            <pc:sldMk cId="2969362105" sldId="256"/>
+            <ac:spMk id="196" creationId="{77A7F989-DF14-4DEF-B28F-2B3A1CC71B7A}"/>
+          </ac:spMkLst>
+        </pc:spChg>
+        <pc:spChg chg="add del mod">
+          <ac:chgData name="Fatima Pillosu" userId="a6295d4dc9e22643" providerId="LiveId" clId="{5FC92842-FE7F-496C-AA0D-B609D11FB8B2}" dt="2021-04-19T11:19:27.249" v="1956" actId="21"/>
+          <ac:spMkLst>
+            <pc:docMk/>
+            <pc:sldMk cId="2969362105" sldId="256"/>
+            <ac:spMk id="197" creationId="{4331D421-E543-434B-8BB5-0B3FC97F0FB0}"/>
+          </ac:spMkLst>
+        </pc:spChg>
+        <pc:spChg chg="add del mod">
+          <ac:chgData name="Fatima Pillosu" userId="a6295d4dc9e22643" providerId="LiveId" clId="{5FC92842-FE7F-496C-AA0D-B609D11FB8B2}" dt="2021-04-19T11:19:27.249" v="1956" actId="21"/>
+          <ac:spMkLst>
+            <pc:docMk/>
+            <pc:sldMk cId="2969362105" sldId="256"/>
+            <ac:spMk id="199" creationId="{FC9D83D7-DF06-4782-8715-38F341F7864C}"/>
+          </ac:spMkLst>
+        </pc:spChg>
+        <pc:spChg chg="add del mod">
+          <ac:chgData name="Fatima Pillosu" userId="a6295d4dc9e22643" providerId="LiveId" clId="{5FC92842-FE7F-496C-AA0D-B609D11FB8B2}" dt="2021-04-19T11:19:27.249" v="1956" actId="21"/>
+          <ac:spMkLst>
+            <pc:docMk/>
+            <pc:sldMk cId="2969362105" sldId="256"/>
+            <ac:spMk id="200" creationId="{B7BF2A8C-9667-4082-9508-65FA61E57C22}"/>
+          </ac:spMkLst>
+        </pc:spChg>
+        <pc:spChg chg="add del mod">
+          <ac:chgData name="Fatima Pillosu" userId="a6295d4dc9e22643" providerId="LiveId" clId="{5FC92842-FE7F-496C-AA0D-B609D11FB8B2}" dt="2021-04-19T11:19:27.249" v="1956" actId="21"/>
+          <ac:spMkLst>
+            <pc:docMk/>
+            <pc:sldMk cId="2969362105" sldId="256"/>
+            <ac:spMk id="201" creationId="{BE96B4AD-BAB8-4F3F-828C-9AD7B38AB3E6}"/>
+          </ac:spMkLst>
+        </pc:spChg>
+        <pc:spChg chg="add del mod">
+          <ac:chgData name="Fatima Pillosu" userId="a6295d4dc9e22643" providerId="LiveId" clId="{5FC92842-FE7F-496C-AA0D-B609D11FB8B2}" dt="2021-04-19T11:19:27.249" v="1956" actId="21"/>
+          <ac:spMkLst>
+            <pc:docMk/>
+            <pc:sldMk cId="2969362105" sldId="256"/>
+            <ac:spMk id="202" creationId="{2772F8F1-7EC6-4078-A999-A9FACBDA227D}"/>
+          </ac:spMkLst>
+        </pc:spChg>
+        <pc:spChg chg="add del mod">
+          <ac:chgData name="Fatima Pillosu" userId="a6295d4dc9e22643" providerId="LiveId" clId="{5FC92842-FE7F-496C-AA0D-B609D11FB8B2}" dt="2021-04-19T11:19:27.249" v="1956" actId="21"/>
+          <ac:spMkLst>
+            <pc:docMk/>
+            <pc:sldMk cId="2969362105" sldId="256"/>
+            <ac:spMk id="203" creationId="{B5E76995-F437-4A72-9BA2-B68AEC0DA8C6}"/>
+          </ac:spMkLst>
+        </pc:spChg>
+        <pc:spChg chg="add del mod">
+          <ac:chgData name="Fatima Pillosu" userId="a6295d4dc9e22643" providerId="LiveId" clId="{5FC92842-FE7F-496C-AA0D-B609D11FB8B2}" dt="2021-04-19T11:19:27.249" v="1956" actId="21"/>
+          <ac:spMkLst>
+            <pc:docMk/>
+            <pc:sldMk cId="2969362105" sldId="256"/>
+            <ac:spMk id="204" creationId="{79FE33C6-9A16-4BBC-85EA-3FBCECCCE888}"/>
+          </ac:spMkLst>
+        </pc:spChg>
+        <pc:spChg chg="add del mod">
+          <ac:chgData name="Fatima Pillosu" userId="a6295d4dc9e22643" providerId="LiveId" clId="{5FC92842-FE7F-496C-AA0D-B609D11FB8B2}" dt="2021-04-19T11:19:27.249" v="1956" actId="21"/>
+          <ac:spMkLst>
+            <pc:docMk/>
+            <pc:sldMk cId="2969362105" sldId="256"/>
+            <ac:spMk id="206" creationId="{950108D9-681C-4F23-A5AC-8673DFD4C31F}"/>
+          </ac:spMkLst>
+        </pc:spChg>
+        <pc:spChg chg="add del mod">
+          <ac:chgData name="Fatima Pillosu" userId="a6295d4dc9e22643" providerId="LiveId" clId="{5FC92842-FE7F-496C-AA0D-B609D11FB8B2}" dt="2021-04-19T11:19:27.249" v="1956" actId="21"/>
+          <ac:spMkLst>
+            <pc:docMk/>
+            <pc:sldMk cId="2969362105" sldId="256"/>
+            <ac:spMk id="207" creationId="{EE889C3E-3EEB-4A7A-85D2-BBC1508D7D0D}"/>
+          </ac:spMkLst>
+        </pc:spChg>
+        <pc:spChg chg="add del mod">
+          <ac:chgData name="Fatima Pillosu" userId="a6295d4dc9e22643" providerId="LiveId" clId="{5FC92842-FE7F-496C-AA0D-B609D11FB8B2}" dt="2021-04-19T11:19:27.249" v="1956" actId="21"/>
+          <ac:spMkLst>
+            <pc:docMk/>
+            <pc:sldMk cId="2969362105" sldId="256"/>
+            <ac:spMk id="208" creationId="{1727786A-05C0-43AE-B70E-3BB0893B690B}"/>
+          </ac:spMkLst>
+        </pc:spChg>
+        <pc:spChg chg="add del mod">
+          <ac:chgData name="Fatima Pillosu" userId="a6295d4dc9e22643" providerId="LiveId" clId="{5FC92842-FE7F-496C-AA0D-B609D11FB8B2}" dt="2021-04-19T11:19:27.249" v="1956" actId="21"/>
+          <ac:spMkLst>
+            <pc:docMk/>
+            <pc:sldMk cId="2969362105" sldId="256"/>
+            <ac:spMk id="211" creationId="{0D574A5B-30A9-4F50-8472-D7D41A1082F1}"/>
+          </ac:spMkLst>
+        </pc:spChg>
+        <pc:spChg chg="add del mod">
+          <ac:chgData name="Fatima Pillosu" userId="a6295d4dc9e22643" providerId="LiveId" clId="{5FC92842-FE7F-496C-AA0D-B609D11FB8B2}" dt="2021-04-19T11:19:27.249" v="1956" actId="21"/>
+          <ac:spMkLst>
+            <pc:docMk/>
+            <pc:sldMk cId="2969362105" sldId="256"/>
+            <ac:spMk id="215" creationId="{61D3349F-816D-42DD-AD6A-D85945BD72FF}"/>
+          </ac:spMkLst>
+        </pc:spChg>
+        <pc:spChg chg="add del mod">
+          <ac:chgData name="Fatima Pillosu" userId="a6295d4dc9e22643" providerId="LiveId" clId="{5FC92842-FE7F-496C-AA0D-B609D11FB8B2}" dt="2021-04-19T11:19:27.249" v="1956" actId="21"/>
+          <ac:spMkLst>
+            <pc:docMk/>
+            <pc:sldMk cId="2969362105" sldId="256"/>
+            <ac:spMk id="216" creationId="{576AD2B6-E02F-498B-8233-9FD1CCCD874E}"/>
+          </ac:spMkLst>
+        </pc:spChg>
+        <pc:spChg chg="add del mod">
+          <ac:chgData name="Fatima Pillosu" userId="a6295d4dc9e22643" providerId="LiveId" clId="{5FC92842-FE7F-496C-AA0D-B609D11FB8B2}" dt="2021-04-19T11:19:27.249" v="1956" actId="21"/>
+          <ac:spMkLst>
+            <pc:docMk/>
+            <pc:sldMk cId="2969362105" sldId="256"/>
+            <ac:spMk id="217" creationId="{F5B66149-B294-4E5D-A857-83872C41DE13}"/>
+          </ac:spMkLst>
+        </pc:spChg>
+        <pc:spChg chg="add del mod">
+          <ac:chgData name="Fatima Pillosu" userId="a6295d4dc9e22643" providerId="LiveId" clId="{5FC92842-FE7F-496C-AA0D-B609D11FB8B2}" dt="2021-04-19T11:19:27.249" v="1956" actId="21"/>
+          <ac:spMkLst>
+            <pc:docMk/>
+            <pc:sldMk cId="2969362105" sldId="256"/>
+            <ac:spMk id="218" creationId="{A9CC17E7-0D70-48D8-BC57-CC030D2BBC95}"/>
+          </ac:spMkLst>
+        </pc:spChg>
+        <pc:spChg chg="add del mod">
+          <ac:chgData name="Fatima Pillosu" userId="a6295d4dc9e22643" providerId="LiveId" clId="{5FC92842-FE7F-496C-AA0D-B609D11FB8B2}" dt="2021-04-19T11:19:27.249" v="1956" actId="21"/>
+          <ac:spMkLst>
+            <pc:docMk/>
+            <pc:sldMk cId="2969362105" sldId="256"/>
+            <ac:spMk id="219" creationId="{C535147F-5E33-4A88-A749-7F6AB2A5F6B9}"/>
+          </ac:spMkLst>
+        </pc:spChg>
+        <pc:spChg chg="add del mod">
+          <ac:chgData name="Fatima Pillosu" userId="a6295d4dc9e22643" providerId="LiveId" clId="{5FC92842-FE7F-496C-AA0D-B609D11FB8B2}" dt="2021-04-19T11:19:27.249" v="1956" actId="21"/>
+          <ac:spMkLst>
+            <pc:docMk/>
+            <pc:sldMk cId="2969362105" sldId="256"/>
+            <ac:spMk id="220" creationId="{16A823CA-9424-430D-A9EF-6176986A5337}"/>
+          </ac:spMkLst>
+        </pc:spChg>
+        <pc:spChg chg="add del mod">
+          <ac:chgData name="Fatima Pillosu" userId="a6295d4dc9e22643" providerId="LiveId" clId="{5FC92842-FE7F-496C-AA0D-B609D11FB8B2}" dt="2021-04-19T11:19:27.249" v="1956" actId="21"/>
+          <ac:spMkLst>
+            <pc:docMk/>
+            <pc:sldMk cId="2969362105" sldId="256"/>
+            <ac:spMk id="222" creationId="{4337B525-5A6C-4876-B1CE-0D8FF7BB835D}"/>
+          </ac:spMkLst>
+        </pc:spChg>
+        <pc:spChg chg="add del mod">
+          <ac:chgData name="Fatima Pillosu" userId="a6295d4dc9e22643" providerId="LiveId" clId="{5FC92842-FE7F-496C-AA0D-B609D11FB8B2}" dt="2021-04-19T11:22:38.327" v="2077" actId="21"/>
+          <ac:spMkLst>
+            <pc:docMk/>
+            <pc:sldMk cId="2969362105" sldId="256"/>
+            <ac:spMk id="223" creationId="{FD409566-2C4E-4B12-922E-A0B20D37F6B3}"/>
+          </ac:spMkLst>
+        </pc:spChg>
+        <pc:spChg chg="add del mod">
+          <ac:chgData name="Fatima Pillosu" userId="a6295d4dc9e22643" providerId="LiveId" clId="{5FC92842-FE7F-496C-AA0D-B609D11FB8B2}" dt="2021-04-19T11:22:38.327" v="2077" actId="21"/>
+          <ac:spMkLst>
+            <pc:docMk/>
+            <pc:sldMk cId="2969362105" sldId="256"/>
+            <ac:spMk id="225" creationId="{1E772723-CD18-4954-809E-E2D3203F4E0F}"/>
+          </ac:spMkLst>
+        </pc:spChg>
+        <pc:spChg chg="add del mod">
+          <ac:chgData name="Fatima Pillosu" userId="a6295d4dc9e22643" providerId="LiveId" clId="{5FC92842-FE7F-496C-AA0D-B609D11FB8B2}" dt="2021-04-19T11:22:38.327" v="2077" actId="21"/>
+          <ac:spMkLst>
+            <pc:docMk/>
+            <pc:sldMk cId="2969362105" sldId="256"/>
+            <ac:spMk id="226" creationId="{944FADD2-7480-4999-8CEC-E42655DDAF4B}"/>
+          </ac:spMkLst>
+        </pc:spChg>
+        <pc:spChg chg="add del mod">
+          <ac:chgData name="Fatima Pillosu" userId="a6295d4dc9e22643" providerId="LiveId" clId="{5FC92842-FE7F-496C-AA0D-B609D11FB8B2}" dt="2021-04-19T11:22:38.327" v="2077" actId="21"/>
+          <ac:spMkLst>
+            <pc:docMk/>
+            <pc:sldMk cId="2969362105" sldId="256"/>
+            <ac:spMk id="227" creationId="{CB1BFCF3-D127-4DAA-859D-6A5BF049A14B}"/>
+          </ac:spMkLst>
+        </pc:spChg>
+        <pc:spChg chg="add del mod">
+          <ac:chgData name="Fatima Pillosu" userId="a6295d4dc9e22643" providerId="LiveId" clId="{5FC92842-FE7F-496C-AA0D-B609D11FB8B2}" dt="2021-04-19T11:22:38.327" v="2077" actId="21"/>
+          <ac:spMkLst>
+            <pc:docMk/>
+            <pc:sldMk cId="2969362105" sldId="256"/>
+            <ac:spMk id="229" creationId="{4AFC0599-E9C8-4220-A5AD-CA06BAD98EB6}"/>
+          </ac:spMkLst>
+        </pc:spChg>
+        <pc:spChg chg="add del mod">
+          <ac:chgData name="Fatima Pillosu" userId="a6295d4dc9e22643" providerId="LiveId" clId="{5FC92842-FE7F-496C-AA0D-B609D11FB8B2}" dt="2021-04-19T11:22:38.327" v="2077" actId="21"/>
+          <ac:spMkLst>
+            <pc:docMk/>
+            <pc:sldMk cId="2969362105" sldId="256"/>
+            <ac:spMk id="233" creationId="{44D66AAF-AC2B-4D96-86B1-B4C1C2074A76}"/>
+          </ac:spMkLst>
+        </pc:spChg>
+        <pc:spChg chg="add del mod">
+          <ac:chgData name="Fatima Pillosu" userId="a6295d4dc9e22643" providerId="LiveId" clId="{5FC92842-FE7F-496C-AA0D-B609D11FB8B2}" dt="2021-04-19T11:22:38.327" v="2077" actId="21"/>
+          <ac:spMkLst>
+            <pc:docMk/>
+            <pc:sldMk cId="2969362105" sldId="256"/>
+            <ac:spMk id="235" creationId="{B9D3E7BA-12EA-43F1-AB2C-00725C6C6C43}"/>
+          </ac:spMkLst>
+        </pc:spChg>
+        <pc:spChg chg="add del mod">
+          <ac:chgData name="Fatima Pillosu" userId="a6295d4dc9e22643" providerId="LiveId" clId="{5FC92842-FE7F-496C-AA0D-B609D11FB8B2}" dt="2021-04-19T11:22:38.327" v="2077" actId="21"/>
+          <ac:spMkLst>
+            <pc:docMk/>
+            <pc:sldMk cId="2969362105" sldId="256"/>
+            <ac:spMk id="236" creationId="{9EDC9FE1-F60F-4FC1-ACD1-2BF239CBAC98}"/>
+          </ac:spMkLst>
+        </pc:spChg>
+        <pc:spChg chg="add del mod">
+          <ac:chgData name="Fatima Pillosu" userId="a6295d4dc9e22643" providerId="LiveId" clId="{5FC92842-FE7F-496C-AA0D-B609D11FB8B2}" dt="2021-04-19T11:22:38.327" v="2077" actId="21"/>
+          <ac:spMkLst>
+            <pc:docMk/>
+            <pc:sldMk cId="2969362105" sldId="256"/>
+            <ac:spMk id="238" creationId="{86023F4E-1DF4-49AD-B8FC-67B2D7B6E7BB}"/>
+          </ac:spMkLst>
+        </pc:spChg>
+        <pc:spChg chg="add del mod">
+          <ac:chgData name="Fatima Pillosu" userId="a6295d4dc9e22643" providerId="LiveId" clId="{5FC92842-FE7F-496C-AA0D-B609D11FB8B2}" dt="2021-04-19T11:22:38.327" v="2077" actId="21"/>
+          <ac:spMkLst>
+            <pc:docMk/>
+            <pc:sldMk cId="2969362105" sldId="256"/>
+            <ac:spMk id="240" creationId="{B2DB0C59-A599-4CC6-BE82-C9BA1C7A67BA}"/>
+          </ac:spMkLst>
+        </pc:spChg>
+        <pc:spChg chg="add del mod">
+          <ac:chgData name="Fatima Pillosu" userId="a6295d4dc9e22643" providerId="LiveId" clId="{5FC92842-FE7F-496C-AA0D-B609D11FB8B2}" dt="2021-04-19T11:22:38.327" v="2077" actId="21"/>
+          <ac:spMkLst>
+            <pc:docMk/>
+            <pc:sldMk cId="2969362105" sldId="256"/>
+            <ac:spMk id="243" creationId="{CEE79466-677A-4C91-B3D3-6B6C5442483A}"/>
+          </ac:spMkLst>
+        </pc:spChg>
+        <pc:spChg chg="add del mod">
+          <ac:chgData name="Fatima Pillosu" userId="a6295d4dc9e22643" providerId="LiveId" clId="{5FC92842-FE7F-496C-AA0D-B609D11FB8B2}" dt="2021-04-19T11:22:38.327" v="2077" actId="21"/>
+          <ac:spMkLst>
+            <pc:docMk/>
+            <pc:sldMk cId="2969362105" sldId="256"/>
+            <ac:spMk id="244" creationId="{2A8A0DB9-2279-43BC-9004-72C8307DE6BE}"/>
+          </ac:spMkLst>
+        </pc:spChg>
+        <pc:spChg chg="add del mod">
+          <ac:chgData name="Fatima Pillosu" userId="a6295d4dc9e22643" providerId="LiveId" clId="{5FC92842-FE7F-496C-AA0D-B609D11FB8B2}" dt="2021-04-19T11:22:38.327" v="2077" actId="21"/>
+          <ac:spMkLst>
+            <pc:docMk/>
+            <pc:sldMk cId="2969362105" sldId="256"/>
+            <ac:spMk id="245" creationId="{229845EB-D99D-4AC3-A426-FF630E192D2E}"/>
+          </ac:spMkLst>
+        </pc:spChg>
+        <pc:spChg chg="add del mod">
+          <ac:chgData name="Fatima Pillosu" userId="a6295d4dc9e22643" providerId="LiveId" clId="{5FC92842-FE7F-496C-AA0D-B609D11FB8B2}" dt="2021-04-19T11:22:38.327" v="2077" actId="21"/>
+          <ac:spMkLst>
+            <pc:docMk/>
+            <pc:sldMk cId="2969362105" sldId="256"/>
+            <ac:spMk id="246" creationId="{FE2F50E8-708F-4259-AB4D-95751E925E5C}"/>
+          </ac:spMkLst>
+        </pc:spChg>
+        <pc:spChg chg="add del mod">
+          <ac:chgData name="Fatima Pillosu" userId="a6295d4dc9e22643" providerId="LiveId" clId="{5FC92842-FE7F-496C-AA0D-B609D11FB8B2}" dt="2021-04-19T11:22:38.327" v="2077" actId="21"/>
+          <ac:spMkLst>
+            <pc:docMk/>
+            <pc:sldMk cId="2969362105" sldId="256"/>
+            <ac:spMk id="247" creationId="{1BB85663-66DC-417A-9054-87A7F8934547}"/>
+          </ac:spMkLst>
+        </pc:spChg>
+        <pc:spChg chg="add del mod">
+          <ac:chgData name="Fatima Pillosu" userId="a6295d4dc9e22643" providerId="LiveId" clId="{5FC92842-FE7F-496C-AA0D-B609D11FB8B2}" dt="2021-04-19T11:22:38.327" v="2077" actId="21"/>
+          <ac:spMkLst>
+            <pc:docMk/>
+            <pc:sldMk cId="2969362105" sldId="256"/>
+            <ac:spMk id="248" creationId="{2126A1EF-6D6A-4153-AAAD-8C9E2F60BD51}"/>
+          </ac:spMkLst>
+        </pc:spChg>
+        <pc:spChg chg="add del mod">
+          <ac:chgData name="Fatima Pillosu" userId="a6295d4dc9e22643" providerId="LiveId" clId="{5FC92842-FE7F-496C-AA0D-B609D11FB8B2}" dt="2021-04-19T11:22:38.327" v="2077" actId="21"/>
+          <ac:spMkLst>
+            <pc:docMk/>
+            <pc:sldMk cId="2969362105" sldId="256"/>
+            <ac:spMk id="250" creationId="{2C22CBE1-3B86-4986-8309-66679E3BBCB6}"/>
+          </ac:spMkLst>
+        </pc:spChg>
+        <pc:spChg chg="add del mod">
+          <ac:chgData name="Fatima Pillosu" userId="a6295d4dc9e22643" providerId="LiveId" clId="{5FC92842-FE7F-496C-AA0D-B609D11FB8B2}" dt="2021-04-19T11:22:38.327" v="2077" actId="21"/>
+          <ac:spMkLst>
+            <pc:docMk/>
+            <pc:sldMk cId="2969362105" sldId="256"/>
+            <ac:spMk id="251" creationId="{2EE7E0C9-8248-482A-B5C9-E878F125B1E1}"/>
+          </ac:spMkLst>
+        </pc:spChg>
+        <pc:spChg chg="add del mod">
+          <ac:chgData name="Fatima Pillosu" userId="a6295d4dc9e22643" providerId="LiveId" clId="{5FC92842-FE7F-496C-AA0D-B609D11FB8B2}" dt="2021-04-19T11:22:38.327" v="2077" actId="21"/>
+          <ac:spMkLst>
+            <pc:docMk/>
+            <pc:sldMk cId="2969362105" sldId="256"/>
+            <ac:spMk id="252" creationId="{04D522AA-0AB0-41B5-B4C2-DC8EAE1AFDB8}"/>
+          </ac:spMkLst>
+        </pc:spChg>
+        <pc:spChg chg="add del mod">
+          <ac:chgData name="Fatima Pillosu" userId="a6295d4dc9e22643" providerId="LiveId" clId="{5FC92842-FE7F-496C-AA0D-B609D11FB8B2}" dt="2021-04-19T11:21:39.046" v="2004" actId="478"/>
+          <ac:spMkLst>
+            <pc:docMk/>
+            <pc:sldMk cId="2969362105" sldId="256"/>
+            <ac:spMk id="253" creationId="{FAD6B575-C786-492C-B552-C4E93B262A91}"/>
+          </ac:spMkLst>
+        </pc:spChg>
+        <pc:spChg chg="add del mod">
+          <ac:chgData name="Fatima Pillosu" userId="a6295d4dc9e22643" providerId="LiveId" clId="{5FC92842-FE7F-496C-AA0D-B609D11FB8B2}" dt="2021-04-19T11:22:38.327" v="2077" actId="21"/>
+          <ac:spMkLst>
+            <pc:docMk/>
+            <pc:sldMk cId="2969362105" sldId="256"/>
+            <ac:spMk id="254" creationId="{58DEE526-D427-4F0E-B669-92CF418FA457}"/>
+          </ac:spMkLst>
+        </pc:spChg>
+        <pc:spChg chg="add del mod">
+          <ac:chgData name="Fatima Pillosu" userId="a6295d4dc9e22643" providerId="LiveId" clId="{5FC92842-FE7F-496C-AA0D-B609D11FB8B2}" dt="2021-04-19T11:22:38.327" v="2077" actId="21"/>
+          <ac:spMkLst>
+            <pc:docMk/>
+            <pc:sldMk cId="2969362105" sldId="256"/>
+            <ac:spMk id="255" creationId="{AAC5410C-95D6-415F-A335-25CDA424F2F4}"/>
+          </ac:spMkLst>
+        </pc:spChg>
+        <pc:spChg chg="add del mod">
+          <ac:chgData name="Fatima Pillosu" userId="a6295d4dc9e22643" providerId="LiveId" clId="{5FC92842-FE7F-496C-AA0D-B609D11FB8B2}" dt="2021-04-19T11:22:38.327" v="2077" actId="21"/>
+          <ac:spMkLst>
+            <pc:docMk/>
+            <pc:sldMk cId="2969362105" sldId="256"/>
+            <ac:spMk id="257" creationId="{05A10961-E8FA-4FE4-AA95-D7D99EC25974}"/>
+          </ac:spMkLst>
+        </pc:spChg>
+        <pc:spChg chg="add del mod">
+          <ac:chgData name="Fatima Pillosu" userId="a6295d4dc9e22643" providerId="LiveId" clId="{5FC92842-FE7F-496C-AA0D-B609D11FB8B2}" dt="2021-04-19T11:22:38.327" v="2077" actId="21"/>
+          <ac:spMkLst>
+            <pc:docMk/>
+            <pc:sldMk cId="2969362105" sldId="256"/>
+            <ac:spMk id="258" creationId="{40CFC104-A91E-4498-9BA5-17801AC717EF}"/>
+          </ac:spMkLst>
+        </pc:spChg>
+        <pc:spChg chg="add del mod">
+          <ac:chgData name="Fatima Pillosu" userId="a6295d4dc9e22643" providerId="LiveId" clId="{5FC92842-FE7F-496C-AA0D-B609D11FB8B2}" dt="2021-04-19T11:22:38.327" v="2077" actId="21"/>
+          <ac:spMkLst>
+            <pc:docMk/>
+            <pc:sldMk cId="2969362105" sldId="256"/>
+            <ac:spMk id="259" creationId="{880C20DB-3A58-49B2-8900-AF53CFB0055D}"/>
+          </ac:spMkLst>
+        </pc:spChg>
+        <pc:spChg chg="add del mod">
+          <ac:chgData name="Fatima Pillosu" userId="a6295d4dc9e22643" providerId="LiveId" clId="{5FC92842-FE7F-496C-AA0D-B609D11FB8B2}" dt="2021-04-19T11:22:38.327" v="2077" actId="21"/>
+          <ac:spMkLst>
+            <pc:docMk/>
+            <pc:sldMk cId="2969362105" sldId="256"/>
+            <ac:spMk id="262" creationId="{34984EA9-B267-49E6-9EED-496E18CC09BF}"/>
+          </ac:spMkLst>
+        </pc:spChg>
+        <pc:spChg chg="add del mod">
+          <ac:chgData name="Fatima Pillosu" userId="a6295d4dc9e22643" providerId="LiveId" clId="{5FC92842-FE7F-496C-AA0D-B609D11FB8B2}" dt="2021-04-19T11:22:38.327" v="2077" actId="21"/>
+          <ac:spMkLst>
+            <pc:docMk/>
+            <pc:sldMk cId="2969362105" sldId="256"/>
+            <ac:spMk id="266" creationId="{BC8AB3E5-B6F3-4A66-8B16-3EF5AA718583}"/>
+          </ac:spMkLst>
+        </pc:spChg>
+        <pc:spChg chg="add del mod">
+          <ac:chgData name="Fatima Pillosu" userId="a6295d4dc9e22643" providerId="LiveId" clId="{5FC92842-FE7F-496C-AA0D-B609D11FB8B2}" dt="2021-04-19T11:22:38.327" v="2077" actId="21"/>
+          <ac:spMkLst>
+            <pc:docMk/>
+            <pc:sldMk cId="2969362105" sldId="256"/>
+            <ac:spMk id="267" creationId="{7DD0D4C2-72EC-4AA1-9C02-7807C0FC6F54}"/>
+          </ac:spMkLst>
+        </pc:spChg>
+        <pc:spChg chg="add del mod">
+          <ac:chgData name="Fatima Pillosu" userId="a6295d4dc9e22643" providerId="LiveId" clId="{5FC92842-FE7F-496C-AA0D-B609D11FB8B2}" dt="2021-04-19T11:22:38.327" v="2077" actId="21"/>
+          <ac:spMkLst>
+            <pc:docMk/>
+            <pc:sldMk cId="2969362105" sldId="256"/>
+            <ac:spMk id="268" creationId="{F6EA6543-AA13-49D9-B8A4-654755F262A0}"/>
+          </ac:spMkLst>
+        </pc:spChg>
+        <pc:spChg chg="add del mod">
+          <ac:chgData name="Fatima Pillosu" userId="a6295d4dc9e22643" providerId="LiveId" clId="{5FC92842-FE7F-496C-AA0D-B609D11FB8B2}" dt="2021-04-19T11:22:38.327" v="2077" actId="21"/>
+          <ac:spMkLst>
+            <pc:docMk/>
+            <pc:sldMk cId="2969362105" sldId="256"/>
+            <ac:spMk id="269" creationId="{62EDBBAD-9122-4FBC-97EE-8BE1CF3103DC}"/>
+          </ac:spMkLst>
+        </pc:spChg>
+        <pc:spChg chg="add del mod">
+          <ac:chgData name="Fatima Pillosu" userId="a6295d4dc9e22643" providerId="LiveId" clId="{5FC92842-FE7F-496C-AA0D-B609D11FB8B2}" dt="2021-04-19T11:22:38.327" v="2077" actId="21"/>
+          <ac:spMkLst>
+            <pc:docMk/>
+            <pc:sldMk cId="2969362105" sldId="256"/>
+            <ac:spMk id="270" creationId="{65E9646C-B1C0-4AE2-9560-F7481041E116}"/>
+          </ac:spMkLst>
+        </pc:spChg>
+        <pc:spChg chg="add del mod">
+          <ac:chgData name="Fatima Pillosu" userId="a6295d4dc9e22643" providerId="LiveId" clId="{5FC92842-FE7F-496C-AA0D-B609D11FB8B2}" dt="2021-04-19T11:22:38.327" v="2077" actId="21"/>
+          <ac:spMkLst>
+            <pc:docMk/>
+            <pc:sldMk cId="2969362105" sldId="256"/>
+            <ac:spMk id="271" creationId="{DD729B0D-6EB6-4334-B938-EBA68964E747}"/>
+          </ac:spMkLst>
+        </pc:spChg>
+        <pc:spChg chg="add del mod">
+          <ac:chgData name="Fatima Pillosu" userId="a6295d4dc9e22643" providerId="LiveId" clId="{5FC92842-FE7F-496C-AA0D-B609D11FB8B2}" dt="2021-04-19T11:22:38.327" v="2077" actId="21"/>
+          <ac:spMkLst>
+            <pc:docMk/>
+            <pc:sldMk cId="2969362105" sldId="256"/>
+            <ac:spMk id="273" creationId="{14E2F9AC-E938-42B9-8493-1F2985FF6F7C}"/>
+          </ac:spMkLst>
+        </pc:spChg>
+        <pc:spChg chg="add mod">
+          <ac:chgData name="Fatima Pillosu" userId="a6295d4dc9e22643" providerId="LiveId" clId="{5FC92842-FE7F-496C-AA0D-B609D11FB8B2}" dt="2021-04-19T11:22:49.274" v="2078"/>
+          <ac:spMkLst>
+            <pc:docMk/>
+            <pc:sldMk cId="2969362105" sldId="256"/>
+            <ac:spMk id="274" creationId="{FF79DF9F-1487-407E-861A-069621185F80}"/>
+          </ac:spMkLst>
+        </pc:spChg>
+        <pc:spChg chg="add mod">
+          <ac:chgData name="Fatima Pillosu" userId="a6295d4dc9e22643" providerId="LiveId" clId="{5FC92842-FE7F-496C-AA0D-B609D11FB8B2}" dt="2021-04-28T13:55:08.260" v="2398" actId="20577"/>
+          <ac:spMkLst>
+            <pc:docMk/>
+            <pc:sldMk cId="2969362105" sldId="256"/>
+            <ac:spMk id="276" creationId="{A4028105-B45C-400E-8ABD-4A4DBE480045}"/>
+          </ac:spMkLst>
+        </pc:spChg>
+        <pc:spChg chg="add mod">
+          <ac:chgData name="Fatima Pillosu" userId="a6295d4dc9e22643" providerId="LiveId" clId="{5FC92842-FE7F-496C-AA0D-B609D11FB8B2}" dt="2021-04-19T11:22:49.274" v="2078"/>
+          <ac:spMkLst>
+            <pc:docMk/>
+            <pc:sldMk cId="2969362105" sldId="256"/>
+            <ac:spMk id="277" creationId="{D1AA07F1-86F2-4818-BA27-6917628EF837}"/>
+          </ac:spMkLst>
+        </pc:spChg>
+        <pc:spChg chg="add mod">
+          <ac:chgData name="Fatima Pillosu" userId="a6295d4dc9e22643" providerId="LiveId" clId="{5FC92842-FE7F-496C-AA0D-B609D11FB8B2}" dt="2021-04-19T11:22:49.274" v="2078"/>
+          <ac:spMkLst>
+            <pc:docMk/>
+            <pc:sldMk cId="2969362105" sldId="256"/>
+            <ac:spMk id="278" creationId="{E53FDAD7-78A1-4E76-9E05-DDCE1642A0C7}"/>
+          </ac:spMkLst>
+        </pc:spChg>
+        <pc:spChg chg="add mod">
+          <ac:chgData name="Fatima Pillosu" userId="a6295d4dc9e22643" providerId="LiveId" clId="{5FC92842-FE7F-496C-AA0D-B609D11FB8B2}" dt="2021-04-19T11:22:49.274" v="2078"/>
+          <ac:spMkLst>
+            <pc:docMk/>
+            <pc:sldMk cId="2969362105" sldId="256"/>
+            <ac:spMk id="280" creationId="{8D7AAF46-A6B7-4E5B-B41A-4EE5B6C7F52F}"/>
+          </ac:spMkLst>
+        </pc:spChg>
+        <pc:spChg chg="add mod">
+          <ac:chgData name="Fatima Pillosu" userId="a6295d4dc9e22643" providerId="LiveId" clId="{5FC92842-FE7F-496C-AA0D-B609D11FB8B2}" dt="2021-04-19T11:22:49.274" v="2078"/>
+          <ac:spMkLst>
+            <pc:docMk/>
+            <pc:sldMk cId="2969362105" sldId="256"/>
+            <ac:spMk id="284" creationId="{3B1B785D-09F3-402E-83F8-E9CA56BB2ADA}"/>
+          </ac:spMkLst>
+        </pc:spChg>
+        <pc:spChg chg="add mod">
+          <ac:chgData name="Fatima Pillosu" userId="a6295d4dc9e22643" providerId="LiveId" clId="{5FC92842-FE7F-496C-AA0D-B609D11FB8B2}" dt="2021-04-19T11:22:49.274" v="2078"/>
+          <ac:spMkLst>
+            <pc:docMk/>
+            <pc:sldMk cId="2969362105" sldId="256"/>
+            <ac:spMk id="286" creationId="{320BE698-8F54-4C41-AF86-81D315831723}"/>
+          </ac:spMkLst>
+        </pc:spChg>
+        <pc:spChg chg="add mod">
+          <ac:chgData name="Fatima Pillosu" userId="a6295d4dc9e22643" providerId="LiveId" clId="{5FC92842-FE7F-496C-AA0D-B609D11FB8B2}" dt="2021-04-28T13:45:15.492" v="2117" actId="20577"/>
+          <ac:spMkLst>
+            <pc:docMk/>
+            <pc:sldMk cId="2969362105" sldId="256"/>
+            <ac:spMk id="287" creationId="{A4ED0840-9FA0-4DFF-85DE-380FF5681CDF}"/>
+          </ac:spMkLst>
+        </pc:spChg>
+        <pc:spChg chg="add mod">
+          <ac:chgData name="Fatima Pillosu" userId="a6295d4dc9e22643" providerId="LiveId" clId="{5FC92842-FE7F-496C-AA0D-B609D11FB8B2}" dt="2021-04-19T11:22:49.274" v="2078"/>
+          <ac:spMkLst>
+            <pc:docMk/>
+            <pc:sldMk cId="2969362105" sldId="256"/>
+            <ac:spMk id="289" creationId="{D722EC90-53E1-477E-8A82-A8C013FD8FA8}"/>
+          </ac:spMkLst>
+        </pc:spChg>
+        <pc:spChg chg="add mod">
+          <ac:chgData name="Fatima Pillosu" userId="a6295d4dc9e22643" providerId="LiveId" clId="{5FC92842-FE7F-496C-AA0D-B609D11FB8B2}" dt="2021-04-19T11:22:49.274" v="2078"/>
+          <ac:spMkLst>
+            <pc:docMk/>
+            <pc:sldMk cId="2969362105" sldId="256"/>
+            <ac:spMk id="291" creationId="{A8F9F45F-C1BE-440A-8C78-DC53AD562CE1}"/>
+          </ac:spMkLst>
+        </pc:spChg>
+        <pc:spChg chg="add mod">
+          <ac:chgData name="Fatima Pillosu" userId="a6295d4dc9e22643" providerId="LiveId" clId="{5FC92842-FE7F-496C-AA0D-B609D11FB8B2}" dt="2021-04-19T11:22:49.274" v="2078"/>
+          <ac:spMkLst>
+            <pc:docMk/>
+            <pc:sldMk cId="2969362105" sldId="256"/>
+            <ac:spMk id="294" creationId="{82D4433C-8EF9-4118-BF0A-254D2C585598}"/>
+          </ac:spMkLst>
+        </pc:spChg>
+        <pc:spChg chg="add mod">
+          <ac:chgData name="Fatima Pillosu" userId="a6295d4dc9e22643" providerId="LiveId" clId="{5FC92842-FE7F-496C-AA0D-B609D11FB8B2}" dt="2021-04-19T11:22:49.274" v="2078"/>
+          <ac:spMkLst>
+            <pc:docMk/>
+            <pc:sldMk cId="2969362105" sldId="256"/>
+            <ac:spMk id="295" creationId="{97A19938-240D-4334-ACA2-B0496814E8B8}"/>
+          </ac:spMkLst>
+        </pc:spChg>
+        <pc:spChg chg="add mod">
+          <ac:chgData name="Fatima Pillosu" userId="a6295d4dc9e22643" providerId="LiveId" clId="{5FC92842-FE7F-496C-AA0D-B609D11FB8B2}" dt="2021-04-19T11:22:49.274" v="2078"/>
+          <ac:spMkLst>
+            <pc:docMk/>
+            <pc:sldMk cId="2969362105" sldId="256"/>
+            <ac:spMk id="296" creationId="{F55E738F-4212-4CA2-8E69-1311A5957643}"/>
+          </ac:spMkLst>
+        </pc:spChg>
+        <pc:spChg chg="add mod">
+          <ac:chgData name="Fatima Pillosu" userId="a6295d4dc9e22643" providerId="LiveId" clId="{5FC92842-FE7F-496C-AA0D-B609D11FB8B2}" dt="2021-04-19T11:23:05.985" v="2086" actId="1038"/>
+          <ac:spMkLst>
+            <pc:docMk/>
+            <pc:sldMk cId="2969362105" sldId="256"/>
+            <ac:spMk id="297" creationId="{F9E0C54F-B2DC-411F-9838-BCEAD7473CA1}"/>
+          </ac:spMkLst>
+        </pc:spChg>
+        <pc:spChg chg="add mod">
+          <ac:chgData name="Fatima Pillosu" userId="a6295d4dc9e22643" providerId="LiveId" clId="{5FC92842-FE7F-496C-AA0D-B609D11FB8B2}" dt="2021-04-19T11:26:49.235" v="2091" actId="20577"/>
+          <ac:spMkLst>
+            <pc:docMk/>
+            <pc:sldMk cId="2969362105" sldId="256"/>
+            <ac:spMk id="298" creationId="{3A45AC96-C7B2-47F9-8511-8D5D9CF39B8E}"/>
+          </ac:spMkLst>
+        </pc:spChg>
+        <pc:spChg chg="add mod">
+          <ac:chgData name="Fatima Pillosu" userId="a6295d4dc9e22643" providerId="LiveId" clId="{5FC92842-FE7F-496C-AA0D-B609D11FB8B2}" dt="2021-04-19T11:29:31.882" v="2115" actId="20577"/>
+          <ac:spMkLst>
+            <pc:docMk/>
+            <pc:sldMk cId="2969362105" sldId="256"/>
+            <ac:spMk id="299" creationId="{E96C34E9-B6F4-424B-B963-9231561743E7}"/>
+          </ac:spMkLst>
+        </pc:spChg>
+        <pc:spChg chg="add mod">
+          <ac:chgData name="Fatima Pillosu" userId="a6295d4dc9e22643" providerId="LiveId" clId="{5FC92842-FE7F-496C-AA0D-B609D11FB8B2}" dt="2021-04-19T11:22:49.274" v="2078"/>
+          <ac:spMkLst>
+            <pc:docMk/>
+            <pc:sldMk cId="2969362105" sldId="256"/>
+            <ac:spMk id="301" creationId="{AB6B946D-1005-4413-A902-720056E98143}"/>
+          </ac:spMkLst>
+        </pc:spChg>
+        <pc:spChg chg="add mod">
+          <ac:chgData name="Fatima Pillosu" userId="a6295d4dc9e22643" providerId="LiveId" clId="{5FC92842-FE7F-496C-AA0D-B609D11FB8B2}" dt="2021-04-19T11:22:49.274" v="2078"/>
+          <ac:spMkLst>
+            <pc:docMk/>
+            <pc:sldMk cId="2969362105" sldId="256"/>
+            <ac:spMk id="302" creationId="{7F876B03-C553-4F2D-81DB-929E35DA78BA}"/>
+          </ac:spMkLst>
+        </pc:spChg>
+        <pc:spChg chg="add mod">
+          <ac:chgData name="Fatima Pillosu" userId="a6295d4dc9e22643" providerId="LiveId" clId="{5FC92842-FE7F-496C-AA0D-B609D11FB8B2}" dt="2021-04-28T13:46:19.737" v="2124" actId="14100"/>
+          <ac:spMkLst>
+            <pc:docMk/>
+            <pc:sldMk cId="2969362105" sldId="256"/>
+            <ac:spMk id="303" creationId="{0ABDED04-1ABF-4E52-A602-A8BEBBFEB836}"/>
+          </ac:spMkLst>
+        </pc:spChg>
+        <pc:spChg chg="add mod">
+          <ac:chgData name="Fatima Pillosu" userId="a6295d4dc9e22643" providerId="LiveId" clId="{5FC92842-FE7F-496C-AA0D-B609D11FB8B2}" dt="2021-04-19T11:22:49.274" v="2078"/>
+          <ac:spMkLst>
+            <pc:docMk/>
+            <pc:sldMk cId="2969362105" sldId="256"/>
+            <ac:spMk id="304" creationId="{633D1D4F-1612-4F30-B47C-CFEDE07D2DCA}"/>
+          </ac:spMkLst>
+        </pc:spChg>
+        <pc:spChg chg="add mod">
+          <ac:chgData name="Fatima Pillosu" userId="a6295d4dc9e22643" providerId="LiveId" clId="{5FC92842-FE7F-496C-AA0D-B609D11FB8B2}" dt="2021-04-19T11:22:49.274" v="2078"/>
+          <ac:spMkLst>
+            <pc:docMk/>
+            <pc:sldMk cId="2969362105" sldId="256"/>
+            <ac:spMk id="305" creationId="{8816B721-8510-40B7-A91D-543B4D706573}"/>
+          </ac:spMkLst>
+        </pc:spChg>
+        <pc:spChg chg="add mod">
+          <ac:chgData name="Fatima Pillosu" userId="a6295d4dc9e22643" providerId="LiveId" clId="{5FC92842-FE7F-496C-AA0D-B609D11FB8B2}" dt="2021-04-19T11:22:49.274" v="2078"/>
+          <ac:spMkLst>
+            <pc:docMk/>
+            <pc:sldMk cId="2969362105" sldId="256"/>
+            <ac:spMk id="307" creationId="{BECD5DC4-4074-4306-91A5-358C7EE4D0A5}"/>
+          </ac:spMkLst>
+        </pc:spChg>
+        <pc:spChg chg="add mod">
+          <ac:chgData name="Fatima Pillosu" userId="a6295d4dc9e22643" providerId="LiveId" clId="{5FC92842-FE7F-496C-AA0D-B609D11FB8B2}" dt="2021-04-19T11:22:49.274" v="2078"/>
+          <ac:spMkLst>
+            <pc:docMk/>
+            <pc:sldMk cId="2969362105" sldId="256"/>
+            <ac:spMk id="308" creationId="{1C7BFEA6-C2FE-4FE9-9604-D0A44D220340}"/>
+          </ac:spMkLst>
+        </pc:spChg>
+        <pc:spChg chg="add mod">
+          <ac:chgData name="Fatima Pillosu" userId="a6295d4dc9e22643" providerId="LiveId" clId="{5FC92842-FE7F-496C-AA0D-B609D11FB8B2}" dt="2021-04-19T11:22:49.274" v="2078"/>
+          <ac:spMkLst>
+            <pc:docMk/>
+            <pc:sldMk cId="2969362105" sldId="256"/>
+            <ac:spMk id="309" creationId="{DEBE84E6-A67F-463E-94FD-3D4BB80DA1CE}"/>
+          </ac:spMkLst>
+        </pc:spChg>
+        <pc:spChg chg="add mod">
+          <ac:chgData name="Fatima Pillosu" userId="a6295d4dc9e22643" providerId="LiveId" clId="{5FC92842-FE7F-496C-AA0D-B609D11FB8B2}" dt="2021-04-19T11:23:05.985" v="2086" actId="1038"/>
+          <ac:spMkLst>
+            <pc:docMk/>
+            <pc:sldMk cId="2969362105" sldId="256"/>
+            <ac:spMk id="312" creationId="{F133C7A8-79CC-4B79-85B4-2D62BC5CFC5A}"/>
+          </ac:spMkLst>
+        </pc:spChg>
+        <pc:spChg chg="add mod">
+          <ac:chgData name="Fatima Pillosu" userId="a6295d4dc9e22643" providerId="LiveId" clId="{5FC92842-FE7F-496C-AA0D-B609D11FB8B2}" dt="2021-04-28T13:46:06.282" v="2123" actId="14100"/>
+          <ac:spMkLst>
+            <pc:docMk/>
+            <pc:sldMk cId="2969362105" sldId="256"/>
+            <ac:spMk id="316" creationId="{B3C47BFC-CACF-4BDB-B286-87EC64B26DE6}"/>
+          </ac:spMkLst>
+        </pc:spChg>
+        <pc:spChg chg="add mod">
+          <ac:chgData name="Fatima Pillosu" userId="a6295d4dc9e22643" providerId="LiveId" clId="{5FC92842-FE7F-496C-AA0D-B609D11FB8B2}" dt="2021-04-28T13:46:25.185" v="2125" actId="14100"/>
+          <ac:spMkLst>
+            <pc:docMk/>
+            <pc:sldMk cId="2969362105" sldId="256"/>
+            <ac:spMk id="317" creationId="{279454DA-3D70-4BDE-BB78-161528294C9F}"/>
+          </ac:spMkLst>
+        </pc:spChg>
+        <pc:spChg chg="add mod">
+          <ac:chgData name="Fatima Pillosu" userId="a6295d4dc9e22643" providerId="LiveId" clId="{5FC92842-FE7F-496C-AA0D-B609D11FB8B2}" dt="2021-04-28T13:45:58.993" v="2122" actId="14100"/>
+          <ac:spMkLst>
+            <pc:docMk/>
+            <pc:sldMk cId="2969362105" sldId="256"/>
+            <ac:spMk id="318" creationId="{0167A455-A038-41D9-8993-CBD8166C7C77}"/>
+          </ac:spMkLst>
+        </pc:spChg>
+        <pc:spChg chg="add mod">
+          <ac:chgData name="Fatima Pillosu" userId="a6295d4dc9e22643" providerId="LiveId" clId="{5FC92842-FE7F-496C-AA0D-B609D11FB8B2}" dt="2021-04-19T11:22:49.274" v="2078"/>
+          <ac:spMkLst>
+            <pc:docMk/>
+            <pc:sldMk cId="2969362105" sldId="256"/>
+            <ac:spMk id="319" creationId="{9CAF3F53-8BC9-40DD-8A0A-9C3614175742}"/>
+          </ac:spMkLst>
+        </pc:spChg>
+        <pc:spChg chg="add mod">
+          <ac:chgData name="Fatima Pillosu" userId="a6295d4dc9e22643" providerId="LiveId" clId="{5FC92842-FE7F-496C-AA0D-B609D11FB8B2}" dt="2021-04-19T11:22:49.274" v="2078"/>
+          <ac:spMkLst>
+            <pc:docMk/>
+            <pc:sldMk cId="2969362105" sldId="256"/>
+            <ac:spMk id="320" creationId="{A9919B69-407B-4C05-8C89-BC4A34A94CCE}"/>
+          </ac:spMkLst>
+        </pc:spChg>
+        <pc:spChg chg="add mod">
+          <ac:chgData name="Fatima Pillosu" userId="a6295d4dc9e22643" providerId="LiveId" clId="{5FC92842-FE7F-496C-AA0D-B609D11FB8B2}" dt="2021-04-19T11:22:49.274" v="2078"/>
+          <ac:spMkLst>
+            <pc:docMk/>
+            <pc:sldMk cId="2969362105" sldId="256"/>
+            <ac:spMk id="321" creationId="{29A0D311-5AC7-4224-85D3-F8B10A570BEB}"/>
+          </ac:spMkLst>
+        </pc:spChg>
+        <pc:spChg chg="add mod">
+          <ac:chgData name="Fatima Pillosu" userId="a6295d4dc9e22643" providerId="LiveId" clId="{5FC92842-FE7F-496C-AA0D-B609D11FB8B2}" dt="2021-04-19T11:22:49.274" v="2078"/>
+          <ac:spMkLst>
+            <pc:docMk/>
+            <pc:sldMk cId="2969362105" sldId="256"/>
+            <ac:spMk id="323" creationId="{53766AEE-540D-49CC-889A-67E9EBB6C22A}"/>
+          </ac:spMkLst>
+        </pc:spChg>
+        <pc:cxnChg chg="add del mod">
+          <ac:chgData name="Fatima Pillosu" userId="a6295d4dc9e22643" providerId="LiveId" clId="{5FC92842-FE7F-496C-AA0D-B609D11FB8B2}" dt="2021-04-19T11:17:35.579" v="1927" actId="21"/>
+          <ac:cxnSpMkLst>
+            <pc:docMk/>
+            <pc:sldMk cId="2969362105" sldId="256"/>
+            <ac:cxnSpMk id="54" creationId="{2EAC5129-9425-498E-BB7B-2A13DE337D1C}"/>
+          </ac:cxnSpMkLst>
+        </pc:cxnChg>
+        <pc:cxnChg chg="add del mod">
+          <ac:chgData name="Fatima Pillosu" userId="a6295d4dc9e22643" providerId="LiveId" clId="{5FC92842-FE7F-496C-AA0D-B609D11FB8B2}" dt="2021-04-19T11:17:35.579" v="1927" actId="21"/>
+          <ac:cxnSpMkLst>
+            <pc:docMk/>
+            <pc:sldMk cId="2969362105" sldId="256"/>
+            <ac:cxnSpMk id="59" creationId="{8205B930-5A56-4F2D-B02C-3F15C8B4D203}"/>
+          </ac:cxnSpMkLst>
+        </pc:cxnChg>
+        <pc:cxnChg chg="add del mod">
+          <ac:chgData name="Fatima Pillosu" userId="a6295d4dc9e22643" providerId="LiveId" clId="{5FC92842-FE7F-496C-AA0D-B609D11FB8B2}" dt="2021-04-19T10:32:17.657" v="508" actId="478"/>
+          <ac:cxnSpMkLst>
+            <pc:docMk/>
+            <pc:sldMk cId="2969362105" sldId="256"/>
+            <ac:cxnSpMk id="65" creationId="{69268EB2-8776-466E-BE68-462A1A5434FE}"/>
+          </ac:cxnSpMkLst>
+        </pc:cxnChg>
+        <pc:cxnChg chg="add del mod">
+          <ac:chgData name="Fatima Pillosu" userId="a6295d4dc9e22643" providerId="LiveId" clId="{5FC92842-FE7F-496C-AA0D-B609D11FB8B2}" dt="2021-04-19T11:17:35.579" v="1927" actId="21"/>
+          <ac:cxnSpMkLst>
+            <pc:docMk/>
+            <pc:sldMk cId="2969362105" sldId="256"/>
+            <ac:cxnSpMk id="67" creationId="{F1CBA66A-C5CF-41F4-B40F-C44EC4D3DE26}"/>
+          </ac:cxnSpMkLst>
+        </pc:cxnChg>
+        <pc:cxnChg chg="add del mod">
+          <ac:chgData name="Fatima Pillosu" userId="a6295d4dc9e22643" providerId="LiveId" clId="{5FC92842-FE7F-496C-AA0D-B609D11FB8B2}" dt="2021-04-19T11:17:35.579" v="1927" actId="21"/>
+          <ac:cxnSpMkLst>
+            <pc:docMk/>
+            <pc:sldMk cId="2969362105" sldId="256"/>
+            <ac:cxnSpMk id="68" creationId="{DCC746D3-979E-48B4-A990-D325C813E5B1}"/>
+          </ac:cxnSpMkLst>
+        </pc:cxnChg>
+        <pc:cxnChg chg="add del mod">
+          <ac:chgData name="Fatima Pillosu" userId="a6295d4dc9e22643" providerId="LiveId" clId="{5FC92842-FE7F-496C-AA0D-B609D11FB8B2}" dt="2021-04-19T11:17:35.579" v="1927" actId="21"/>
+          <ac:cxnSpMkLst>
+            <pc:docMk/>
+            <pc:sldMk cId="2969362105" sldId="256"/>
+            <ac:cxnSpMk id="69" creationId="{3CEE963F-F40D-4B19-BD7C-EBA7947288D0}"/>
+          </ac:cxnSpMkLst>
+        </pc:cxnChg>
+        <pc:cxnChg chg="add del mod">
+          <ac:chgData name="Fatima Pillosu" userId="a6295d4dc9e22643" providerId="LiveId" clId="{5FC92842-FE7F-496C-AA0D-B609D11FB8B2}" dt="2021-04-19T11:17:17.415" v="1924" actId="478"/>
+          <ac:cxnSpMkLst>
+            <pc:docMk/>
+            <pc:sldMk cId="2969362105" sldId="256"/>
+            <ac:cxnSpMk id="97" creationId="{98415EDC-5623-4CD1-AF16-D6C689DFCFA6}"/>
+          </ac:cxnSpMkLst>
+        </pc:cxnChg>
+        <pc:cxnChg chg="add del mod">
+          <ac:chgData name="Fatima Pillosu" userId="a6295d4dc9e22643" providerId="LiveId" clId="{5FC92842-FE7F-496C-AA0D-B609D11FB8B2}" dt="2021-04-19T11:17:32.741" v="1926" actId="478"/>
+          <ac:cxnSpMkLst>
+            <pc:docMk/>
+            <pc:sldMk cId="2969362105" sldId="256"/>
+            <ac:cxnSpMk id="100" creationId="{ABC14329-E0C8-477B-B8A5-48611DEA08AF}"/>
+          </ac:cxnSpMkLst>
+        </pc:cxnChg>
+        <pc:cxnChg chg="add del mod">
+          <ac:chgData name="Fatima Pillosu" userId="a6295d4dc9e22643" providerId="LiveId" clId="{5FC92842-FE7F-496C-AA0D-B609D11FB8B2}" dt="2021-04-19T11:19:25.544" v="1955" actId="478"/>
+          <ac:cxnSpMkLst>
+            <pc:docMk/>
+            <pc:sldMk cId="2969362105" sldId="256"/>
+            <ac:cxnSpMk id="102" creationId="{5D6C933E-0D63-45A3-B379-E789C1374CB1}"/>
+          </ac:cxnSpMkLst>
+        </pc:cxnChg>
+        <pc:cxnChg chg="add del mod">
+          <ac:chgData name="Fatima Pillosu" userId="a6295d4dc9e22643" providerId="LiveId" clId="{5FC92842-FE7F-496C-AA0D-B609D11FB8B2}" dt="2021-04-19T11:22:13.798" v="2058" actId="478"/>
+          <ac:cxnSpMkLst>
+            <pc:docMk/>
+            <pc:sldMk cId="2969362105" sldId="256"/>
+            <ac:cxnSpMk id="106" creationId="{F2A68B5F-D2E1-421D-BD4A-DF4E73E8F870}"/>
+          </ac:cxnSpMkLst>
+        </pc:cxnChg>
+        <pc:cxnChg chg="add del">
+          <ac:chgData name="Fatima Pillosu" userId="a6295d4dc9e22643" providerId="LiveId" clId="{5FC92842-FE7F-496C-AA0D-B609D11FB8B2}" dt="2021-04-19T11:22:25.541" v="2060" actId="478"/>
+          <ac:cxnSpMkLst>
+            <pc:docMk/>
+            <pc:sldMk cId="2969362105" sldId="256"/>
+            <ac:cxnSpMk id="111" creationId="{EDCB76D3-6B72-4E22-900A-2788D7AEF931}"/>
+          </ac:cxnSpMkLst>
+        </pc:cxnChg>
+        <pc:cxnChg chg="del mod">
+          <ac:chgData name="Fatima Pillosu" userId="a6295d4dc9e22643" providerId="LiveId" clId="{5FC92842-FE7F-496C-AA0D-B609D11FB8B2}" dt="2021-04-19T11:17:35.579" v="1927" actId="21"/>
+          <ac:cxnSpMkLst>
+            <pc:docMk/>
+            <pc:sldMk cId="2969362105" sldId="256"/>
+            <ac:cxnSpMk id="124" creationId="{779677BE-F1CA-4B29-924A-C7DA79280957}"/>
+          </ac:cxnSpMkLst>
+        </pc:cxnChg>
+        <pc:cxnChg chg="del mod">
+          <ac:chgData name="Fatima Pillosu" userId="a6295d4dc9e22643" providerId="LiveId" clId="{5FC92842-FE7F-496C-AA0D-B609D11FB8B2}" dt="2021-04-19T10:28:27.179" v="416" actId="478"/>
+          <ac:cxnSpMkLst>
+            <pc:docMk/>
+            <pc:sldMk cId="2969362105" sldId="256"/>
+            <ac:cxnSpMk id="127" creationId="{A0ACE071-FEF5-4EDD-B496-2708F7773D1F}"/>
+          </ac:cxnSpMkLst>
+        </pc:cxnChg>
+        <pc:cxnChg chg="del mod">
+          <ac:chgData name="Fatima Pillosu" userId="a6295d4dc9e22643" providerId="LiveId" clId="{5FC92842-FE7F-496C-AA0D-B609D11FB8B2}" dt="2021-04-19T11:17:35.579" v="1927" actId="21"/>
+          <ac:cxnSpMkLst>
+            <pc:docMk/>
+            <pc:sldMk cId="2969362105" sldId="256"/>
+            <ac:cxnSpMk id="130" creationId="{8D749B95-1A18-4FB9-9607-1B45BA525832}"/>
+          </ac:cxnSpMkLst>
+        </pc:cxnChg>
+        <pc:cxnChg chg="del mod">
+          <ac:chgData name="Fatima Pillosu" userId="a6295d4dc9e22643" providerId="LiveId" clId="{5FC92842-FE7F-496C-AA0D-B609D11FB8B2}" dt="2021-04-19T11:05:28.949" v="1719" actId="478"/>
+          <ac:cxnSpMkLst>
+            <pc:docMk/>
+            <pc:sldMk cId="2969362105" sldId="256"/>
+            <ac:cxnSpMk id="131" creationId="{BB28CEDE-5F36-4E77-B6B6-C592E749D0F0}"/>
+          </ac:cxnSpMkLst>
+        </pc:cxnChg>
+        <pc:cxnChg chg="del mod">
+          <ac:chgData name="Fatima Pillosu" userId="a6295d4dc9e22643" providerId="LiveId" clId="{5FC92842-FE7F-496C-AA0D-B609D11FB8B2}" dt="2021-04-19T11:17:35.579" v="1927" actId="21"/>
+          <ac:cxnSpMkLst>
+            <pc:docMk/>
+            <pc:sldMk cId="2969362105" sldId="256"/>
+            <ac:cxnSpMk id="133" creationId="{61A5576A-A84F-47D4-8F98-179D82A4EB18}"/>
+          </ac:cxnSpMkLst>
+        </pc:cxnChg>
+        <pc:cxnChg chg="del mod">
+          <ac:chgData name="Fatima Pillosu" userId="a6295d4dc9e22643" providerId="LiveId" clId="{5FC92842-FE7F-496C-AA0D-B609D11FB8B2}" dt="2021-04-19T11:17:35.579" v="1927" actId="21"/>
+          <ac:cxnSpMkLst>
+            <pc:docMk/>
+            <pc:sldMk cId="2969362105" sldId="256"/>
+            <ac:cxnSpMk id="134" creationId="{D70564B0-29DB-4AB5-BEC0-71F5045299D6}"/>
+          </ac:cxnSpMkLst>
+        </pc:cxnChg>
+        <pc:cxnChg chg="del mod">
+          <ac:chgData name="Fatima Pillosu" userId="a6295d4dc9e22643" providerId="LiveId" clId="{5FC92842-FE7F-496C-AA0D-B609D11FB8B2}" dt="2021-04-19T11:17:35.579" v="1927" actId="21"/>
+          <ac:cxnSpMkLst>
+            <pc:docMk/>
+            <pc:sldMk cId="2969362105" sldId="256"/>
+            <ac:cxnSpMk id="135" creationId="{D77F8E08-D9F1-43C5-A42E-AAA8F781242D}"/>
+          </ac:cxnSpMkLst>
+        </pc:cxnChg>
+        <pc:cxnChg chg="del mod">
+          <ac:chgData name="Fatima Pillosu" userId="a6295d4dc9e22643" providerId="LiveId" clId="{5FC92842-FE7F-496C-AA0D-B609D11FB8B2}" dt="2021-04-19T11:17:35.579" v="1927" actId="21"/>
+          <ac:cxnSpMkLst>
+            <pc:docMk/>
+            <pc:sldMk cId="2969362105" sldId="256"/>
+            <ac:cxnSpMk id="137" creationId="{CADFB0E7-6D8C-4035-9DD4-6196FBF02B45}"/>
+          </ac:cxnSpMkLst>
+        </pc:cxnChg>
+        <pc:cxnChg chg="del mod">
+          <ac:chgData name="Fatima Pillosu" userId="a6295d4dc9e22643" providerId="LiveId" clId="{5FC92842-FE7F-496C-AA0D-B609D11FB8B2}" dt="2021-04-19T11:17:35.579" v="1927" actId="21"/>
+          <ac:cxnSpMkLst>
+            <pc:docMk/>
+            <pc:sldMk cId="2969362105" sldId="256"/>
+            <ac:cxnSpMk id="140" creationId="{77025495-4DB6-4AA0-AC52-619158943D75}"/>
+          </ac:cxnSpMkLst>
+        </pc:cxnChg>
+        <pc:cxnChg chg="del mod">
+          <ac:chgData name="Fatima Pillosu" userId="a6295d4dc9e22643" providerId="LiveId" clId="{5FC92842-FE7F-496C-AA0D-B609D11FB8B2}" dt="2021-04-19T11:17:35.579" v="1927" actId="21"/>
+          <ac:cxnSpMkLst>
+            <pc:docMk/>
+            <pc:sldMk cId="2969362105" sldId="256"/>
+            <ac:cxnSpMk id="142" creationId="{BA749652-883D-479B-B132-F405B264D034}"/>
+          </ac:cxnSpMkLst>
+        </pc:cxnChg>
+        <pc:cxnChg chg="del mod">
+          <ac:chgData name="Fatima Pillosu" userId="a6295d4dc9e22643" providerId="LiveId" clId="{5FC92842-FE7F-496C-AA0D-B609D11FB8B2}" dt="2021-04-19T10:26:52.626" v="390" actId="478"/>
+          <ac:cxnSpMkLst>
+            <pc:docMk/>
+            <pc:sldMk cId="2969362105" sldId="256"/>
+            <ac:cxnSpMk id="143" creationId="{F4349C01-53B4-45C7-B08A-A6FB18E85FAC}"/>
+          </ac:cxnSpMkLst>
+        </pc:cxnChg>
+        <pc:cxnChg chg="del mod">
+          <ac:chgData name="Fatima Pillosu" userId="a6295d4dc9e22643" providerId="LiveId" clId="{5FC92842-FE7F-496C-AA0D-B609D11FB8B2}" dt="2021-04-19T11:17:35.579" v="1927" actId="21"/>
+          <ac:cxnSpMkLst>
+            <pc:docMk/>
+            <pc:sldMk cId="2969362105" sldId="256"/>
+            <ac:cxnSpMk id="145" creationId="{C7B89DC0-E435-4097-9C9D-A5B35836C670}"/>
+          </ac:cxnSpMkLst>
+        </pc:cxnChg>
+        <pc:cxnChg chg="del mod">
+          <ac:chgData name="Fatima Pillosu" userId="a6295d4dc9e22643" providerId="LiveId" clId="{5FC92842-FE7F-496C-AA0D-B609D11FB8B2}" dt="2021-04-19T11:17:35.579" v="1927" actId="21"/>
+          <ac:cxnSpMkLst>
+            <pc:docMk/>
+            <pc:sldMk cId="2969362105" sldId="256"/>
+            <ac:cxnSpMk id="146" creationId="{E187B116-65BB-4475-A104-04D408D24A34}"/>
+          </ac:cxnSpMkLst>
+        </pc:cxnChg>
+        <pc:cxnChg chg="del mod">
+          <ac:chgData name="Fatima Pillosu" userId="a6295d4dc9e22643" providerId="LiveId" clId="{5FC92842-FE7F-496C-AA0D-B609D11FB8B2}" dt="2021-04-19T11:17:35.579" v="1927" actId="21"/>
+          <ac:cxnSpMkLst>
+            <pc:docMk/>
+            <pc:sldMk cId="2969362105" sldId="256"/>
+            <ac:cxnSpMk id="153" creationId="{51E6B9BE-8FA3-46A4-B642-F4D7649A0C43}"/>
+          </ac:cxnSpMkLst>
+        </pc:cxnChg>
+        <pc:cxnChg chg="del mod">
+          <ac:chgData name="Fatima Pillosu" userId="a6295d4dc9e22643" providerId="LiveId" clId="{5FC92842-FE7F-496C-AA0D-B609D11FB8B2}" dt="2021-04-19T10:32:16.154" v="507" actId="478"/>
+          <ac:cxnSpMkLst>
+            <pc:docMk/>
+            <pc:sldMk cId="2969362105" sldId="256"/>
+            <ac:cxnSpMk id="154" creationId="{A34FDA89-9AF1-44B9-873D-3C42AB161AD1}"/>
+          </ac:cxnSpMkLst>
+        </pc:cxnChg>
+        <pc:cxnChg chg="del mod">
+          <ac:chgData name="Fatima Pillosu" userId="a6295d4dc9e22643" providerId="LiveId" clId="{5FC92842-FE7F-496C-AA0D-B609D11FB8B2}" dt="2021-04-19T10:32:18.711" v="509" actId="478"/>
+          <ac:cxnSpMkLst>
+            <pc:docMk/>
+            <pc:sldMk cId="2969362105" sldId="256"/>
+            <ac:cxnSpMk id="155" creationId="{C5A0C94A-0F1D-44A5-9AD6-FE947E84859A}"/>
+          </ac:cxnSpMkLst>
+        </pc:cxnChg>
+        <pc:cxnChg chg="del mod">
+          <ac:chgData name="Fatima Pillosu" userId="a6295d4dc9e22643" providerId="LiveId" clId="{5FC92842-FE7F-496C-AA0D-B609D11FB8B2}" dt="2021-04-19T11:17:35.579" v="1927" actId="21"/>
+          <ac:cxnSpMkLst>
+            <pc:docMk/>
+            <pc:sldMk cId="2969362105" sldId="256"/>
+            <ac:cxnSpMk id="165" creationId="{BACAAD4A-A471-4E41-B7D3-296E3F0FC88B}"/>
+          </ac:cxnSpMkLst>
+        </pc:cxnChg>
+        <pc:cxnChg chg="del mod">
+          <ac:chgData name="Fatima Pillosu" userId="a6295d4dc9e22643" providerId="LiveId" clId="{5FC92842-FE7F-496C-AA0D-B609D11FB8B2}" dt="2021-04-19T10:27:13.419" v="399" actId="478"/>
+          <ac:cxnSpMkLst>
+            <pc:docMk/>
+            <pc:sldMk cId="2969362105" sldId="256"/>
+            <ac:cxnSpMk id="167" creationId="{3C5FF516-5F73-465A-8528-1C29A41FA446}"/>
+          </ac:cxnSpMkLst>
+        </pc:cxnChg>
+        <pc:cxnChg chg="add del mod">
+          <ac:chgData name="Fatima Pillosu" userId="a6295d4dc9e22643" providerId="LiveId" clId="{5FC92842-FE7F-496C-AA0D-B609D11FB8B2}" dt="2021-04-19T11:17:35.579" v="1927" actId="21"/>
+          <ac:cxnSpMkLst>
+            <pc:docMk/>
+            <pc:sldMk cId="2969362105" sldId="256"/>
+            <ac:cxnSpMk id="170" creationId="{9C0D5B43-77D3-40F2-9CA1-5B0D72C296DD}"/>
+          </ac:cxnSpMkLst>
+        </pc:cxnChg>
+        <pc:cxnChg chg="add del mod">
+          <ac:chgData name="Fatima Pillosu" userId="a6295d4dc9e22643" providerId="LiveId" clId="{5FC92842-FE7F-496C-AA0D-B609D11FB8B2}" dt="2021-04-19T11:19:27.249" v="1956" actId="21"/>
+          <ac:cxnSpMkLst>
+            <pc:docMk/>
+            <pc:sldMk cId="2969362105" sldId="256"/>
+            <ac:cxnSpMk id="173" creationId="{0EAB3948-59FC-4CCB-843A-F36EE1ECA6F5}"/>
+          </ac:cxnSpMkLst>
+        </pc:cxnChg>
+        <pc:cxnChg chg="add del mod">
+          <ac:chgData name="Fatima Pillosu" userId="a6295d4dc9e22643" providerId="LiveId" clId="{5FC92842-FE7F-496C-AA0D-B609D11FB8B2}" dt="2021-04-19T11:19:27.249" v="1956" actId="21"/>
+          <ac:cxnSpMkLst>
+            <pc:docMk/>
+            <pc:sldMk cId="2969362105" sldId="256"/>
+            <ac:cxnSpMk id="177" creationId="{AC1BB6E6-C681-4876-A689-850A511100FB}"/>
+          </ac:cxnSpMkLst>
+        </pc:cxnChg>
+        <pc:cxnChg chg="add del mod">
+          <ac:chgData name="Fatima Pillosu" userId="a6295d4dc9e22643" providerId="LiveId" clId="{5FC92842-FE7F-496C-AA0D-B609D11FB8B2}" dt="2021-04-19T11:19:27.249" v="1956" actId="21"/>
+          <ac:cxnSpMkLst>
+            <pc:docMk/>
+            <pc:sldMk cId="2969362105" sldId="256"/>
+            <ac:cxnSpMk id="179" creationId="{F5EF18F3-335D-41E0-9297-CF0F8260BE55}"/>
+          </ac:cxnSpMkLst>
+        </pc:cxnChg>
+        <pc:cxnChg chg="add del mod">
+          <ac:chgData name="Fatima Pillosu" userId="a6295d4dc9e22643" providerId="LiveId" clId="{5FC92842-FE7F-496C-AA0D-B609D11FB8B2}" dt="2021-04-19T11:19:27.249" v="1956" actId="21"/>
+          <ac:cxnSpMkLst>
+            <pc:docMk/>
+            <pc:sldMk cId="2969362105" sldId="256"/>
+            <ac:cxnSpMk id="180" creationId="{2E0D3C57-0D4A-4396-823C-583A67DFB5EF}"/>
+          </ac:cxnSpMkLst>
+        </pc:cxnChg>
+        <pc:cxnChg chg="add del mod">
+          <ac:chgData name="Fatima Pillosu" userId="a6295d4dc9e22643" providerId="LiveId" clId="{5FC92842-FE7F-496C-AA0D-B609D11FB8B2}" dt="2021-04-19T11:19:27.249" v="1956" actId="21"/>
+          <ac:cxnSpMkLst>
+            <pc:docMk/>
+            <pc:sldMk cId="2969362105" sldId="256"/>
+            <ac:cxnSpMk id="181" creationId="{D3B8065A-8A33-43DF-A021-D00D47F86517}"/>
+          </ac:cxnSpMkLst>
+        </pc:cxnChg>
+        <pc:cxnChg chg="add del mod">
+          <ac:chgData name="Fatima Pillosu" userId="a6295d4dc9e22643" providerId="LiveId" clId="{5FC92842-FE7F-496C-AA0D-B609D11FB8B2}" dt="2021-04-19T11:19:27.249" v="1956" actId="21"/>
+          <ac:cxnSpMkLst>
+            <pc:docMk/>
+            <pc:sldMk cId="2969362105" sldId="256"/>
+            <ac:cxnSpMk id="183" creationId="{E51206A2-7C86-47F0-BDD7-EA0E3A4C94A1}"/>
+          </ac:cxnSpMkLst>
+        </pc:cxnChg>
+        <pc:cxnChg chg="add del mod">
+          <ac:chgData name="Fatima Pillosu" userId="a6295d4dc9e22643" providerId="LiveId" clId="{5FC92842-FE7F-496C-AA0D-B609D11FB8B2}" dt="2021-04-19T11:19:27.249" v="1956" actId="21"/>
+          <ac:cxnSpMkLst>
+            <pc:docMk/>
+            <pc:sldMk cId="2969362105" sldId="256"/>
+            <ac:cxnSpMk id="186" creationId="{7F5D623D-54BC-426E-83EB-9074657443ED}"/>
+          </ac:cxnSpMkLst>
+        </pc:cxnChg>
+        <pc:cxnChg chg="add del mod">
+          <ac:chgData name="Fatima Pillosu" userId="a6295d4dc9e22643" providerId="LiveId" clId="{5FC92842-FE7F-496C-AA0D-B609D11FB8B2}" dt="2021-04-19T11:19:27.249" v="1956" actId="21"/>
+          <ac:cxnSpMkLst>
+            <pc:docMk/>
+            <pc:sldMk cId="2969362105" sldId="256"/>
+            <ac:cxnSpMk id="188" creationId="{3C6E4EC4-4610-4EF7-874B-E923FC75809A}"/>
+          </ac:cxnSpMkLst>
+        </pc:cxnChg>
+        <pc:cxnChg chg="add del mod">
+          <ac:chgData name="Fatima Pillosu" userId="a6295d4dc9e22643" providerId="LiveId" clId="{5FC92842-FE7F-496C-AA0D-B609D11FB8B2}" dt="2021-04-19T11:19:27.249" v="1956" actId="21"/>
+          <ac:cxnSpMkLst>
+            <pc:docMk/>
+            <pc:sldMk cId="2969362105" sldId="256"/>
+            <ac:cxnSpMk id="190" creationId="{7DC43A87-293D-44CE-BE92-A0FC33D81CBD}"/>
+          </ac:cxnSpMkLst>
+        </pc:cxnChg>
+        <pc:cxnChg chg="add del mod">
+          <ac:chgData name="Fatima Pillosu" userId="a6295d4dc9e22643" providerId="LiveId" clId="{5FC92842-FE7F-496C-AA0D-B609D11FB8B2}" dt="2021-04-19T11:19:27.249" v="1956" actId="21"/>
+          <ac:cxnSpMkLst>
+            <pc:docMk/>
+            <pc:sldMk cId="2969362105" sldId="256"/>
+            <ac:cxnSpMk id="191" creationId="{72B9822C-0007-4771-BD34-F0F98E4C896A}"/>
+          </ac:cxnSpMkLst>
+        </pc:cxnChg>
+        <pc:cxnChg chg="add del mod">
+          <ac:chgData name="Fatima Pillosu" userId="a6295d4dc9e22643" providerId="LiveId" clId="{5FC92842-FE7F-496C-AA0D-B609D11FB8B2}" dt="2021-04-19T11:19:27.249" v="1956" actId="21"/>
+          <ac:cxnSpMkLst>
+            <pc:docMk/>
+            <pc:sldMk cId="2969362105" sldId="256"/>
+            <ac:cxnSpMk id="198" creationId="{CA9B4B40-3BAA-4A30-B882-53A6EFE27819}"/>
+          </ac:cxnSpMkLst>
+        </pc:cxnChg>
+        <pc:cxnChg chg="add del mod">
+          <ac:chgData name="Fatima Pillosu" userId="a6295d4dc9e22643" providerId="LiveId" clId="{5FC92842-FE7F-496C-AA0D-B609D11FB8B2}" dt="2021-04-19T11:19:27.249" v="1956" actId="21"/>
+          <ac:cxnSpMkLst>
+            <pc:docMk/>
+            <pc:sldMk cId="2969362105" sldId="256"/>
+            <ac:cxnSpMk id="205" creationId="{E1E0E549-664D-412E-9637-EE1EFBE27202}"/>
+          </ac:cxnSpMkLst>
+        </pc:cxnChg>
+        <pc:cxnChg chg="add del mod">
+          <ac:chgData name="Fatima Pillosu" userId="a6295d4dc9e22643" providerId="LiveId" clId="{5FC92842-FE7F-496C-AA0D-B609D11FB8B2}" dt="2021-04-19T11:19:27.249" v="1956" actId="21"/>
+          <ac:cxnSpMkLst>
+            <pc:docMk/>
+            <pc:sldMk cId="2969362105" sldId="256"/>
+            <ac:cxnSpMk id="209" creationId="{D865B398-532E-4B7E-BDEF-789D7E99CB01}"/>
+          </ac:cxnSpMkLst>
+        </pc:cxnChg>
+        <pc:cxnChg chg="add del mod">
+          <ac:chgData name="Fatima Pillosu" userId="a6295d4dc9e22643" providerId="LiveId" clId="{5FC92842-FE7F-496C-AA0D-B609D11FB8B2}" dt="2021-04-19T11:19:27.249" v="1956" actId="21"/>
+          <ac:cxnSpMkLst>
+            <pc:docMk/>
+            <pc:sldMk cId="2969362105" sldId="256"/>
+            <ac:cxnSpMk id="210" creationId="{D2FF6D30-0ACF-4965-B37F-3767DCF37555}"/>
+          </ac:cxnSpMkLst>
+        </pc:cxnChg>
+        <pc:cxnChg chg="add del mod">
+          <ac:chgData name="Fatima Pillosu" userId="a6295d4dc9e22643" providerId="LiveId" clId="{5FC92842-FE7F-496C-AA0D-B609D11FB8B2}" dt="2021-04-19T11:19:27.249" v="1956" actId="21"/>
+          <ac:cxnSpMkLst>
+            <pc:docMk/>
+            <pc:sldMk cId="2969362105" sldId="256"/>
+            <ac:cxnSpMk id="212" creationId="{1572E53C-AE72-4411-8ABB-7818AE898F5F}"/>
+          </ac:cxnSpMkLst>
+        </pc:cxnChg>
+        <pc:cxnChg chg="add del mod">
+          <ac:chgData name="Fatima Pillosu" userId="a6295d4dc9e22643" providerId="LiveId" clId="{5FC92842-FE7F-496C-AA0D-B609D11FB8B2}" dt="2021-04-19T11:19:27.249" v="1956" actId="21"/>
+          <ac:cxnSpMkLst>
+            <pc:docMk/>
+            <pc:sldMk cId="2969362105" sldId="256"/>
+            <ac:cxnSpMk id="213" creationId="{39625590-D725-460D-ABA5-95FC7E2C4FAB}"/>
+          </ac:cxnSpMkLst>
+        </pc:cxnChg>
+        <pc:cxnChg chg="add del mod">
+          <ac:chgData name="Fatima Pillosu" userId="a6295d4dc9e22643" providerId="LiveId" clId="{5FC92842-FE7F-496C-AA0D-B609D11FB8B2}" dt="2021-04-19T11:19:27.249" v="1956" actId="21"/>
+          <ac:cxnSpMkLst>
+            <pc:docMk/>
+            <pc:sldMk cId="2969362105" sldId="256"/>
+            <ac:cxnSpMk id="214" creationId="{C580EA47-F37B-452D-BFA3-F7357C9A1B7A}"/>
+          </ac:cxnSpMkLst>
+        </pc:cxnChg>
+        <pc:cxnChg chg="add del mod">
+          <ac:chgData name="Fatima Pillosu" userId="a6295d4dc9e22643" providerId="LiveId" clId="{5FC92842-FE7F-496C-AA0D-B609D11FB8B2}" dt="2021-04-19T11:19:27.249" v="1956" actId="21"/>
+          <ac:cxnSpMkLst>
+            <pc:docMk/>
+            <pc:sldMk cId="2969362105" sldId="256"/>
+            <ac:cxnSpMk id="221" creationId="{5B54750C-F6BD-4938-87E7-D48AFD6BF803}"/>
+          </ac:cxnSpMkLst>
+        </pc:cxnChg>
+        <pc:cxnChg chg="add del mod">
+          <ac:chgData name="Fatima Pillosu" userId="a6295d4dc9e22643" providerId="LiveId" clId="{5FC92842-FE7F-496C-AA0D-B609D11FB8B2}" dt="2021-04-19T11:22:38.327" v="2077" actId="21"/>
+          <ac:cxnSpMkLst>
+            <pc:docMk/>
+            <pc:sldMk cId="2969362105" sldId="256"/>
+            <ac:cxnSpMk id="224" creationId="{4D37DB40-2487-48B4-A5C3-B7FC1A31D6A5}"/>
+          </ac:cxnSpMkLst>
+        </pc:cxnChg>
+        <pc:cxnChg chg="add del mod">
+          <ac:chgData name="Fatima Pillosu" userId="a6295d4dc9e22643" providerId="LiveId" clId="{5FC92842-FE7F-496C-AA0D-B609D11FB8B2}" dt="2021-04-19T11:22:38.327" v="2077" actId="21"/>
+          <ac:cxnSpMkLst>
+            <pc:docMk/>
+            <pc:sldMk cId="2969362105" sldId="256"/>
+            <ac:cxnSpMk id="228" creationId="{DD7A0B7E-4439-4CF9-99D1-92D3CC832397}"/>
+          </ac:cxnSpMkLst>
+        </pc:cxnChg>
+        <pc:cxnChg chg="add del mod">
+          <ac:chgData name="Fatima Pillosu" userId="a6295d4dc9e22643" providerId="LiveId" clId="{5FC92842-FE7F-496C-AA0D-B609D11FB8B2}" dt="2021-04-19T11:22:38.327" v="2077" actId="21"/>
+          <ac:cxnSpMkLst>
+            <pc:docMk/>
+            <pc:sldMk cId="2969362105" sldId="256"/>
+            <ac:cxnSpMk id="230" creationId="{067C555B-8FC3-46A2-A7CB-A5008EBEE096}"/>
+          </ac:cxnSpMkLst>
+        </pc:cxnChg>
+        <pc:cxnChg chg="add del mod">
+          <ac:chgData name="Fatima Pillosu" userId="a6295d4dc9e22643" providerId="LiveId" clId="{5FC92842-FE7F-496C-AA0D-B609D11FB8B2}" dt="2021-04-19T11:22:38.327" v="2077" actId="21"/>
+          <ac:cxnSpMkLst>
+            <pc:docMk/>
+            <pc:sldMk cId="2969362105" sldId="256"/>
+            <ac:cxnSpMk id="231" creationId="{0B9AE43A-2DD8-4D27-8FB3-97A568616E00}"/>
+          </ac:cxnSpMkLst>
+        </pc:cxnChg>
+        <pc:cxnChg chg="add del mod">
+          <ac:chgData name="Fatima Pillosu" userId="a6295d4dc9e22643" providerId="LiveId" clId="{5FC92842-FE7F-496C-AA0D-B609D11FB8B2}" dt="2021-04-19T11:22:38.327" v="2077" actId="21"/>
+          <ac:cxnSpMkLst>
+            <pc:docMk/>
+            <pc:sldMk cId="2969362105" sldId="256"/>
+            <ac:cxnSpMk id="232" creationId="{BEDAA750-B05A-4194-9591-10DF1B3BD380}"/>
+          </ac:cxnSpMkLst>
+        </pc:cxnChg>
+        <pc:cxnChg chg="add del mod">
+          <ac:chgData name="Fatima Pillosu" userId="a6295d4dc9e22643" providerId="LiveId" clId="{5FC92842-FE7F-496C-AA0D-B609D11FB8B2}" dt="2021-04-19T11:22:38.327" v="2077" actId="21"/>
+          <ac:cxnSpMkLst>
+            <pc:docMk/>
+            <pc:sldMk cId="2969362105" sldId="256"/>
+            <ac:cxnSpMk id="234" creationId="{1DE1FB41-25E3-43F8-B8A1-04CFEA52060B}"/>
+          </ac:cxnSpMkLst>
+        </pc:cxnChg>
+        <pc:cxnChg chg="add del mod">
+          <ac:chgData name="Fatima Pillosu" userId="a6295d4dc9e22643" providerId="LiveId" clId="{5FC92842-FE7F-496C-AA0D-B609D11FB8B2}" dt="2021-04-19T11:22:38.327" v="2077" actId="21"/>
+          <ac:cxnSpMkLst>
+            <pc:docMk/>
+            <pc:sldMk cId="2969362105" sldId="256"/>
+            <ac:cxnSpMk id="237" creationId="{07C0469F-64B0-4939-83BD-BA28BFDB86A5}"/>
+          </ac:cxnSpMkLst>
+        </pc:cxnChg>
+        <pc:cxnChg chg="add del mod">
+          <ac:chgData name="Fatima Pillosu" userId="a6295d4dc9e22643" providerId="LiveId" clId="{5FC92842-FE7F-496C-AA0D-B609D11FB8B2}" dt="2021-04-19T11:22:38.327" v="2077" actId="21"/>
+          <ac:cxnSpMkLst>
+            <pc:docMk/>
+            <pc:sldMk cId="2969362105" sldId="256"/>
+            <ac:cxnSpMk id="239" creationId="{1BF43B45-E7E9-4FC5-AC87-265892405B91}"/>
+          </ac:cxnSpMkLst>
+        </pc:cxnChg>
+        <pc:cxnChg chg="add del mod">
+          <ac:chgData name="Fatima Pillosu" userId="a6295d4dc9e22643" providerId="LiveId" clId="{5FC92842-FE7F-496C-AA0D-B609D11FB8B2}" dt="2021-04-19T11:22:38.327" v="2077" actId="21"/>
+          <ac:cxnSpMkLst>
+            <pc:docMk/>
+            <pc:sldMk cId="2969362105" sldId="256"/>
+            <ac:cxnSpMk id="241" creationId="{767BBA1D-67ED-4A34-A338-AA15AA1FC5A5}"/>
+          </ac:cxnSpMkLst>
+        </pc:cxnChg>
+        <pc:cxnChg chg="add del mod">
+          <ac:chgData name="Fatima Pillosu" userId="a6295d4dc9e22643" providerId="LiveId" clId="{5FC92842-FE7F-496C-AA0D-B609D11FB8B2}" dt="2021-04-19T11:22:38.327" v="2077" actId="21"/>
+          <ac:cxnSpMkLst>
+            <pc:docMk/>
+            <pc:sldMk cId="2969362105" sldId="256"/>
+            <ac:cxnSpMk id="242" creationId="{2CE0B688-DA10-4FD3-9047-F60FB4D503D0}"/>
+          </ac:cxnSpMkLst>
+        </pc:cxnChg>
+        <pc:cxnChg chg="add del mod">
+          <ac:chgData name="Fatima Pillosu" userId="a6295d4dc9e22643" providerId="LiveId" clId="{5FC92842-FE7F-496C-AA0D-B609D11FB8B2}" dt="2021-04-19T11:22:38.327" v="2077" actId="21"/>
+          <ac:cxnSpMkLst>
+            <pc:docMk/>
+            <pc:sldMk cId="2969362105" sldId="256"/>
+            <ac:cxnSpMk id="249" creationId="{24CF3CD7-A592-47DA-97B0-48BFFF5B0EAD}"/>
+          </ac:cxnSpMkLst>
+        </pc:cxnChg>
+        <pc:cxnChg chg="add del mod">
+          <ac:chgData name="Fatima Pillosu" userId="a6295d4dc9e22643" providerId="LiveId" clId="{5FC92842-FE7F-496C-AA0D-B609D11FB8B2}" dt="2021-04-19T11:22:38.327" v="2077" actId="21"/>
+          <ac:cxnSpMkLst>
+            <pc:docMk/>
+            <pc:sldMk cId="2969362105" sldId="256"/>
+            <ac:cxnSpMk id="256" creationId="{2118191D-7A2E-421F-86BD-4A9921712E55}"/>
+          </ac:cxnSpMkLst>
+        </pc:cxnChg>
+        <pc:cxnChg chg="add del mod">
+          <ac:chgData name="Fatima Pillosu" userId="a6295d4dc9e22643" providerId="LiveId" clId="{5FC92842-FE7F-496C-AA0D-B609D11FB8B2}" dt="2021-04-19T11:22:38.327" v="2077" actId="21"/>
+          <ac:cxnSpMkLst>
+            <pc:docMk/>
+            <pc:sldMk cId="2969362105" sldId="256"/>
+            <ac:cxnSpMk id="260" creationId="{C0E7CEDF-4D13-4FD7-9436-BAEC7682B38A}"/>
+          </ac:cxnSpMkLst>
+        </pc:cxnChg>
+        <pc:cxnChg chg="add del mod">
+          <ac:chgData name="Fatima Pillosu" userId="a6295d4dc9e22643" providerId="LiveId" clId="{5FC92842-FE7F-496C-AA0D-B609D11FB8B2}" dt="2021-04-19T11:22:38.327" v="2077" actId="21"/>
+          <ac:cxnSpMkLst>
+            <pc:docMk/>
+            <pc:sldMk cId="2969362105" sldId="256"/>
+            <ac:cxnSpMk id="261" creationId="{38982D34-1A8E-4BB1-9533-BD4DC46702FA}"/>
+          </ac:cxnSpMkLst>
+        </pc:cxnChg>
+        <pc:cxnChg chg="add del mod">
+          <ac:chgData name="Fatima Pillosu" userId="a6295d4dc9e22643" providerId="LiveId" clId="{5FC92842-FE7F-496C-AA0D-B609D11FB8B2}" dt="2021-04-19T11:22:38.327" v="2077" actId="21"/>
+          <ac:cxnSpMkLst>
+            <pc:docMk/>
+            <pc:sldMk cId="2969362105" sldId="256"/>
+            <ac:cxnSpMk id="263" creationId="{DD0DD5EC-CEF0-4D51-9110-7622FFE0B521}"/>
+          </ac:cxnSpMkLst>
+        </pc:cxnChg>
+        <pc:cxnChg chg="add del mod">
+          <ac:chgData name="Fatima Pillosu" userId="a6295d4dc9e22643" providerId="LiveId" clId="{5FC92842-FE7F-496C-AA0D-B609D11FB8B2}" dt="2021-04-19T11:22:38.327" v="2077" actId="21"/>
+          <ac:cxnSpMkLst>
+            <pc:docMk/>
+            <pc:sldMk cId="2969362105" sldId="256"/>
+            <ac:cxnSpMk id="264" creationId="{E9A38407-D950-4790-B9D5-A6E1D2B240B5}"/>
+          </ac:cxnSpMkLst>
+        </pc:cxnChg>
+        <pc:cxnChg chg="add del mod">
+          <ac:chgData name="Fatima Pillosu" userId="a6295d4dc9e22643" providerId="LiveId" clId="{5FC92842-FE7F-496C-AA0D-B609D11FB8B2}" dt="2021-04-19T11:22:38.327" v="2077" actId="21"/>
+          <ac:cxnSpMkLst>
+            <pc:docMk/>
+            <pc:sldMk cId="2969362105" sldId="256"/>
+            <ac:cxnSpMk id="265" creationId="{7E5D237B-24B5-4774-8B41-8CCF7BFCECEB}"/>
+          </ac:cxnSpMkLst>
+        </pc:cxnChg>
+        <pc:cxnChg chg="add del mod">
+          <ac:chgData name="Fatima Pillosu" userId="a6295d4dc9e22643" providerId="LiveId" clId="{5FC92842-FE7F-496C-AA0D-B609D11FB8B2}" dt="2021-04-19T11:22:38.327" v="2077" actId="21"/>
+          <ac:cxnSpMkLst>
+            <pc:docMk/>
+            <pc:sldMk cId="2969362105" sldId="256"/>
+            <ac:cxnSpMk id="272" creationId="{7FBF1859-3BF6-4265-A4F1-31C15C575AB4}"/>
+          </ac:cxnSpMkLst>
+        </pc:cxnChg>
+        <pc:cxnChg chg="add mod">
+          <ac:chgData name="Fatima Pillosu" userId="a6295d4dc9e22643" providerId="LiveId" clId="{5FC92842-FE7F-496C-AA0D-B609D11FB8B2}" dt="2021-04-19T11:22:49.274" v="2078"/>
+          <ac:cxnSpMkLst>
+            <pc:docMk/>
+            <pc:sldMk cId="2969362105" sldId="256"/>
+            <ac:cxnSpMk id="275" creationId="{9BEA76AC-D60A-4316-A5AA-575BB36DC52E}"/>
+          </ac:cxnSpMkLst>
+        </pc:cxnChg>
+        <pc:cxnChg chg="add mod">
+          <ac:chgData name="Fatima Pillosu" userId="a6295d4dc9e22643" providerId="LiveId" clId="{5FC92842-FE7F-496C-AA0D-B609D11FB8B2}" dt="2021-04-19T11:22:49.274" v="2078"/>
+          <ac:cxnSpMkLst>
+            <pc:docMk/>
+            <pc:sldMk cId="2969362105" sldId="256"/>
+            <ac:cxnSpMk id="279" creationId="{C20DDDF8-1222-4C32-AF2A-96ABEDBF8E4E}"/>
+          </ac:cxnSpMkLst>
+        </pc:cxnChg>
+        <pc:cxnChg chg="add mod">
+          <ac:chgData name="Fatima Pillosu" userId="a6295d4dc9e22643" providerId="LiveId" clId="{5FC92842-FE7F-496C-AA0D-B609D11FB8B2}" dt="2021-04-19T11:22:49.274" v="2078"/>
+          <ac:cxnSpMkLst>
+            <pc:docMk/>
+            <pc:sldMk cId="2969362105" sldId="256"/>
+            <ac:cxnSpMk id="281" creationId="{181058EB-9A65-4FAB-9E23-9C5A70478661}"/>
+          </ac:cxnSpMkLst>
+        </pc:cxnChg>
+        <pc:cxnChg chg="add mod">
+          <ac:chgData name="Fatima Pillosu" userId="a6295d4dc9e22643" providerId="LiveId" clId="{5FC92842-FE7F-496C-AA0D-B609D11FB8B2}" dt="2021-04-19T11:22:49.274" v="2078"/>
+          <ac:cxnSpMkLst>
+            <pc:docMk/>
+            <pc:sldMk cId="2969362105" sldId="256"/>
+            <ac:cxnSpMk id="282" creationId="{A4F13381-DCEE-438C-A0D2-88CB1F462CEA}"/>
+          </ac:cxnSpMkLst>
+        </pc:cxnChg>
+        <pc:cxnChg chg="add mod">
+          <ac:chgData name="Fatima Pillosu" userId="a6295d4dc9e22643" providerId="LiveId" clId="{5FC92842-FE7F-496C-AA0D-B609D11FB8B2}" dt="2021-04-19T11:22:49.274" v="2078"/>
+          <ac:cxnSpMkLst>
+            <pc:docMk/>
+            <pc:sldMk cId="2969362105" sldId="256"/>
+            <ac:cxnSpMk id="283" creationId="{4482F5B4-28DD-4EB7-BFD8-791D5174DCB0}"/>
+          </ac:cxnSpMkLst>
+        </pc:cxnChg>
+        <pc:cxnChg chg="add mod">
+          <ac:chgData name="Fatima Pillosu" userId="a6295d4dc9e22643" providerId="LiveId" clId="{5FC92842-FE7F-496C-AA0D-B609D11FB8B2}" dt="2021-04-19T11:22:49.274" v="2078"/>
+          <ac:cxnSpMkLst>
+            <pc:docMk/>
+            <pc:sldMk cId="2969362105" sldId="256"/>
+            <ac:cxnSpMk id="285" creationId="{136F3906-07B5-4636-A646-BC5ED3F80328}"/>
+          </ac:cxnSpMkLst>
+        </pc:cxnChg>
+        <pc:cxnChg chg="add mod">
+          <ac:chgData name="Fatima Pillosu" userId="a6295d4dc9e22643" providerId="LiveId" clId="{5FC92842-FE7F-496C-AA0D-B609D11FB8B2}" dt="2021-04-19T11:22:49.274" v="2078"/>
+          <ac:cxnSpMkLst>
+            <pc:docMk/>
+            <pc:sldMk cId="2969362105" sldId="256"/>
+            <ac:cxnSpMk id="288" creationId="{98B47DB0-631E-4893-98A3-D8BA4A7A5A29}"/>
+          </ac:cxnSpMkLst>
+        </pc:cxnChg>
+        <pc:cxnChg chg="add mod">
+          <ac:chgData name="Fatima Pillosu" userId="a6295d4dc9e22643" providerId="LiveId" clId="{5FC92842-FE7F-496C-AA0D-B609D11FB8B2}" dt="2021-04-19T11:22:49.274" v="2078"/>
+          <ac:cxnSpMkLst>
+            <pc:docMk/>
+            <pc:sldMk cId="2969362105" sldId="256"/>
+            <ac:cxnSpMk id="290" creationId="{DED19E2E-A4F9-41D9-88D9-326BB1E4DE5A}"/>
+          </ac:cxnSpMkLst>
+        </pc:cxnChg>
+        <pc:cxnChg chg="add mod">
+          <ac:chgData name="Fatima Pillosu" userId="a6295d4dc9e22643" providerId="LiveId" clId="{5FC92842-FE7F-496C-AA0D-B609D11FB8B2}" dt="2021-04-19T11:22:49.274" v="2078"/>
+          <ac:cxnSpMkLst>
+            <pc:docMk/>
+            <pc:sldMk cId="2969362105" sldId="256"/>
+            <ac:cxnSpMk id="292" creationId="{41F60FD2-85A7-4F60-964E-F18CBBB167CE}"/>
+          </ac:cxnSpMkLst>
+        </pc:cxnChg>
+        <pc:cxnChg chg="add mod">
+          <ac:chgData name="Fatima Pillosu" userId="a6295d4dc9e22643" providerId="LiveId" clId="{5FC92842-FE7F-496C-AA0D-B609D11FB8B2}" dt="2021-04-19T11:22:49.274" v="2078"/>
+          <ac:cxnSpMkLst>
+            <pc:docMk/>
+            <pc:sldMk cId="2969362105" sldId="256"/>
+            <ac:cxnSpMk id="293" creationId="{BA8C51A4-67B1-4ECA-9327-902B18925157}"/>
+          </ac:cxnSpMkLst>
+        </pc:cxnChg>
+        <pc:cxnChg chg="add mod">
+          <ac:chgData name="Fatima Pillosu" userId="a6295d4dc9e22643" providerId="LiveId" clId="{5FC92842-FE7F-496C-AA0D-B609D11FB8B2}" dt="2021-04-19T11:23:05.985" v="2086" actId="1038"/>
+          <ac:cxnSpMkLst>
+            <pc:docMk/>
+            <pc:sldMk cId="2969362105" sldId="256"/>
+            <ac:cxnSpMk id="300" creationId="{C5FFDD23-5D0C-40DF-98F4-1191DA5783D4}"/>
+          </ac:cxnSpMkLst>
+        </pc:cxnChg>
+        <pc:cxnChg chg="add mod">
+          <ac:chgData name="Fatima Pillosu" userId="a6295d4dc9e22643" providerId="LiveId" clId="{5FC92842-FE7F-496C-AA0D-B609D11FB8B2}" dt="2021-04-19T11:22:49.274" v="2078"/>
+          <ac:cxnSpMkLst>
+            <pc:docMk/>
+            <pc:sldMk cId="2969362105" sldId="256"/>
+            <ac:cxnSpMk id="306" creationId="{A6599E61-DDCB-4380-B6E5-D06FED9DA323}"/>
+          </ac:cxnSpMkLst>
+        </pc:cxnChg>
+        <pc:cxnChg chg="add mod">
+          <ac:chgData name="Fatima Pillosu" userId="a6295d4dc9e22643" providerId="LiveId" clId="{5FC92842-FE7F-496C-AA0D-B609D11FB8B2}" dt="2021-04-19T11:22:49.274" v="2078"/>
+          <ac:cxnSpMkLst>
+            <pc:docMk/>
+            <pc:sldMk cId="2969362105" sldId="256"/>
+            <ac:cxnSpMk id="310" creationId="{70CFACB8-3C68-4BB7-9F84-2F5BF1C04F0C}"/>
+          </ac:cxnSpMkLst>
+        </pc:cxnChg>
+        <pc:cxnChg chg="add mod">
+          <ac:chgData name="Fatima Pillosu" userId="a6295d4dc9e22643" providerId="LiveId" clId="{5FC92842-FE7F-496C-AA0D-B609D11FB8B2}" dt="2021-04-19T11:22:49.274" v="2078"/>
+          <ac:cxnSpMkLst>
+            <pc:docMk/>
+            <pc:sldMk cId="2969362105" sldId="256"/>
+            <ac:cxnSpMk id="311" creationId="{045FCFE1-A3A3-4867-8736-397761D5CFE4}"/>
+          </ac:cxnSpMkLst>
+        </pc:cxnChg>
+        <pc:cxnChg chg="add mod">
+          <ac:chgData name="Fatima Pillosu" userId="a6295d4dc9e22643" providerId="LiveId" clId="{5FC92842-FE7F-496C-AA0D-B609D11FB8B2}" dt="2021-04-19T11:23:05.985" v="2086" actId="1038"/>
+          <ac:cxnSpMkLst>
+            <pc:docMk/>
+            <pc:sldMk cId="2969362105" sldId="256"/>
+            <ac:cxnSpMk id="313" creationId="{3AED1A57-276A-42DD-A317-6294D1B6F574}"/>
+          </ac:cxnSpMkLst>
+        </pc:cxnChg>
+        <pc:cxnChg chg="add mod">
+          <ac:chgData name="Fatima Pillosu" userId="a6295d4dc9e22643" providerId="LiveId" clId="{5FC92842-FE7F-496C-AA0D-B609D11FB8B2}" dt="2021-04-19T11:23:05.985" v="2086" actId="1038"/>
+          <ac:cxnSpMkLst>
+            <pc:docMk/>
+            <pc:sldMk cId="2969362105" sldId="256"/>
+            <ac:cxnSpMk id="314" creationId="{F9A4A458-2370-4427-832D-132CFD2FCA41}"/>
+          </ac:cxnSpMkLst>
+        </pc:cxnChg>
+        <pc:cxnChg chg="add mod">
+          <ac:chgData name="Fatima Pillosu" userId="a6295d4dc9e22643" providerId="LiveId" clId="{5FC92842-FE7F-496C-AA0D-B609D11FB8B2}" dt="2021-04-19T11:23:05.985" v="2086" actId="1038"/>
+          <ac:cxnSpMkLst>
+            <pc:docMk/>
+            <pc:sldMk cId="2969362105" sldId="256"/>
+            <ac:cxnSpMk id="315" creationId="{992FE70A-8B15-4CB0-A6DE-29A41353B07A}"/>
+          </ac:cxnSpMkLst>
+        </pc:cxnChg>
+        <pc:cxnChg chg="add mod">
+          <ac:chgData name="Fatima Pillosu" userId="a6295d4dc9e22643" providerId="LiveId" clId="{5FC92842-FE7F-496C-AA0D-B609D11FB8B2}" dt="2021-04-19T11:22:49.274" v="2078"/>
+          <ac:cxnSpMkLst>
+            <pc:docMk/>
+            <pc:sldMk cId="2969362105" sldId="256"/>
+            <ac:cxnSpMk id="322" creationId="{7179D054-B835-47C6-9CAD-E3511804EE78}"/>
           </ac:cxnSpMkLst>
         </pc:cxnChg>
       </pc:sldChg>
@@ -10065,7 +11833,7 @@
           <a:p>
             <a:fld id="{316FE1D3-FB31-4194-964E-25DAFFD80F93}" type="datetimeFigureOut">
               <a:rPr lang="en-GB" smtClean="0"/>
-              <a:t>15/02/2021</a:t>
+              <a:t>28/04/2021</a:t>
             </a:fld>
             <a:endParaRPr lang="en-GB"/>
           </a:p>
@@ -10083,8 +11851,8 @@
         </p:nvSpPr>
         <p:spPr>
           <a:xfrm>
-            <a:off x="2390775" y="1143000"/>
-            <a:ext cx="2076450" cy="3086100"/>
+            <a:off x="2473325" y="1143000"/>
+            <a:ext cx="1911350" cy="3086100"/>
           </a:xfrm>
           <a:prstGeom prst="rect">
             <a:avLst/>
@@ -10239,8 +12007,8 @@
   </p:cSld>
   <p:clrMap bg1="lt1" tx1="dk1" bg2="lt2" tx2="dk2" accent1="accent1" accent2="accent2" accent3="accent3" accent4="accent4" accent5="accent5" accent6="accent6" hlink="hlink" folHlink="folHlink"/>
   <p:notesStyle>
-    <a:lvl1pPr marL="0" algn="l" defTabSz="700573" rtl="0" eaLnBrk="1" latinLnBrk="0" hangingPunct="1">
-      <a:defRPr sz="919" kern="1200">
+    <a:lvl1pPr marL="0" algn="l" defTabSz="771891" rtl="0" eaLnBrk="1" latinLnBrk="0" hangingPunct="1">
+      <a:defRPr sz="1013" kern="1200">
         <a:solidFill>
           <a:schemeClr val="tx1"/>
         </a:solidFill>
@@ -10249,8 +12017,8 @@
         <a:cs typeface="+mn-cs"/>
       </a:defRPr>
     </a:lvl1pPr>
-    <a:lvl2pPr marL="350286" algn="l" defTabSz="700573" rtl="0" eaLnBrk="1" latinLnBrk="0" hangingPunct="1">
-      <a:defRPr sz="919" kern="1200">
+    <a:lvl2pPr marL="385945" algn="l" defTabSz="771891" rtl="0" eaLnBrk="1" latinLnBrk="0" hangingPunct="1">
+      <a:defRPr sz="1013" kern="1200">
         <a:solidFill>
           <a:schemeClr val="tx1"/>
         </a:solidFill>
@@ -10259,8 +12027,8 @@
         <a:cs typeface="+mn-cs"/>
       </a:defRPr>
     </a:lvl2pPr>
-    <a:lvl3pPr marL="700573" algn="l" defTabSz="700573" rtl="0" eaLnBrk="1" latinLnBrk="0" hangingPunct="1">
-      <a:defRPr sz="919" kern="1200">
+    <a:lvl3pPr marL="771891" algn="l" defTabSz="771891" rtl="0" eaLnBrk="1" latinLnBrk="0" hangingPunct="1">
+      <a:defRPr sz="1013" kern="1200">
         <a:solidFill>
           <a:schemeClr val="tx1"/>
         </a:solidFill>
@@ -10269,8 +12037,8 @@
         <a:cs typeface="+mn-cs"/>
       </a:defRPr>
     </a:lvl3pPr>
-    <a:lvl4pPr marL="1050858" algn="l" defTabSz="700573" rtl="0" eaLnBrk="1" latinLnBrk="0" hangingPunct="1">
-      <a:defRPr sz="919" kern="1200">
+    <a:lvl4pPr marL="1157835" algn="l" defTabSz="771891" rtl="0" eaLnBrk="1" latinLnBrk="0" hangingPunct="1">
+      <a:defRPr sz="1013" kern="1200">
         <a:solidFill>
           <a:schemeClr val="tx1"/>
         </a:solidFill>
@@ -10279,8 +12047,8 @@
         <a:cs typeface="+mn-cs"/>
       </a:defRPr>
     </a:lvl4pPr>
-    <a:lvl5pPr marL="1401145" algn="l" defTabSz="700573" rtl="0" eaLnBrk="1" latinLnBrk="0" hangingPunct="1">
-      <a:defRPr sz="919" kern="1200">
+    <a:lvl5pPr marL="1543782" algn="l" defTabSz="771891" rtl="0" eaLnBrk="1" latinLnBrk="0" hangingPunct="1">
+      <a:defRPr sz="1013" kern="1200">
         <a:solidFill>
           <a:schemeClr val="tx1"/>
         </a:solidFill>
@@ -10289,8 +12057,8 @@
         <a:cs typeface="+mn-cs"/>
       </a:defRPr>
     </a:lvl5pPr>
-    <a:lvl6pPr marL="1751431" algn="l" defTabSz="700573" rtl="0" eaLnBrk="1" latinLnBrk="0" hangingPunct="1">
-      <a:defRPr sz="919" kern="1200">
+    <a:lvl6pPr marL="1929727" algn="l" defTabSz="771891" rtl="0" eaLnBrk="1" latinLnBrk="0" hangingPunct="1">
+      <a:defRPr sz="1013" kern="1200">
         <a:solidFill>
           <a:schemeClr val="tx1"/>
         </a:solidFill>
@@ -10299,8 +12067,8 @@
         <a:cs typeface="+mn-cs"/>
       </a:defRPr>
     </a:lvl6pPr>
-    <a:lvl7pPr marL="2101718" algn="l" defTabSz="700573" rtl="0" eaLnBrk="1" latinLnBrk="0" hangingPunct="1">
-      <a:defRPr sz="919" kern="1200">
+    <a:lvl7pPr marL="2315673" algn="l" defTabSz="771891" rtl="0" eaLnBrk="1" latinLnBrk="0" hangingPunct="1">
+      <a:defRPr sz="1013" kern="1200">
         <a:solidFill>
           <a:schemeClr val="tx1"/>
         </a:solidFill>
@@ -10309,8 +12077,8 @@
         <a:cs typeface="+mn-cs"/>
       </a:defRPr>
     </a:lvl7pPr>
-    <a:lvl8pPr marL="2452003" algn="l" defTabSz="700573" rtl="0" eaLnBrk="1" latinLnBrk="0" hangingPunct="1">
-      <a:defRPr sz="919" kern="1200">
+    <a:lvl8pPr marL="2701617" algn="l" defTabSz="771891" rtl="0" eaLnBrk="1" latinLnBrk="0" hangingPunct="1">
+      <a:defRPr sz="1013" kern="1200">
         <a:solidFill>
           <a:schemeClr val="tx1"/>
         </a:solidFill>
@@ -10319,8 +12087,8 @@
         <a:cs typeface="+mn-cs"/>
       </a:defRPr>
     </a:lvl8pPr>
-    <a:lvl9pPr marL="2802290" algn="l" defTabSz="700573" rtl="0" eaLnBrk="1" latinLnBrk="0" hangingPunct="1">
-      <a:defRPr sz="919" kern="1200">
+    <a:lvl9pPr marL="3087563" algn="l" defTabSz="771891" rtl="0" eaLnBrk="1" latinLnBrk="0" hangingPunct="1">
+      <a:defRPr sz="1013" kern="1200">
         <a:solidFill>
           <a:schemeClr val="tx1"/>
         </a:solidFill>
@@ -10362,8 +12130,8 @@
         </p:nvSpPr>
         <p:spPr>
           <a:xfrm>
-            <a:off x="2390775" y="1143000"/>
-            <a:ext cx="2076450" cy="3086100"/>
+            <a:off x="2473325" y="1143000"/>
+            <a:ext cx="1911350" cy="3086100"/>
           </a:xfrm>
         </p:spPr>
       </p:sp>
@@ -10451,15 +12219,15 @@
         </p:nvSpPr>
         <p:spPr>
           <a:xfrm>
-            <a:off x="256461" y="830601"/>
-            <a:ext cx="2906554" cy="1766935"/>
+            <a:off x="259199" y="913219"/>
+            <a:ext cx="2937590" cy="1942689"/>
           </a:xfrm>
         </p:spPr>
         <p:txBody>
           <a:bodyPr anchor="b"/>
           <a:lstStyle>
             <a:lvl1pPr algn="ctr">
-              <a:defRPr sz="2244"/>
+              <a:defRPr sz="2268"/>
             </a:lvl1pPr>
           </a:lstStyle>
           <a:p>
@@ -10483,8 +12251,8 @@
         </p:nvSpPr>
         <p:spPr>
           <a:xfrm>
-            <a:off x="427435" y="2665675"/>
-            <a:ext cx="2564606" cy="1225341"/>
+            <a:off x="431999" y="2930825"/>
+            <a:ext cx="2591991" cy="1347223"/>
           </a:xfrm>
         </p:spPr>
         <p:txBody>
@@ -10492,39 +12260,39 @@
           <a:lstStyle>
             <a:lvl1pPr marL="0" indent="0" algn="ctr">
               <a:buNone/>
-              <a:defRPr sz="898"/>
+              <a:defRPr sz="907"/>
             </a:lvl1pPr>
-            <a:lvl2pPr marL="170993" indent="0" algn="ctr">
+            <a:lvl2pPr marL="172822" indent="0" algn="ctr">
               <a:buNone/>
-              <a:defRPr sz="748"/>
+              <a:defRPr sz="756"/>
             </a:lvl2pPr>
-            <a:lvl3pPr marL="341986" indent="0" algn="ctr">
+            <a:lvl3pPr marL="345643" indent="0" algn="ctr">
               <a:buNone/>
-              <a:defRPr sz="673"/>
+              <a:defRPr sz="680"/>
             </a:lvl3pPr>
-            <a:lvl4pPr marL="512978" indent="0" algn="ctr">
+            <a:lvl4pPr marL="518465" indent="0" algn="ctr">
               <a:buNone/>
-              <a:defRPr sz="598"/>
+              <a:defRPr sz="605"/>
             </a:lvl4pPr>
-            <a:lvl5pPr marL="683971" indent="0" algn="ctr">
+            <a:lvl5pPr marL="691286" indent="0" algn="ctr">
               <a:buNone/>
-              <a:defRPr sz="598"/>
+              <a:defRPr sz="605"/>
             </a:lvl5pPr>
-            <a:lvl6pPr marL="854964" indent="0" algn="ctr">
+            <a:lvl6pPr marL="864108" indent="0" algn="ctr">
               <a:buNone/>
-              <a:defRPr sz="598"/>
+              <a:defRPr sz="605"/>
             </a:lvl6pPr>
-            <a:lvl7pPr marL="1025957" indent="0" algn="ctr">
+            <a:lvl7pPr marL="1036930" indent="0" algn="ctr">
               <a:buNone/>
-              <a:defRPr sz="598"/>
+              <a:defRPr sz="605"/>
             </a:lvl7pPr>
-            <a:lvl8pPr marL="1196950" indent="0" algn="ctr">
+            <a:lvl8pPr marL="1209751" indent="0" algn="ctr">
               <a:buNone/>
-              <a:defRPr sz="598"/>
+              <a:defRPr sz="605"/>
             </a:lvl8pPr>
-            <a:lvl9pPr marL="1367942" indent="0" algn="ctr">
+            <a:lvl9pPr marL="1382573" indent="0" algn="ctr">
               <a:buNone/>
-              <a:defRPr sz="598"/>
+              <a:defRPr sz="605"/>
             </a:lvl9pPr>
           </a:lstStyle>
           <a:p>
@@ -10553,7 +12321,7 @@
           <a:p>
             <a:fld id="{79798564-FF97-402E-A2A0-52C33396791A}" type="datetimeFigureOut">
               <a:rPr lang="en-GB" smtClean="0"/>
-              <a:t>15/02/2021</a:t>
+              <a:t>28/04/2021</a:t>
             </a:fld>
             <a:endParaRPr lang="en-GB"/>
           </a:p>
@@ -10604,7 +12372,7 @@
     </p:spTree>
     <p:extLst>
       <p:ext uri="{BB962C8B-B14F-4D97-AF65-F5344CB8AC3E}">
-        <p14:creationId xmlns:p14="http://schemas.microsoft.com/office/powerpoint/2010/main" val="1151461173"/>
+        <p14:creationId xmlns:p14="http://schemas.microsoft.com/office/powerpoint/2010/main" val="3167940561"/>
       </p:ext>
     </p:extLst>
   </p:cSld>
@@ -10723,7 +12491,7 @@
           <a:p>
             <a:fld id="{79798564-FF97-402E-A2A0-52C33396791A}" type="datetimeFigureOut">
               <a:rPr lang="en-GB" smtClean="0"/>
-              <a:t>15/02/2021</a:t>
+              <a:t>28/04/2021</a:t>
             </a:fld>
             <a:endParaRPr lang="en-GB"/>
           </a:p>
@@ -10774,7 +12542,7 @@
     </p:spTree>
     <p:extLst>
       <p:ext uri="{BB962C8B-B14F-4D97-AF65-F5344CB8AC3E}">
-        <p14:creationId xmlns:p14="http://schemas.microsoft.com/office/powerpoint/2010/main" val="3979490985"/>
+        <p14:creationId xmlns:p14="http://schemas.microsoft.com/office/powerpoint/2010/main" val="1391620382"/>
       </p:ext>
     </p:extLst>
   </p:cSld>
@@ -10813,8 +12581,8 @@
         </p:nvSpPr>
         <p:spPr>
           <a:xfrm>
-            <a:off x="2447062" y="270209"/>
-            <a:ext cx="737324" cy="4301030"/>
+            <a:off x="2473192" y="297087"/>
+            <a:ext cx="745197" cy="4728845"/>
           </a:xfrm>
         </p:spPr>
         <p:txBody>
@@ -10841,8 +12609,8 @@
         </p:nvSpPr>
         <p:spPr>
           <a:xfrm>
-            <a:off x="235089" y="270209"/>
-            <a:ext cx="2169229" cy="4301030"/>
+            <a:off x="237600" y="297087"/>
+            <a:ext cx="2192392" cy="4728845"/>
           </a:xfrm>
         </p:spPr>
         <p:txBody>
@@ -10903,7 +12671,7 @@
           <a:p>
             <a:fld id="{79798564-FF97-402E-A2A0-52C33396791A}" type="datetimeFigureOut">
               <a:rPr lang="en-GB" smtClean="0"/>
-              <a:t>15/02/2021</a:t>
+              <a:t>28/04/2021</a:t>
             </a:fld>
             <a:endParaRPr lang="en-GB"/>
           </a:p>
@@ -10954,7 +12722,7 @@
     </p:spTree>
     <p:extLst>
       <p:ext uri="{BB962C8B-B14F-4D97-AF65-F5344CB8AC3E}">
-        <p14:creationId xmlns:p14="http://schemas.microsoft.com/office/powerpoint/2010/main" val="3493310199"/>
+        <p14:creationId xmlns:p14="http://schemas.microsoft.com/office/powerpoint/2010/main" val="481796761"/>
       </p:ext>
     </p:extLst>
   </p:cSld>
@@ -11073,7 +12841,7 @@
           <a:p>
             <a:fld id="{79798564-FF97-402E-A2A0-52C33396791A}" type="datetimeFigureOut">
               <a:rPr lang="en-GB" smtClean="0"/>
-              <a:t>15/02/2021</a:t>
+              <a:t>28/04/2021</a:t>
             </a:fld>
             <a:endParaRPr lang="en-GB"/>
           </a:p>
@@ -11124,7 +12892,7 @@
     </p:spTree>
     <p:extLst>
       <p:ext uri="{BB962C8B-B14F-4D97-AF65-F5344CB8AC3E}">
-        <p14:creationId xmlns:p14="http://schemas.microsoft.com/office/powerpoint/2010/main" val="3622368529"/>
+        <p14:creationId xmlns:p14="http://schemas.microsoft.com/office/powerpoint/2010/main" val="3481651842"/>
       </p:ext>
     </p:extLst>
   </p:cSld>
@@ -11163,15 +12931,15 @@
         </p:nvSpPr>
         <p:spPr>
           <a:xfrm>
-            <a:off x="233308" y="1265286"/>
-            <a:ext cx="2949297" cy="2111158"/>
+            <a:off x="235799" y="1391142"/>
+            <a:ext cx="2980790" cy="2321151"/>
           </a:xfrm>
         </p:spPr>
         <p:txBody>
           <a:bodyPr anchor="b"/>
           <a:lstStyle>
             <a:lvl1pPr>
-              <a:defRPr sz="2244"/>
+              <a:defRPr sz="2268"/>
             </a:lvl1pPr>
           </a:lstStyle>
           <a:p>
@@ -11195,8 +12963,8 @@
         </p:nvSpPr>
         <p:spPr>
           <a:xfrm>
-            <a:off x="233308" y="3396417"/>
-            <a:ext cx="2949297" cy="1110208"/>
+            <a:off x="235799" y="3734252"/>
+            <a:ext cx="2980790" cy="1220638"/>
           </a:xfrm>
         </p:spPr>
         <p:txBody>
@@ -11204,15 +12972,15 @@
           <a:lstStyle>
             <a:lvl1pPr marL="0" indent="0">
               <a:buNone/>
-              <a:defRPr sz="898">
+              <a:defRPr sz="907">
                 <a:solidFill>
                   <a:schemeClr val="tx1"/>
                 </a:solidFill>
               </a:defRPr>
             </a:lvl1pPr>
-            <a:lvl2pPr marL="170993" indent="0">
+            <a:lvl2pPr marL="172822" indent="0">
               <a:buNone/>
-              <a:defRPr sz="748">
+              <a:defRPr sz="756">
                 <a:solidFill>
                   <a:schemeClr val="tx1">
                     <a:tint val="75000"/>
@@ -11220,9 +12988,9 @@
                 </a:solidFill>
               </a:defRPr>
             </a:lvl2pPr>
-            <a:lvl3pPr marL="341986" indent="0">
+            <a:lvl3pPr marL="345643" indent="0">
               <a:buNone/>
-              <a:defRPr sz="673">
+              <a:defRPr sz="680">
                 <a:solidFill>
                   <a:schemeClr val="tx1">
                     <a:tint val="75000"/>
@@ -11230,9 +12998,9 @@
                 </a:solidFill>
               </a:defRPr>
             </a:lvl3pPr>
-            <a:lvl4pPr marL="512978" indent="0">
+            <a:lvl4pPr marL="518465" indent="0">
               <a:buNone/>
-              <a:defRPr sz="598">
+              <a:defRPr sz="605">
                 <a:solidFill>
                   <a:schemeClr val="tx1">
                     <a:tint val="75000"/>
@@ -11240,9 +13008,9 @@
                 </a:solidFill>
               </a:defRPr>
             </a:lvl4pPr>
-            <a:lvl5pPr marL="683971" indent="0">
+            <a:lvl5pPr marL="691286" indent="0">
               <a:buNone/>
-              <a:defRPr sz="598">
+              <a:defRPr sz="605">
                 <a:solidFill>
                   <a:schemeClr val="tx1">
                     <a:tint val="75000"/>
@@ -11250,9 +13018,9 @@
                 </a:solidFill>
               </a:defRPr>
             </a:lvl5pPr>
-            <a:lvl6pPr marL="854964" indent="0">
+            <a:lvl6pPr marL="864108" indent="0">
               <a:buNone/>
-              <a:defRPr sz="598">
+              <a:defRPr sz="605">
                 <a:solidFill>
                   <a:schemeClr val="tx1">
                     <a:tint val="75000"/>
@@ -11260,9 +13028,9 @@
                 </a:solidFill>
               </a:defRPr>
             </a:lvl6pPr>
-            <a:lvl7pPr marL="1025957" indent="0">
+            <a:lvl7pPr marL="1036930" indent="0">
               <a:buNone/>
-              <a:defRPr sz="598">
+              <a:defRPr sz="605">
                 <a:solidFill>
                   <a:schemeClr val="tx1">
                     <a:tint val="75000"/>
@@ -11270,9 +13038,9 @@
                 </a:solidFill>
               </a:defRPr>
             </a:lvl7pPr>
-            <a:lvl8pPr marL="1196950" indent="0">
+            <a:lvl8pPr marL="1209751" indent="0">
               <a:buNone/>
-              <a:defRPr sz="598">
+              <a:defRPr sz="605">
                 <a:solidFill>
                   <a:schemeClr val="tx1">
                     <a:tint val="75000"/>
@@ -11280,9 +13048,9 @@
                 </a:solidFill>
               </a:defRPr>
             </a:lvl8pPr>
-            <a:lvl9pPr marL="1367942" indent="0">
+            <a:lvl9pPr marL="1382573" indent="0">
               <a:buNone/>
-              <a:defRPr sz="598">
+              <a:defRPr sz="605">
                 <a:solidFill>
                   <a:schemeClr val="tx1">
                     <a:tint val="75000"/>
@@ -11317,7 +13085,7 @@
           <a:p>
             <a:fld id="{79798564-FF97-402E-A2A0-52C33396791A}" type="datetimeFigureOut">
               <a:rPr lang="en-GB" smtClean="0"/>
-              <a:t>15/02/2021</a:t>
+              <a:t>28/04/2021</a:t>
             </a:fld>
             <a:endParaRPr lang="en-GB"/>
           </a:p>
@@ -11368,7 +13136,7 @@
     </p:spTree>
     <p:extLst>
       <p:ext uri="{BB962C8B-B14F-4D97-AF65-F5344CB8AC3E}">
-        <p14:creationId xmlns:p14="http://schemas.microsoft.com/office/powerpoint/2010/main" val="2152831590"/>
+        <p14:creationId xmlns:p14="http://schemas.microsoft.com/office/powerpoint/2010/main" val="566362594"/>
       </p:ext>
     </p:extLst>
   </p:cSld>
@@ -11430,8 +13198,8 @@
         </p:nvSpPr>
         <p:spPr>
           <a:xfrm>
-            <a:off x="235089" y="1351047"/>
-            <a:ext cx="1453277" cy="3220192"/>
+            <a:off x="237599" y="1485433"/>
+            <a:ext cx="1468795" cy="3540499"/>
           </a:xfrm>
         </p:spPr>
         <p:txBody>
@@ -11487,8 +13255,8 @@
         </p:nvSpPr>
         <p:spPr>
           <a:xfrm>
-            <a:off x="1731109" y="1351047"/>
-            <a:ext cx="1453277" cy="3220192"/>
+            <a:off x="1749594" y="1485433"/>
+            <a:ext cx="1468795" cy="3540499"/>
           </a:xfrm>
         </p:spPr>
         <p:txBody>
@@ -11549,7 +13317,7 @@
           <a:p>
             <a:fld id="{79798564-FF97-402E-A2A0-52C33396791A}" type="datetimeFigureOut">
               <a:rPr lang="en-GB" smtClean="0"/>
-              <a:t>15/02/2021</a:t>
+              <a:t>28/04/2021</a:t>
             </a:fld>
             <a:endParaRPr lang="en-GB"/>
           </a:p>
@@ -11600,7 +13368,7 @@
     </p:spTree>
     <p:extLst>
       <p:ext uri="{BB962C8B-B14F-4D97-AF65-F5344CB8AC3E}">
-        <p14:creationId xmlns:p14="http://schemas.microsoft.com/office/powerpoint/2010/main" val="3525960006"/>
+        <p14:creationId xmlns:p14="http://schemas.microsoft.com/office/powerpoint/2010/main" val="266504021"/>
       </p:ext>
     </p:extLst>
   </p:cSld>
@@ -11639,8 +13407,8 @@
         </p:nvSpPr>
         <p:spPr>
           <a:xfrm>
-            <a:off x="235534" y="270211"/>
-            <a:ext cx="2949297" cy="980978"/>
+            <a:off x="238049" y="297088"/>
+            <a:ext cx="2980790" cy="1078554"/>
           </a:xfrm>
         </p:spPr>
         <p:txBody>
@@ -11667,8 +13435,8 @@
         </p:nvSpPr>
         <p:spPr>
           <a:xfrm>
-            <a:off x="235535" y="1244139"/>
-            <a:ext cx="1446598" cy="609733"/>
+            <a:off x="238050" y="1367891"/>
+            <a:ext cx="1462045" cy="670382"/>
           </a:xfrm>
         </p:spPr>
         <p:txBody>
@@ -11676,39 +13444,39 @@
           <a:lstStyle>
             <a:lvl1pPr marL="0" indent="0">
               <a:buNone/>
-              <a:defRPr sz="898" b="1"/>
+              <a:defRPr sz="907" b="1"/>
             </a:lvl1pPr>
-            <a:lvl2pPr marL="170993" indent="0">
+            <a:lvl2pPr marL="172822" indent="0">
               <a:buNone/>
-              <a:defRPr sz="748" b="1"/>
+              <a:defRPr sz="756" b="1"/>
             </a:lvl2pPr>
-            <a:lvl3pPr marL="341986" indent="0">
+            <a:lvl3pPr marL="345643" indent="0">
               <a:buNone/>
-              <a:defRPr sz="673" b="1"/>
+              <a:defRPr sz="680" b="1"/>
             </a:lvl3pPr>
-            <a:lvl4pPr marL="512978" indent="0">
+            <a:lvl4pPr marL="518465" indent="0">
               <a:buNone/>
-              <a:defRPr sz="598" b="1"/>
+              <a:defRPr sz="605" b="1"/>
             </a:lvl4pPr>
-            <a:lvl5pPr marL="683971" indent="0">
+            <a:lvl5pPr marL="691286" indent="0">
               <a:buNone/>
-              <a:defRPr sz="598" b="1"/>
+              <a:defRPr sz="605" b="1"/>
             </a:lvl5pPr>
-            <a:lvl6pPr marL="854964" indent="0">
+            <a:lvl6pPr marL="864108" indent="0">
               <a:buNone/>
-              <a:defRPr sz="598" b="1"/>
+              <a:defRPr sz="605" b="1"/>
             </a:lvl6pPr>
-            <a:lvl7pPr marL="1025957" indent="0">
+            <a:lvl7pPr marL="1036930" indent="0">
               <a:buNone/>
-              <a:defRPr sz="598" b="1"/>
+              <a:defRPr sz="605" b="1"/>
             </a:lvl7pPr>
-            <a:lvl8pPr marL="1196950" indent="0">
+            <a:lvl8pPr marL="1209751" indent="0">
               <a:buNone/>
-              <a:defRPr sz="598" b="1"/>
+              <a:defRPr sz="605" b="1"/>
             </a:lvl8pPr>
-            <a:lvl9pPr marL="1367942" indent="0">
+            <a:lvl9pPr marL="1382573" indent="0">
               <a:buNone/>
-              <a:defRPr sz="598" b="1"/>
+              <a:defRPr sz="605" b="1"/>
             </a:lvl9pPr>
           </a:lstStyle>
           <a:p>
@@ -11732,8 +13500,8 @@
         </p:nvSpPr>
         <p:spPr>
           <a:xfrm>
-            <a:off x="235535" y="1853872"/>
-            <a:ext cx="1446598" cy="2726766"/>
+            <a:off x="238050" y="2038273"/>
+            <a:ext cx="1462045" cy="2997993"/>
           </a:xfrm>
         </p:spPr>
         <p:txBody>
@@ -11789,8 +13557,8 @@
         </p:nvSpPr>
         <p:spPr>
           <a:xfrm>
-            <a:off x="1731110" y="1244139"/>
-            <a:ext cx="1453722" cy="609733"/>
+            <a:off x="1749594" y="1367891"/>
+            <a:ext cx="1469245" cy="670382"/>
           </a:xfrm>
         </p:spPr>
         <p:txBody>
@@ -11798,39 +13566,39 @@
           <a:lstStyle>
             <a:lvl1pPr marL="0" indent="0">
               <a:buNone/>
-              <a:defRPr sz="898" b="1"/>
+              <a:defRPr sz="907" b="1"/>
             </a:lvl1pPr>
-            <a:lvl2pPr marL="170993" indent="0">
+            <a:lvl2pPr marL="172822" indent="0">
               <a:buNone/>
-              <a:defRPr sz="748" b="1"/>
+              <a:defRPr sz="756" b="1"/>
             </a:lvl2pPr>
-            <a:lvl3pPr marL="341986" indent="0">
+            <a:lvl3pPr marL="345643" indent="0">
               <a:buNone/>
-              <a:defRPr sz="673" b="1"/>
+              <a:defRPr sz="680" b="1"/>
             </a:lvl3pPr>
-            <a:lvl4pPr marL="512978" indent="0">
+            <a:lvl4pPr marL="518465" indent="0">
               <a:buNone/>
-              <a:defRPr sz="598" b="1"/>
+              <a:defRPr sz="605" b="1"/>
             </a:lvl4pPr>
-            <a:lvl5pPr marL="683971" indent="0">
+            <a:lvl5pPr marL="691286" indent="0">
               <a:buNone/>
-              <a:defRPr sz="598" b="1"/>
+              <a:defRPr sz="605" b="1"/>
             </a:lvl5pPr>
-            <a:lvl6pPr marL="854964" indent="0">
+            <a:lvl6pPr marL="864108" indent="0">
               <a:buNone/>
-              <a:defRPr sz="598" b="1"/>
+              <a:defRPr sz="605" b="1"/>
             </a:lvl6pPr>
-            <a:lvl7pPr marL="1025957" indent="0">
+            <a:lvl7pPr marL="1036930" indent="0">
               <a:buNone/>
-              <a:defRPr sz="598" b="1"/>
+              <a:defRPr sz="605" b="1"/>
             </a:lvl7pPr>
-            <a:lvl8pPr marL="1196950" indent="0">
+            <a:lvl8pPr marL="1209751" indent="0">
               <a:buNone/>
-              <a:defRPr sz="598" b="1"/>
+              <a:defRPr sz="605" b="1"/>
             </a:lvl8pPr>
-            <a:lvl9pPr marL="1367942" indent="0">
+            <a:lvl9pPr marL="1382573" indent="0">
               <a:buNone/>
-              <a:defRPr sz="598" b="1"/>
+              <a:defRPr sz="605" b="1"/>
             </a:lvl9pPr>
           </a:lstStyle>
           <a:p>
@@ -11854,8 +13622,8 @@
         </p:nvSpPr>
         <p:spPr>
           <a:xfrm>
-            <a:off x="1731110" y="1853872"/>
-            <a:ext cx="1453722" cy="2726766"/>
+            <a:off x="1749594" y="2038273"/>
+            <a:ext cx="1469245" cy="2997993"/>
           </a:xfrm>
         </p:spPr>
         <p:txBody>
@@ -11916,7 +13684,7 @@
           <a:p>
             <a:fld id="{79798564-FF97-402E-A2A0-52C33396791A}" type="datetimeFigureOut">
               <a:rPr lang="en-GB" smtClean="0"/>
-              <a:t>15/02/2021</a:t>
+              <a:t>28/04/2021</a:t>
             </a:fld>
             <a:endParaRPr lang="en-GB"/>
           </a:p>
@@ -11967,7 +13735,7 @@
     </p:spTree>
     <p:extLst>
       <p:ext uri="{BB962C8B-B14F-4D97-AF65-F5344CB8AC3E}">
-        <p14:creationId xmlns:p14="http://schemas.microsoft.com/office/powerpoint/2010/main" val="2469748247"/>
+        <p14:creationId xmlns:p14="http://schemas.microsoft.com/office/powerpoint/2010/main" val="3775232194"/>
       </p:ext>
     </p:extLst>
   </p:cSld>
@@ -12034,7 +13802,7 @@
           <a:p>
             <a:fld id="{79798564-FF97-402E-A2A0-52C33396791A}" type="datetimeFigureOut">
               <a:rPr lang="en-GB" smtClean="0"/>
-              <a:t>15/02/2021</a:t>
+              <a:t>28/04/2021</a:t>
             </a:fld>
             <a:endParaRPr lang="en-GB"/>
           </a:p>
@@ -12085,7 +13853,7 @@
     </p:spTree>
     <p:extLst>
       <p:ext uri="{BB962C8B-B14F-4D97-AF65-F5344CB8AC3E}">
-        <p14:creationId xmlns:p14="http://schemas.microsoft.com/office/powerpoint/2010/main" val="658197343"/>
+        <p14:creationId xmlns:p14="http://schemas.microsoft.com/office/powerpoint/2010/main" val="1837623281"/>
       </p:ext>
     </p:extLst>
   </p:cSld>
@@ -12129,7 +13897,7 @@
           <a:p>
             <a:fld id="{79798564-FF97-402E-A2A0-52C33396791A}" type="datetimeFigureOut">
               <a:rPr lang="en-GB" smtClean="0"/>
-              <a:t>15/02/2021</a:t>
+              <a:t>28/04/2021</a:t>
             </a:fld>
             <a:endParaRPr lang="en-GB"/>
           </a:p>
@@ -12180,7 +13948,7 @@
     </p:spTree>
     <p:extLst>
       <p:ext uri="{BB962C8B-B14F-4D97-AF65-F5344CB8AC3E}">
-        <p14:creationId xmlns:p14="http://schemas.microsoft.com/office/powerpoint/2010/main" val="1892683696"/>
+        <p14:creationId xmlns:p14="http://schemas.microsoft.com/office/powerpoint/2010/main" val="2641697383"/>
       </p:ext>
     </p:extLst>
   </p:cSld>
@@ -12219,15 +13987,15 @@
         </p:nvSpPr>
         <p:spPr>
           <a:xfrm>
-            <a:off x="235534" y="338349"/>
-            <a:ext cx="1102870" cy="1184222"/>
+            <a:off x="238049" y="372004"/>
+            <a:ext cx="1114646" cy="1302015"/>
           </a:xfrm>
         </p:spPr>
         <p:txBody>
           <a:bodyPr anchor="b"/>
           <a:lstStyle>
             <a:lvl1pPr>
-              <a:defRPr sz="1197"/>
+              <a:defRPr sz="1210"/>
             </a:lvl1pPr>
           </a:lstStyle>
           <a:p>
@@ -12251,39 +14019,39 @@
         </p:nvSpPr>
         <p:spPr>
           <a:xfrm>
-            <a:off x="1453722" y="730742"/>
-            <a:ext cx="1731109" cy="3606708"/>
+            <a:off x="1469245" y="803427"/>
+            <a:ext cx="1749594" cy="3965461"/>
           </a:xfrm>
         </p:spPr>
         <p:txBody>
           <a:bodyPr/>
           <a:lstStyle>
             <a:lvl1pPr>
-              <a:defRPr sz="1197"/>
+              <a:defRPr sz="1210"/>
             </a:lvl1pPr>
             <a:lvl2pPr>
-              <a:defRPr sz="1047"/>
+              <a:defRPr sz="1058"/>
             </a:lvl2pPr>
             <a:lvl3pPr>
-              <a:defRPr sz="898"/>
+              <a:defRPr sz="907"/>
             </a:lvl3pPr>
             <a:lvl4pPr>
-              <a:defRPr sz="748"/>
+              <a:defRPr sz="756"/>
             </a:lvl4pPr>
             <a:lvl5pPr>
-              <a:defRPr sz="748"/>
+              <a:defRPr sz="756"/>
             </a:lvl5pPr>
             <a:lvl6pPr>
-              <a:defRPr sz="748"/>
+              <a:defRPr sz="756"/>
             </a:lvl6pPr>
             <a:lvl7pPr>
-              <a:defRPr sz="748"/>
+              <a:defRPr sz="756"/>
             </a:lvl7pPr>
             <a:lvl8pPr>
-              <a:defRPr sz="748"/>
+              <a:defRPr sz="756"/>
             </a:lvl8pPr>
             <a:lvl9pPr>
-              <a:defRPr sz="748"/>
+              <a:defRPr sz="756"/>
             </a:lvl9pPr>
           </a:lstStyle>
           <a:p>
@@ -12336,8 +14104,8 @@
         </p:nvSpPr>
         <p:spPr>
           <a:xfrm>
-            <a:off x="235534" y="1522571"/>
-            <a:ext cx="1102870" cy="2820752"/>
+            <a:off x="238049" y="1674019"/>
+            <a:ext cx="1114646" cy="3101327"/>
           </a:xfrm>
         </p:spPr>
         <p:txBody>
@@ -12345,39 +14113,39 @@
           <a:lstStyle>
             <a:lvl1pPr marL="0" indent="0">
               <a:buNone/>
-              <a:defRPr sz="598"/>
+              <a:defRPr sz="605"/>
             </a:lvl1pPr>
-            <a:lvl2pPr marL="170993" indent="0">
+            <a:lvl2pPr marL="172822" indent="0">
               <a:buNone/>
-              <a:defRPr sz="524"/>
+              <a:defRPr sz="529"/>
             </a:lvl2pPr>
-            <a:lvl3pPr marL="341986" indent="0">
+            <a:lvl3pPr marL="345643" indent="0">
               <a:buNone/>
-              <a:defRPr sz="449"/>
+              <a:defRPr sz="454"/>
             </a:lvl3pPr>
-            <a:lvl4pPr marL="512978" indent="0">
+            <a:lvl4pPr marL="518465" indent="0">
               <a:buNone/>
-              <a:defRPr sz="374"/>
+              <a:defRPr sz="378"/>
             </a:lvl4pPr>
-            <a:lvl5pPr marL="683971" indent="0">
+            <a:lvl5pPr marL="691286" indent="0">
               <a:buNone/>
-              <a:defRPr sz="374"/>
+              <a:defRPr sz="378"/>
             </a:lvl5pPr>
-            <a:lvl6pPr marL="854964" indent="0">
+            <a:lvl6pPr marL="864108" indent="0">
               <a:buNone/>
-              <a:defRPr sz="374"/>
+              <a:defRPr sz="378"/>
             </a:lvl6pPr>
-            <a:lvl7pPr marL="1025957" indent="0">
+            <a:lvl7pPr marL="1036930" indent="0">
               <a:buNone/>
-              <a:defRPr sz="374"/>
+              <a:defRPr sz="378"/>
             </a:lvl7pPr>
-            <a:lvl8pPr marL="1196950" indent="0">
+            <a:lvl8pPr marL="1209751" indent="0">
               <a:buNone/>
-              <a:defRPr sz="374"/>
+              <a:defRPr sz="378"/>
             </a:lvl8pPr>
-            <a:lvl9pPr marL="1367942" indent="0">
+            <a:lvl9pPr marL="1382573" indent="0">
               <a:buNone/>
-              <a:defRPr sz="374"/>
+              <a:defRPr sz="378"/>
             </a:lvl9pPr>
           </a:lstStyle>
           <a:p>
@@ -12406,7 +14174,7 @@
           <a:p>
             <a:fld id="{79798564-FF97-402E-A2A0-52C33396791A}" type="datetimeFigureOut">
               <a:rPr lang="en-GB" smtClean="0"/>
-              <a:t>15/02/2021</a:t>
+              <a:t>28/04/2021</a:t>
             </a:fld>
             <a:endParaRPr lang="en-GB"/>
           </a:p>
@@ -12457,7 +14225,7 @@
     </p:spTree>
     <p:extLst>
       <p:ext uri="{BB962C8B-B14F-4D97-AF65-F5344CB8AC3E}">
-        <p14:creationId xmlns:p14="http://schemas.microsoft.com/office/powerpoint/2010/main" val="2057711168"/>
+        <p14:creationId xmlns:p14="http://schemas.microsoft.com/office/powerpoint/2010/main" val="2046160045"/>
       </p:ext>
     </p:extLst>
   </p:cSld>
@@ -12496,15 +14264,15 @@
         </p:nvSpPr>
         <p:spPr>
           <a:xfrm>
-            <a:off x="235534" y="338349"/>
-            <a:ext cx="1102870" cy="1184222"/>
+            <a:off x="238049" y="372004"/>
+            <a:ext cx="1114646" cy="1302015"/>
           </a:xfrm>
         </p:spPr>
         <p:txBody>
           <a:bodyPr anchor="b"/>
           <a:lstStyle>
             <a:lvl1pPr>
-              <a:defRPr sz="1197"/>
+              <a:defRPr sz="1210"/>
             </a:lvl1pPr>
           </a:lstStyle>
           <a:p>
@@ -12528,8 +14296,8 @@
         </p:nvSpPr>
         <p:spPr>
           <a:xfrm>
-            <a:off x="1453722" y="730742"/>
-            <a:ext cx="1731109" cy="3606708"/>
+            <a:off x="1469245" y="803427"/>
+            <a:ext cx="1749594" cy="3965461"/>
           </a:xfrm>
         </p:spPr>
         <p:txBody>
@@ -12537,39 +14305,39 @@
           <a:lstStyle>
             <a:lvl1pPr marL="0" indent="0">
               <a:buNone/>
-              <a:defRPr sz="1197"/>
+              <a:defRPr sz="1210"/>
             </a:lvl1pPr>
-            <a:lvl2pPr marL="170993" indent="0">
+            <a:lvl2pPr marL="172822" indent="0">
               <a:buNone/>
-              <a:defRPr sz="1047"/>
+              <a:defRPr sz="1058"/>
             </a:lvl2pPr>
-            <a:lvl3pPr marL="341986" indent="0">
+            <a:lvl3pPr marL="345643" indent="0">
               <a:buNone/>
-              <a:defRPr sz="898"/>
+              <a:defRPr sz="907"/>
             </a:lvl3pPr>
-            <a:lvl4pPr marL="512978" indent="0">
+            <a:lvl4pPr marL="518465" indent="0">
               <a:buNone/>
-              <a:defRPr sz="748"/>
+              <a:defRPr sz="756"/>
             </a:lvl4pPr>
-            <a:lvl5pPr marL="683971" indent="0">
+            <a:lvl5pPr marL="691286" indent="0">
               <a:buNone/>
-              <a:defRPr sz="748"/>
+              <a:defRPr sz="756"/>
             </a:lvl5pPr>
-            <a:lvl6pPr marL="854964" indent="0">
+            <a:lvl6pPr marL="864108" indent="0">
               <a:buNone/>
-              <a:defRPr sz="748"/>
+              <a:defRPr sz="756"/>
             </a:lvl6pPr>
-            <a:lvl7pPr marL="1025957" indent="0">
+            <a:lvl7pPr marL="1036930" indent="0">
               <a:buNone/>
-              <a:defRPr sz="748"/>
+              <a:defRPr sz="756"/>
             </a:lvl7pPr>
-            <a:lvl8pPr marL="1196950" indent="0">
+            <a:lvl8pPr marL="1209751" indent="0">
               <a:buNone/>
-              <a:defRPr sz="748"/>
+              <a:defRPr sz="756"/>
             </a:lvl8pPr>
-            <a:lvl9pPr marL="1367942" indent="0">
+            <a:lvl9pPr marL="1382573" indent="0">
               <a:buNone/>
-              <a:defRPr sz="748"/>
+              <a:defRPr sz="756"/>
             </a:lvl9pPr>
           </a:lstStyle>
           <a:p>
@@ -12593,8 +14361,8 @@
         </p:nvSpPr>
         <p:spPr>
           <a:xfrm>
-            <a:off x="235534" y="1522571"/>
-            <a:ext cx="1102870" cy="2820752"/>
+            <a:off x="238049" y="1674019"/>
+            <a:ext cx="1114646" cy="3101327"/>
           </a:xfrm>
         </p:spPr>
         <p:txBody>
@@ -12602,39 +14370,39 @@
           <a:lstStyle>
             <a:lvl1pPr marL="0" indent="0">
               <a:buNone/>
-              <a:defRPr sz="598"/>
+              <a:defRPr sz="605"/>
             </a:lvl1pPr>
-            <a:lvl2pPr marL="170993" indent="0">
+            <a:lvl2pPr marL="172822" indent="0">
               <a:buNone/>
-              <a:defRPr sz="524"/>
+              <a:defRPr sz="529"/>
             </a:lvl2pPr>
-            <a:lvl3pPr marL="341986" indent="0">
+            <a:lvl3pPr marL="345643" indent="0">
               <a:buNone/>
-              <a:defRPr sz="449"/>
+              <a:defRPr sz="454"/>
             </a:lvl3pPr>
-            <a:lvl4pPr marL="512978" indent="0">
+            <a:lvl4pPr marL="518465" indent="0">
               <a:buNone/>
-              <a:defRPr sz="374"/>
+              <a:defRPr sz="378"/>
             </a:lvl4pPr>
-            <a:lvl5pPr marL="683971" indent="0">
+            <a:lvl5pPr marL="691286" indent="0">
               <a:buNone/>
-              <a:defRPr sz="374"/>
+              <a:defRPr sz="378"/>
             </a:lvl5pPr>
-            <a:lvl6pPr marL="854964" indent="0">
+            <a:lvl6pPr marL="864108" indent="0">
               <a:buNone/>
-              <a:defRPr sz="374"/>
+              <a:defRPr sz="378"/>
             </a:lvl6pPr>
-            <a:lvl7pPr marL="1025957" indent="0">
+            <a:lvl7pPr marL="1036930" indent="0">
               <a:buNone/>
-              <a:defRPr sz="374"/>
+              <a:defRPr sz="378"/>
             </a:lvl7pPr>
-            <a:lvl8pPr marL="1196950" indent="0">
+            <a:lvl8pPr marL="1209751" indent="0">
               <a:buNone/>
-              <a:defRPr sz="374"/>
+              <a:defRPr sz="378"/>
             </a:lvl8pPr>
-            <a:lvl9pPr marL="1367942" indent="0">
+            <a:lvl9pPr marL="1382573" indent="0">
               <a:buNone/>
-              <a:defRPr sz="374"/>
+              <a:defRPr sz="378"/>
             </a:lvl9pPr>
           </a:lstStyle>
           <a:p>
@@ -12663,7 +14431,7 @@
           <a:p>
             <a:fld id="{79798564-FF97-402E-A2A0-52C33396791A}" type="datetimeFigureOut">
               <a:rPr lang="en-GB" smtClean="0"/>
-              <a:t>15/02/2021</a:t>
+              <a:t>28/04/2021</a:t>
             </a:fld>
             <a:endParaRPr lang="en-GB"/>
           </a:p>
@@ -12714,7 +14482,7 @@
     </p:spTree>
     <p:extLst>
       <p:ext uri="{BB962C8B-B14F-4D97-AF65-F5344CB8AC3E}">
-        <p14:creationId xmlns:p14="http://schemas.microsoft.com/office/powerpoint/2010/main" val="2204744702"/>
+        <p14:creationId xmlns:p14="http://schemas.microsoft.com/office/powerpoint/2010/main" val="3708128430"/>
       </p:ext>
     </p:extLst>
   </p:cSld>
@@ -12758,8 +14526,8 @@
         </p:nvSpPr>
         <p:spPr>
           <a:xfrm>
-            <a:off x="235089" y="270211"/>
-            <a:ext cx="2949297" cy="980978"/>
+            <a:off x="237599" y="297088"/>
+            <a:ext cx="2980790" cy="1078554"/>
           </a:xfrm>
           <a:prstGeom prst="rect">
             <a:avLst/>
@@ -12791,8 +14559,8 @@
         </p:nvSpPr>
         <p:spPr>
           <a:xfrm>
-            <a:off x="235089" y="1351047"/>
-            <a:ext cx="2949297" cy="3220192"/>
+            <a:off x="237599" y="1485433"/>
+            <a:ext cx="2980790" cy="3540499"/>
           </a:xfrm>
           <a:prstGeom prst="rect">
             <a:avLst/>
@@ -12853,8 +14621,8 @@
         </p:nvSpPr>
         <p:spPr>
           <a:xfrm>
-            <a:off x="235089" y="4703995"/>
-            <a:ext cx="769382" cy="270209"/>
+            <a:off x="237599" y="5171893"/>
+            <a:ext cx="777597" cy="297087"/>
           </a:xfrm>
           <a:prstGeom prst="rect">
             <a:avLst/>
@@ -12864,7 +14632,7 @@
           <a:bodyPr vert="horz" lIns="91440" tIns="45720" rIns="91440" bIns="45720" rtlCol="0" anchor="ctr"/>
           <a:lstStyle>
             <a:lvl1pPr algn="l">
-              <a:defRPr sz="449">
+              <a:defRPr sz="454">
                 <a:solidFill>
                   <a:schemeClr val="tx1">
                     <a:tint val="75000"/>
@@ -12876,7 +14644,7 @@
           <a:p>
             <a:fld id="{79798564-FF97-402E-A2A0-52C33396791A}" type="datetimeFigureOut">
               <a:rPr lang="en-GB" smtClean="0"/>
-              <a:t>15/02/2021</a:t>
+              <a:t>28/04/2021</a:t>
             </a:fld>
             <a:endParaRPr lang="en-GB"/>
           </a:p>
@@ -12894,8 +14662,8 @@
         </p:nvSpPr>
         <p:spPr>
           <a:xfrm>
-            <a:off x="1132701" y="4703995"/>
-            <a:ext cx="1154073" cy="270209"/>
+            <a:off x="1144796" y="5171893"/>
+            <a:ext cx="1166396" cy="297087"/>
           </a:xfrm>
           <a:prstGeom prst="rect">
             <a:avLst/>
@@ -12905,7 +14673,7 @@
           <a:bodyPr vert="horz" lIns="91440" tIns="45720" rIns="91440" bIns="45720" rtlCol="0" anchor="ctr"/>
           <a:lstStyle>
             <a:lvl1pPr algn="ctr">
-              <a:defRPr sz="449">
+              <a:defRPr sz="454">
                 <a:solidFill>
                   <a:schemeClr val="tx1">
                     <a:tint val="75000"/>
@@ -12931,8 +14699,8 @@
         </p:nvSpPr>
         <p:spPr>
           <a:xfrm>
-            <a:off x="2415004" y="4703995"/>
-            <a:ext cx="769382" cy="270209"/>
+            <a:off x="2440792" y="5171893"/>
+            <a:ext cx="777597" cy="297087"/>
           </a:xfrm>
           <a:prstGeom prst="rect">
             <a:avLst/>
@@ -12942,7 +14710,7 @@
           <a:bodyPr vert="horz" lIns="91440" tIns="45720" rIns="91440" bIns="45720" rtlCol="0" anchor="ctr"/>
           <a:lstStyle>
             <a:lvl1pPr algn="r">
-              <a:defRPr sz="449">
+              <a:defRPr sz="454">
                 <a:solidFill>
                   <a:schemeClr val="tx1">
                     <a:tint val="75000"/>
@@ -12963,27 +14731,27 @@
     </p:spTree>
     <p:extLst>
       <p:ext uri="{BB962C8B-B14F-4D97-AF65-F5344CB8AC3E}">
-        <p14:creationId xmlns:p14="http://schemas.microsoft.com/office/powerpoint/2010/main" val="4261862901"/>
+        <p14:creationId xmlns:p14="http://schemas.microsoft.com/office/powerpoint/2010/main" val="1903390495"/>
       </p:ext>
     </p:extLst>
   </p:cSld>
   <p:clrMap bg1="lt1" tx1="dk1" bg2="lt2" tx2="dk2" accent1="accent1" accent2="accent2" accent3="accent3" accent4="accent4" accent5="accent5" accent6="accent6" hlink="hlink" folHlink="folHlink"/>
   <p:sldLayoutIdLst>
-    <p:sldLayoutId id="2147483853" r:id="rId1"/>
-    <p:sldLayoutId id="2147483854" r:id="rId2"/>
-    <p:sldLayoutId id="2147483855" r:id="rId3"/>
-    <p:sldLayoutId id="2147483856" r:id="rId4"/>
-    <p:sldLayoutId id="2147483857" r:id="rId5"/>
-    <p:sldLayoutId id="2147483858" r:id="rId6"/>
-    <p:sldLayoutId id="2147483859" r:id="rId7"/>
-    <p:sldLayoutId id="2147483860" r:id="rId8"/>
-    <p:sldLayoutId id="2147483861" r:id="rId9"/>
-    <p:sldLayoutId id="2147483862" r:id="rId10"/>
-    <p:sldLayoutId id="2147483863" r:id="rId11"/>
+    <p:sldLayoutId id="2147483889" r:id="rId1"/>
+    <p:sldLayoutId id="2147483890" r:id="rId2"/>
+    <p:sldLayoutId id="2147483891" r:id="rId3"/>
+    <p:sldLayoutId id="2147483892" r:id="rId4"/>
+    <p:sldLayoutId id="2147483893" r:id="rId5"/>
+    <p:sldLayoutId id="2147483894" r:id="rId6"/>
+    <p:sldLayoutId id="2147483895" r:id="rId7"/>
+    <p:sldLayoutId id="2147483896" r:id="rId8"/>
+    <p:sldLayoutId id="2147483897" r:id="rId9"/>
+    <p:sldLayoutId id="2147483898" r:id="rId10"/>
+    <p:sldLayoutId id="2147483899" r:id="rId11"/>
   </p:sldLayoutIdLst>
   <p:txStyles>
     <p:titleStyle>
-      <a:lvl1pPr algn="l" defTabSz="341986" rtl="0" eaLnBrk="1" latinLnBrk="0" hangingPunct="1">
+      <a:lvl1pPr algn="l" defTabSz="345643" rtl="0" eaLnBrk="1" latinLnBrk="0" hangingPunct="1">
         <a:lnSpc>
           <a:spcPct val="90000"/>
         </a:lnSpc>
@@ -12991,7 +14759,7 @@
           <a:spcPct val="0"/>
         </a:spcBef>
         <a:buNone/>
-        <a:defRPr sz="1646" kern="1200">
+        <a:defRPr sz="1663" kern="1200">
           <a:solidFill>
             <a:schemeClr val="tx1"/>
           </a:solidFill>
@@ -13002,16 +14770,16 @@
       </a:lvl1pPr>
     </p:titleStyle>
     <p:bodyStyle>
-      <a:lvl1pPr marL="85496" indent="-85496" algn="l" defTabSz="341986" rtl="0" eaLnBrk="1" latinLnBrk="0" hangingPunct="1">
+      <a:lvl1pPr marL="86411" indent="-86411" algn="l" defTabSz="345643" rtl="0" eaLnBrk="1" latinLnBrk="0" hangingPunct="1">
         <a:lnSpc>
           <a:spcPct val="90000"/>
         </a:lnSpc>
         <a:spcBef>
-          <a:spcPts val="374"/>
+          <a:spcPts val="378"/>
         </a:spcBef>
         <a:buFont typeface="Arial" panose="020B0604020202020204" pitchFamily="34" charset="0"/>
         <a:buChar char="•"/>
-        <a:defRPr sz="1047" kern="1200">
+        <a:defRPr sz="1058" kern="1200">
           <a:solidFill>
             <a:schemeClr val="tx1"/>
           </a:solidFill>
@@ -13020,16 +14788,16 @@
           <a:cs typeface="+mn-cs"/>
         </a:defRPr>
       </a:lvl1pPr>
-      <a:lvl2pPr marL="256489" indent="-85496" algn="l" defTabSz="341986" rtl="0" eaLnBrk="1" latinLnBrk="0" hangingPunct="1">
+      <a:lvl2pPr marL="259232" indent="-86411" algn="l" defTabSz="345643" rtl="0" eaLnBrk="1" latinLnBrk="0" hangingPunct="1">
         <a:lnSpc>
           <a:spcPct val="90000"/>
         </a:lnSpc>
         <a:spcBef>
-          <a:spcPts val="187"/>
+          <a:spcPts val="189"/>
         </a:spcBef>
         <a:buFont typeface="Arial" panose="020B0604020202020204" pitchFamily="34" charset="0"/>
         <a:buChar char="•"/>
-        <a:defRPr sz="898" kern="1200">
+        <a:defRPr sz="907" kern="1200">
           <a:solidFill>
             <a:schemeClr val="tx1"/>
           </a:solidFill>
@@ -13038,16 +14806,16 @@
           <a:cs typeface="+mn-cs"/>
         </a:defRPr>
       </a:lvl2pPr>
-      <a:lvl3pPr marL="427482" indent="-85496" algn="l" defTabSz="341986" rtl="0" eaLnBrk="1" latinLnBrk="0" hangingPunct="1">
+      <a:lvl3pPr marL="432054" indent="-86411" algn="l" defTabSz="345643" rtl="0" eaLnBrk="1" latinLnBrk="0" hangingPunct="1">
         <a:lnSpc>
           <a:spcPct val="90000"/>
         </a:lnSpc>
         <a:spcBef>
-          <a:spcPts val="187"/>
+          <a:spcPts val="189"/>
         </a:spcBef>
         <a:buFont typeface="Arial" panose="020B0604020202020204" pitchFamily="34" charset="0"/>
         <a:buChar char="•"/>
-        <a:defRPr sz="748" kern="1200">
+        <a:defRPr sz="756" kern="1200">
           <a:solidFill>
             <a:schemeClr val="tx1"/>
           </a:solidFill>
@@ -13056,16 +14824,16 @@
           <a:cs typeface="+mn-cs"/>
         </a:defRPr>
       </a:lvl3pPr>
-      <a:lvl4pPr marL="598475" indent="-85496" algn="l" defTabSz="341986" rtl="0" eaLnBrk="1" latinLnBrk="0" hangingPunct="1">
+      <a:lvl4pPr marL="604876" indent="-86411" algn="l" defTabSz="345643" rtl="0" eaLnBrk="1" latinLnBrk="0" hangingPunct="1">
         <a:lnSpc>
           <a:spcPct val="90000"/>
         </a:lnSpc>
         <a:spcBef>
-          <a:spcPts val="187"/>
+          <a:spcPts val="189"/>
         </a:spcBef>
         <a:buFont typeface="Arial" panose="020B0604020202020204" pitchFamily="34" charset="0"/>
         <a:buChar char="•"/>
-        <a:defRPr sz="673" kern="1200">
+        <a:defRPr sz="680" kern="1200">
           <a:solidFill>
             <a:schemeClr val="tx1"/>
           </a:solidFill>
@@ -13074,16 +14842,16 @@
           <a:cs typeface="+mn-cs"/>
         </a:defRPr>
       </a:lvl4pPr>
-      <a:lvl5pPr marL="769468" indent="-85496" algn="l" defTabSz="341986" rtl="0" eaLnBrk="1" latinLnBrk="0" hangingPunct="1">
+      <a:lvl5pPr marL="777697" indent="-86411" algn="l" defTabSz="345643" rtl="0" eaLnBrk="1" latinLnBrk="0" hangingPunct="1">
         <a:lnSpc>
           <a:spcPct val="90000"/>
         </a:lnSpc>
         <a:spcBef>
-          <a:spcPts val="187"/>
+          <a:spcPts val="189"/>
         </a:spcBef>
         <a:buFont typeface="Arial" panose="020B0604020202020204" pitchFamily="34" charset="0"/>
         <a:buChar char="•"/>
-        <a:defRPr sz="673" kern="1200">
+        <a:defRPr sz="680" kern="1200">
           <a:solidFill>
             <a:schemeClr val="tx1"/>
           </a:solidFill>
@@ -13092,16 +14860,16 @@
           <a:cs typeface="+mn-cs"/>
         </a:defRPr>
       </a:lvl5pPr>
-      <a:lvl6pPr marL="940460" indent="-85496" algn="l" defTabSz="341986" rtl="0" eaLnBrk="1" latinLnBrk="0" hangingPunct="1">
+      <a:lvl6pPr marL="950519" indent="-86411" algn="l" defTabSz="345643" rtl="0" eaLnBrk="1" latinLnBrk="0" hangingPunct="1">
         <a:lnSpc>
           <a:spcPct val="90000"/>
         </a:lnSpc>
         <a:spcBef>
-          <a:spcPts val="187"/>
+          <a:spcPts val="189"/>
         </a:spcBef>
         <a:buFont typeface="Arial" panose="020B0604020202020204" pitchFamily="34" charset="0"/>
         <a:buChar char="•"/>
-        <a:defRPr sz="673" kern="1200">
+        <a:defRPr sz="680" kern="1200">
           <a:solidFill>
             <a:schemeClr val="tx1"/>
           </a:solidFill>
@@ -13110,16 +14878,16 @@
           <a:cs typeface="+mn-cs"/>
         </a:defRPr>
       </a:lvl6pPr>
-      <a:lvl7pPr marL="1111453" indent="-85496" algn="l" defTabSz="341986" rtl="0" eaLnBrk="1" latinLnBrk="0" hangingPunct="1">
+      <a:lvl7pPr marL="1123340" indent="-86411" algn="l" defTabSz="345643" rtl="0" eaLnBrk="1" latinLnBrk="0" hangingPunct="1">
         <a:lnSpc>
           <a:spcPct val="90000"/>
         </a:lnSpc>
         <a:spcBef>
-          <a:spcPts val="187"/>
+          <a:spcPts val="189"/>
         </a:spcBef>
         <a:buFont typeface="Arial" panose="020B0604020202020204" pitchFamily="34" charset="0"/>
         <a:buChar char="•"/>
-        <a:defRPr sz="673" kern="1200">
+        <a:defRPr sz="680" kern="1200">
           <a:solidFill>
             <a:schemeClr val="tx1"/>
           </a:solidFill>
@@ -13128,16 +14896,16 @@
           <a:cs typeface="+mn-cs"/>
         </a:defRPr>
       </a:lvl7pPr>
-      <a:lvl8pPr marL="1282446" indent="-85496" algn="l" defTabSz="341986" rtl="0" eaLnBrk="1" latinLnBrk="0" hangingPunct="1">
+      <a:lvl8pPr marL="1296162" indent="-86411" algn="l" defTabSz="345643" rtl="0" eaLnBrk="1" latinLnBrk="0" hangingPunct="1">
         <a:lnSpc>
           <a:spcPct val="90000"/>
         </a:lnSpc>
         <a:spcBef>
-          <a:spcPts val="187"/>
+          <a:spcPts val="189"/>
         </a:spcBef>
         <a:buFont typeface="Arial" panose="020B0604020202020204" pitchFamily="34" charset="0"/>
         <a:buChar char="•"/>
-        <a:defRPr sz="673" kern="1200">
+        <a:defRPr sz="680" kern="1200">
           <a:solidFill>
             <a:schemeClr val="tx1"/>
           </a:solidFill>
@@ -13146,16 +14914,16 @@
           <a:cs typeface="+mn-cs"/>
         </a:defRPr>
       </a:lvl8pPr>
-      <a:lvl9pPr marL="1453439" indent="-85496" algn="l" defTabSz="341986" rtl="0" eaLnBrk="1" latinLnBrk="0" hangingPunct="1">
+      <a:lvl9pPr marL="1468984" indent="-86411" algn="l" defTabSz="345643" rtl="0" eaLnBrk="1" latinLnBrk="0" hangingPunct="1">
         <a:lnSpc>
           <a:spcPct val="90000"/>
         </a:lnSpc>
         <a:spcBef>
-          <a:spcPts val="187"/>
+          <a:spcPts val="189"/>
         </a:spcBef>
         <a:buFont typeface="Arial" panose="020B0604020202020204" pitchFamily="34" charset="0"/>
         <a:buChar char="•"/>
-        <a:defRPr sz="673" kern="1200">
+        <a:defRPr sz="680" kern="1200">
           <a:solidFill>
             <a:schemeClr val="tx1"/>
           </a:solidFill>
@@ -13169,8 +14937,8 @@
       <a:defPPr>
         <a:defRPr lang="en-US"/>
       </a:defPPr>
-      <a:lvl1pPr marL="0" algn="l" defTabSz="341986" rtl="0" eaLnBrk="1" latinLnBrk="0" hangingPunct="1">
-        <a:defRPr sz="673" kern="1200">
+      <a:lvl1pPr marL="0" algn="l" defTabSz="345643" rtl="0" eaLnBrk="1" latinLnBrk="0" hangingPunct="1">
+        <a:defRPr sz="680" kern="1200">
           <a:solidFill>
             <a:schemeClr val="tx1"/>
           </a:solidFill>
@@ -13179,8 +14947,8 @@
           <a:cs typeface="+mn-cs"/>
         </a:defRPr>
       </a:lvl1pPr>
-      <a:lvl2pPr marL="170993" algn="l" defTabSz="341986" rtl="0" eaLnBrk="1" latinLnBrk="0" hangingPunct="1">
-        <a:defRPr sz="673" kern="1200">
+      <a:lvl2pPr marL="172822" algn="l" defTabSz="345643" rtl="0" eaLnBrk="1" latinLnBrk="0" hangingPunct="1">
+        <a:defRPr sz="680" kern="1200">
           <a:solidFill>
             <a:schemeClr val="tx1"/>
           </a:solidFill>
@@ -13189,8 +14957,8 @@
           <a:cs typeface="+mn-cs"/>
         </a:defRPr>
       </a:lvl2pPr>
-      <a:lvl3pPr marL="341986" algn="l" defTabSz="341986" rtl="0" eaLnBrk="1" latinLnBrk="0" hangingPunct="1">
-        <a:defRPr sz="673" kern="1200">
+      <a:lvl3pPr marL="345643" algn="l" defTabSz="345643" rtl="0" eaLnBrk="1" latinLnBrk="0" hangingPunct="1">
+        <a:defRPr sz="680" kern="1200">
           <a:solidFill>
             <a:schemeClr val="tx1"/>
           </a:solidFill>
@@ -13199,8 +14967,8 @@
           <a:cs typeface="+mn-cs"/>
         </a:defRPr>
       </a:lvl3pPr>
-      <a:lvl4pPr marL="512978" algn="l" defTabSz="341986" rtl="0" eaLnBrk="1" latinLnBrk="0" hangingPunct="1">
-        <a:defRPr sz="673" kern="1200">
+      <a:lvl4pPr marL="518465" algn="l" defTabSz="345643" rtl="0" eaLnBrk="1" latinLnBrk="0" hangingPunct="1">
+        <a:defRPr sz="680" kern="1200">
           <a:solidFill>
             <a:schemeClr val="tx1"/>
           </a:solidFill>
@@ -13209,8 +14977,8 @@
           <a:cs typeface="+mn-cs"/>
         </a:defRPr>
       </a:lvl4pPr>
-      <a:lvl5pPr marL="683971" algn="l" defTabSz="341986" rtl="0" eaLnBrk="1" latinLnBrk="0" hangingPunct="1">
-        <a:defRPr sz="673" kern="1200">
+      <a:lvl5pPr marL="691286" algn="l" defTabSz="345643" rtl="0" eaLnBrk="1" latinLnBrk="0" hangingPunct="1">
+        <a:defRPr sz="680" kern="1200">
           <a:solidFill>
             <a:schemeClr val="tx1"/>
           </a:solidFill>
@@ -13219,8 +14987,8 @@
           <a:cs typeface="+mn-cs"/>
         </a:defRPr>
       </a:lvl5pPr>
-      <a:lvl6pPr marL="854964" algn="l" defTabSz="341986" rtl="0" eaLnBrk="1" latinLnBrk="0" hangingPunct="1">
-        <a:defRPr sz="673" kern="1200">
+      <a:lvl6pPr marL="864108" algn="l" defTabSz="345643" rtl="0" eaLnBrk="1" latinLnBrk="0" hangingPunct="1">
+        <a:defRPr sz="680" kern="1200">
           <a:solidFill>
             <a:schemeClr val="tx1"/>
           </a:solidFill>
@@ -13229,8 +14997,8 @@
           <a:cs typeface="+mn-cs"/>
         </a:defRPr>
       </a:lvl6pPr>
-      <a:lvl7pPr marL="1025957" algn="l" defTabSz="341986" rtl="0" eaLnBrk="1" latinLnBrk="0" hangingPunct="1">
-        <a:defRPr sz="673" kern="1200">
+      <a:lvl7pPr marL="1036930" algn="l" defTabSz="345643" rtl="0" eaLnBrk="1" latinLnBrk="0" hangingPunct="1">
+        <a:defRPr sz="680" kern="1200">
           <a:solidFill>
             <a:schemeClr val="tx1"/>
           </a:solidFill>
@@ -13239,8 +15007,8 @@
           <a:cs typeface="+mn-cs"/>
         </a:defRPr>
       </a:lvl7pPr>
-      <a:lvl8pPr marL="1196950" algn="l" defTabSz="341986" rtl="0" eaLnBrk="1" latinLnBrk="0" hangingPunct="1">
-        <a:defRPr sz="673" kern="1200">
+      <a:lvl8pPr marL="1209751" algn="l" defTabSz="345643" rtl="0" eaLnBrk="1" latinLnBrk="0" hangingPunct="1">
+        <a:defRPr sz="680" kern="1200">
           <a:solidFill>
             <a:schemeClr val="tx1"/>
           </a:solidFill>
@@ -13249,8 +15017,8 @@
           <a:cs typeface="+mn-cs"/>
         </a:defRPr>
       </a:lvl8pPr>
-      <a:lvl9pPr marL="1367942" algn="l" defTabSz="341986" rtl="0" eaLnBrk="1" latinLnBrk="0" hangingPunct="1">
-        <a:defRPr sz="673" kern="1200">
+      <a:lvl9pPr marL="1382573" algn="l" defTabSz="345643" rtl="0" eaLnBrk="1" latinLnBrk="0" hangingPunct="1">
+        <a:defRPr sz="680" kern="1200">
           <a:solidFill>
             <a:schemeClr val="tx1"/>
           </a:solidFill>
@@ -13283,10 +15051,10 @@
       </p:grpSpPr>
       <p:sp>
         <p:nvSpPr>
-          <p:cNvPr id="123" name="Rectangle: Rounded Corners 122">
+          <p:cNvPr id="274" name="Rectangle: Rounded Corners 273">
             <a:extLst>
               <a:ext uri="{FF2B5EF4-FFF2-40B4-BE49-F238E27FC236}">
-                <a16:creationId xmlns:a16="http://schemas.microsoft.com/office/drawing/2014/main" id="{84DC0089-261C-4ECF-988B-D71A4EA98784}"/>
+                <a16:creationId xmlns:a16="http://schemas.microsoft.com/office/drawing/2014/main" id="{FF79DF9F-1487-407E-861A-069621185F80}"/>
               </a:ext>
             </a:extLst>
           </p:cNvPr>
@@ -13295,8 +15063,8 @@
         </p:nvSpPr>
         <p:spPr>
           <a:xfrm>
-            <a:off x="956362" y="78680"/>
-            <a:ext cx="2115292" cy="252000"/>
+            <a:off x="848621" y="69505"/>
+            <a:ext cx="1030941" cy="468188"/>
           </a:xfrm>
           <a:prstGeom prst="roundRect">
             <a:avLst>
@@ -13345,17 +15113,17 @@
                 </a:solidFill>
                 <a:cs typeface="Arial" panose="020B0604020202020204" pitchFamily="34" charset="0"/>
               </a:rPr>
-              <a:t>Provision of ecPoint remote training to volunteer testers using traditional guidelines for interpreting PEFs.</a:t>
+              <a:t>Provision to the NMHSs of real-time ecPoint-Rainfall forecasts.</a:t>
             </a:r>
           </a:p>
         </p:txBody>
       </p:sp>
       <p:cxnSp>
         <p:nvCxnSpPr>
-          <p:cNvPr id="124" name="Straight Arrow Connector 123">
+          <p:cNvPr id="275" name="Straight Arrow Connector 274">
             <a:extLst>
               <a:ext uri="{FF2B5EF4-FFF2-40B4-BE49-F238E27FC236}">
-                <a16:creationId xmlns:a16="http://schemas.microsoft.com/office/drawing/2014/main" id="{779677BE-F1CA-4B29-924A-C7DA79280957}"/>
+                <a16:creationId xmlns:a16="http://schemas.microsoft.com/office/drawing/2014/main" id="{9BEA76AC-D60A-4316-A5AA-575BB36DC52E}"/>
               </a:ext>
             </a:extLst>
           </p:cNvPr>
@@ -13366,8 +15134,8 @@
         </p:nvCxnSpPr>
         <p:spPr>
           <a:xfrm flipH="1">
-            <a:off x="2014008" y="756465"/>
-            <a:ext cx="1" cy="173350"/>
+            <a:off x="1896270" y="939076"/>
+            <a:ext cx="1" cy="180000"/>
           </a:xfrm>
           <a:prstGeom prst="straightConnector1">
             <a:avLst/>
@@ -13396,10 +15164,10 @@
       </p:cxnSp>
       <p:sp>
         <p:nvSpPr>
-          <p:cNvPr id="125" name="Rectangle: Rounded Corners 124">
+          <p:cNvPr id="276" name="Rectangle: Rounded Corners 275">
             <a:extLst>
               <a:ext uri="{FF2B5EF4-FFF2-40B4-BE49-F238E27FC236}">
-                <a16:creationId xmlns:a16="http://schemas.microsoft.com/office/drawing/2014/main" id="{23F4192C-3C5C-4058-ABA6-8D0D8ABD186A}"/>
+                <a16:creationId xmlns:a16="http://schemas.microsoft.com/office/drawing/2014/main" id="{A4028105-B45C-400E-8ABD-4A4DBE480045}"/>
               </a:ext>
             </a:extLst>
           </p:cNvPr>
@@ -13408,7 +15176,7 @@
         </p:nvSpPr>
         <p:spPr>
           <a:xfrm>
-            <a:off x="953163" y="927035"/>
+            <a:off x="838624" y="1115996"/>
             <a:ext cx="2115292" cy="360000"/>
           </a:xfrm>
           <a:prstGeom prst="roundRect">
@@ -13458,17 +15226,38 @@
                 </a:solidFill>
                 <a:cs typeface="Arial" panose="020B0604020202020204" pitchFamily="34" charset="0"/>
               </a:rPr>
-              <a:t>Evaluation of ecPoint performance in the prediction of extreme localized rainfall events. Submission of a written summary report.</a:t>
+              <a:t>Submission of a summary report about forecasters’ experience using and testing ecPoint-Rainfall forecasts in an </a:t>
             </a:r>
+            <a:r>
+              <a:rPr lang="en-GB" sz="600">
+                <a:solidFill>
+                  <a:schemeClr val="tx1">
+                    <a:lumMod val="65000"/>
+                    <a:lumOff val="35000"/>
+                  </a:schemeClr>
+                </a:solidFill>
+                <a:cs typeface="Arial" panose="020B0604020202020204" pitchFamily="34" charset="0"/>
+              </a:rPr>
+              <a:t>operational environment. </a:t>
+            </a:r>
+            <a:endParaRPr lang="en-GB" sz="600" dirty="0">
+              <a:solidFill>
+                <a:schemeClr val="tx1">
+                  <a:lumMod val="65000"/>
+                  <a:lumOff val="35000"/>
+                </a:schemeClr>
+              </a:solidFill>
+              <a:cs typeface="Arial" panose="020B0604020202020204" pitchFamily="34" charset="0"/>
+            </a:endParaRPr>
           </a:p>
         </p:txBody>
       </p:sp>
       <p:sp>
         <p:nvSpPr>
-          <p:cNvPr id="126" name="Rectangle: Rounded Corners 125">
+          <p:cNvPr id="277" name="Rectangle: Rounded Corners 276">
             <a:extLst>
               <a:ext uri="{FF2B5EF4-FFF2-40B4-BE49-F238E27FC236}">
-                <a16:creationId xmlns:a16="http://schemas.microsoft.com/office/drawing/2014/main" id="{5B54B95C-2773-40A2-B228-8900DEBA412C}"/>
+                <a16:creationId xmlns:a16="http://schemas.microsoft.com/office/drawing/2014/main" id="{D1AA07F1-86F2-4818-BA27-6917628EF837}"/>
               </a:ext>
             </a:extLst>
           </p:cNvPr>
@@ -13477,122 +15266,7 @@
         </p:nvSpPr>
         <p:spPr>
           <a:xfrm>
-            <a:off x="953163" y="1504133"/>
-            <a:ext cx="1040226" cy="360000"/>
-          </a:xfrm>
-          <a:prstGeom prst="roundRect">
-            <a:avLst>
-              <a:gd name="adj" fmla="val 0"/>
-            </a:avLst>
-          </a:prstGeom>
-          <a:solidFill>
-            <a:schemeClr val="bg2"/>
-          </a:solidFill>
-          <a:ln w="3175">
-            <a:solidFill>
-              <a:schemeClr val="bg2">
-                <a:lumMod val="50000"/>
-              </a:schemeClr>
-            </a:solidFill>
-          </a:ln>
-        </p:spPr>
-        <p:style>
-          <a:lnRef idx="2">
-            <a:schemeClr val="accent1">
-              <a:shade val="50000"/>
-            </a:schemeClr>
-          </a:lnRef>
-          <a:fillRef idx="1">
-            <a:schemeClr val="accent1"/>
-          </a:fillRef>
-          <a:effectRef idx="0">
-            <a:schemeClr val="accent1"/>
-          </a:effectRef>
-          <a:fontRef idx="minor">
-            <a:schemeClr val="lt1"/>
-          </a:fontRef>
-        </p:style>
-        <p:txBody>
-          <a:bodyPr rtlCol="0" anchor="ctr"/>
-          <a:lstStyle/>
-          <a:p>
-            <a:pPr algn="ctr"/>
-            <a:r>
-              <a:rPr lang="en-GB" sz="600" dirty="0">
-                <a:solidFill>
-                  <a:schemeClr val="tx1">
-                    <a:lumMod val="65000"/>
-                    <a:lumOff val="35000"/>
-                  </a:schemeClr>
-                </a:solidFill>
-                <a:cs typeface="Arial" panose="020B0604020202020204" pitchFamily="34" charset="0"/>
-              </a:rPr>
-              <a:t>Review of the independent results presented in the summary reports.</a:t>
-            </a:r>
-          </a:p>
-        </p:txBody>
-      </p:sp>
-      <p:cxnSp>
-        <p:nvCxnSpPr>
-          <p:cNvPr id="127" name="Straight Arrow Connector 126">
-            <a:extLst>
-              <a:ext uri="{FF2B5EF4-FFF2-40B4-BE49-F238E27FC236}">
-                <a16:creationId xmlns:a16="http://schemas.microsoft.com/office/drawing/2014/main" id="{A0ACE071-FEF5-4EDD-B496-2708F7773D1F}"/>
-              </a:ext>
-            </a:extLst>
-          </p:cNvPr>
-          <p:cNvCxnSpPr>
-            <a:cxnSpLocks/>
-            <a:stCxn id="164" idx="2"/>
-            <a:endCxn id="156" idx="0"/>
-          </p:cNvCxnSpPr>
-          <p:nvPr/>
-        </p:nvCxnSpPr>
-        <p:spPr>
-          <a:xfrm flipH="1">
-            <a:off x="2010809" y="1864988"/>
-            <a:ext cx="542114" cy="155741"/>
-          </a:xfrm>
-          <a:prstGeom prst="straightConnector1">
-            <a:avLst/>
-          </a:prstGeom>
-          <a:ln>
-            <a:solidFill>
-              <a:srgbClr val="787878"/>
-            </a:solidFill>
-            <a:tailEnd type="triangle"/>
-          </a:ln>
-        </p:spPr>
-        <p:style>
-          <a:lnRef idx="1">
-            <a:schemeClr val="accent1"/>
-          </a:lnRef>
-          <a:fillRef idx="0">
-            <a:schemeClr val="accent1"/>
-          </a:fillRef>
-          <a:effectRef idx="0">
-            <a:schemeClr val="accent1"/>
-          </a:effectRef>
-          <a:fontRef idx="minor">
-            <a:schemeClr val="tx1"/>
-          </a:fontRef>
-        </p:style>
-      </p:cxnSp>
-      <p:sp>
-        <p:nvSpPr>
-          <p:cNvPr id="128" name="Rectangle: Rounded Corners 127">
-            <a:extLst>
-              <a:ext uri="{FF2B5EF4-FFF2-40B4-BE49-F238E27FC236}">
-                <a16:creationId xmlns:a16="http://schemas.microsoft.com/office/drawing/2014/main" id="{0E29CBF7-C8DD-4BC2-BB7F-51E2D06DB315}"/>
-              </a:ext>
-            </a:extLst>
-          </p:cNvPr>
-          <p:cNvSpPr/>
-          <p:nvPr/>
-        </p:nvSpPr>
-        <p:spPr>
-          <a:xfrm>
-            <a:off x="959780" y="2745172"/>
+            <a:off x="837442" y="3181575"/>
             <a:ext cx="2117657" cy="360000"/>
           </a:xfrm>
           <a:prstGeom prst="roundRect">
@@ -13642,17 +15316,17 @@
                 </a:solidFill>
                 <a:cs typeface="Arial" panose="020B0604020202020204" pitchFamily="34" charset="0"/>
               </a:rPr>
-              <a:t>Joint evaluation about why the ecPoint training/guidance did not allow forecasters to use the forecasts more effectively.</a:t>
+              <a:t>Informal discussions on the participants’ thoughts on ecPoint-Rainfall performance, perceived usefulness, and effectiveness of the guidelines provided during the “real-time phase”. </a:t>
             </a:r>
           </a:p>
         </p:txBody>
       </p:sp>
       <p:sp>
         <p:nvSpPr>
-          <p:cNvPr id="129" name="Rectangle: Rounded Corners 128">
+          <p:cNvPr id="278" name="Rectangle: Rounded Corners 277">
             <a:extLst>
               <a:ext uri="{FF2B5EF4-FFF2-40B4-BE49-F238E27FC236}">
-                <a16:creationId xmlns:a16="http://schemas.microsoft.com/office/drawing/2014/main" id="{641C321A-289F-4254-8AB0-381EE0E91068}"/>
+                <a16:creationId xmlns:a16="http://schemas.microsoft.com/office/drawing/2014/main" id="{E53FDAD7-78A1-4E76-9E05-DDCE1642A0C7}"/>
               </a:ext>
             </a:extLst>
           </p:cNvPr>
@@ -13661,8 +15335,8 @@
         </p:nvSpPr>
         <p:spPr>
           <a:xfrm>
-            <a:off x="958551" y="3279364"/>
-            <a:ext cx="2120114" cy="126000"/>
+            <a:off x="836213" y="3715767"/>
+            <a:ext cx="2120114" cy="252000"/>
           </a:xfrm>
           <a:prstGeom prst="roundRect">
             <a:avLst>
@@ -13711,17 +15385,17 @@
                 </a:solidFill>
                 <a:cs typeface="Arial" panose="020B0604020202020204" pitchFamily="34" charset="0"/>
               </a:rPr>
-              <a:t>Joint formulation of new ecPoint-tailored training/guidance.</a:t>
+              <a:t>Formulation of new ecPoint-Rainfall products and guidelines tailored to participants’ needs..</a:t>
             </a:r>
           </a:p>
         </p:txBody>
       </p:sp>
       <p:cxnSp>
         <p:nvCxnSpPr>
-          <p:cNvPr id="130" name="Straight Arrow Connector 129">
+          <p:cNvPr id="279" name="Straight Arrow Connector 278">
             <a:extLst>
               <a:ext uri="{FF2B5EF4-FFF2-40B4-BE49-F238E27FC236}">
-                <a16:creationId xmlns:a16="http://schemas.microsoft.com/office/drawing/2014/main" id="{8D749B95-1A18-4FB9-9607-1B45BA525832}"/>
+                <a16:creationId xmlns:a16="http://schemas.microsoft.com/office/drawing/2014/main" id="{C20DDDF8-1222-4C32-AF2A-96ABEDBF8E4E}"/>
               </a:ext>
             </a:extLst>
           </p:cNvPr>
@@ -13732,54 +15406,8 @@
         </p:nvCxnSpPr>
         <p:spPr>
           <a:xfrm flipH="1">
-            <a:off x="2018608" y="3105172"/>
+            <a:off x="1896270" y="3541575"/>
             <a:ext cx="1" cy="180000"/>
-          </a:xfrm>
-          <a:prstGeom prst="straightConnector1">
-            <a:avLst/>
-          </a:prstGeom>
-          <a:ln>
-            <a:solidFill>
-              <a:srgbClr val="787878"/>
-            </a:solidFill>
-            <a:tailEnd type="triangle"/>
-          </a:ln>
-        </p:spPr>
-        <p:style>
-          <a:lnRef idx="1">
-            <a:schemeClr val="accent1"/>
-          </a:lnRef>
-          <a:fillRef idx="0">
-            <a:schemeClr val="accent1"/>
-          </a:fillRef>
-          <a:effectRef idx="0">
-            <a:schemeClr val="accent1"/>
-          </a:effectRef>
-          <a:fontRef idx="minor">
-            <a:schemeClr val="tx1"/>
-          </a:fontRef>
-        </p:style>
-      </p:cxnSp>
-      <p:cxnSp>
-        <p:nvCxnSpPr>
-          <p:cNvPr id="131" name="Straight Arrow Connector 130">
-            <a:extLst>
-              <a:ext uri="{FF2B5EF4-FFF2-40B4-BE49-F238E27FC236}">
-                <a16:creationId xmlns:a16="http://schemas.microsoft.com/office/drawing/2014/main" id="{BB28CEDE-5F36-4E77-B6B6-C592E749D0F0}"/>
-              </a:ext>
-            </a:extLst>
-          </p:cNvPr>
-          <p:cNvCxnSpPr>
-            <a:cxnSpLocks/>
-            <a:stCxn id="129" idx="2"/>
-            <a:endCxn id="132" idx="0"/>
-          </p:cNvCxnSpPr>
-          <p:nvPr/>
-        </p:nvCxnSpPr>
-        <p:spPr>
-          <a:xfrm>
-            <a:off x="2018608" y="3405364"/>
-            <a:ext cx="3317" cy="180000"/>
           </a:xfrm>
           <a:prstGeom prst="straightConnector1">
             <a:avLst/>
@@ -13808,10 +15436,10 @@
       </p:cxnSp>
       <p:sp>
         <p:nvSpPr>
-          <p:cNvPr id="132" name="Rectangle: Rounded Corners 131">
+          <p:cNvPr id="280" name="Rectangle: Rounded Corners 279">
             <a:extLst>
               <a:ext uri="{FF2B5EF4-FFF2-40B4-BE49-F238E27FC236}">
-                <a16:creationId xmlns:a16="http://schemas.microsoft.com/office/drawing/2014/main" id="{6817A596-B104-4B0F-9058-DF24083B0509}"/>
+                <a16:creationId xmlns:a16="http://schemas.microsoft.com/office/drawing/2014/main" id="{8D7AAF46-A6B7-4E5B-B41A-4EE5B6C7F52F}"/>
               </a:ext>
             </a:extLst>
           </p:cNvPr>
@@ -13820,8 +15448,8 @@
         </p:nvSpPr>
         <p:spPr>
           <a:xfrm>
-            <a:off x="966412" y="3585364"/>
-            <a:ext cx="2111025" cy="336914"/>
+            <a:off x="840758" y="4147354"/>
+            <a:ext cx="2111025" cy="252000"/>
           </a:xfrm>
           <a:prstGeom prst="roundRect">
             <a:avLst>
@@ -13870,17 +15498,17 @@
                 </a:solidFill>
                 <a:cs typeface="Arial" panose="020B0604020202020204" pitchFamily="34" charset="0"/>
               </a:rPr>
-              <a:t>Joint revision of the case studies under the revised ecPoint-tailored training/guidance.</a:t>
+              <a:t>Joint revision of the summary reports results under the revised ecPoint-Rainfall products and guidelines.</a:t>
             </a:r>
           </a:p>
         </p:txBody>
       </p:sp>
       <p:cxnSp>
         <p:nvCxnSpPr>
-          <p:cNvPr id="133" name="Straight Arrow Connector 132">
+          <p:cNvPr id="281" name="Straight Arrow Connector 280">
             <a:extLst>
               <a:ext uri="{FF2B5EF4-FFF2-40B4-BE49-F238E27FC236}">
-                <a16:creationId xmlns:a16="http://schemas.microsoft.com/office/drawing/2014/main" id="{61A5576A-A84F-47D4-8F98-179D82A4EB18}"/>
+                <a16:creationId xmlns:a16="http://schemas.microsoft.com/office/drawing/2014/main" id="{181058EB-9A65-4FAB-9E23-9C5A70478661}"/>
               </a:ext>
             </a:extLst>
           </p:cNvPr>
@@ -13891,8 +15519,8 @@
         </p:nvCxnSpPr>
         <p:spPr>
           <a:xfrm>
-            <a:off x="529084" y="2923850"/>
-            <a:ext cx="429248" cy="0"/>
+            <a:off x="545830" y="3361575"/>
+            <a:ext cx="289806" cy="0"/>
           </a:xfrm>
           <a:prstGeom prst="straightConnector1">
             <a:avLst/>
@@ -13921,10 +15549,10 @@
       </p:cxnSp>
       <p:cxnSp>
         <p:nvCxnSpPr>
-          <p:cNvPr id="134" name="Straight Connector 133">
+          <p:cNvPr id="282" name="Straight Connector 281">
             <a:extLst>
               <a:ext uri="{FF2B5EF4-FFF2-40B4-BE49-F238E27FC236}">
-                <a16:creationId xmlns:a16="http://schemas.microsoft.com/office/drawing/2014/main" id="{D70564B0-29DB-4AB5-BEC0-71F5045299D6}"/>
+                <a16:creationId xmlns:a16="http://schemas.microsoft.com/office/drawing/2014/main" id="{A4F13381-DCEE-438C-A0D2-88CB1F462CEA}"/>
               </a:ext>
             </a:extLst>
           </p:cNvPr>
@@ -13935,8 +15563,8 @@
         </p:nvCxnSpPr>
         <p:spPr>
           <a:xfrm>
-            <a:off x="529084" y="4289019"/>
-            <a:ext cx="813541" cy="0"/>
+            <a:off x="544323" y="4779206"/>
+            <a:ext cx="692077" cy="1"/>
           </a:xfrm>
           <a:prstGeom prst="line">
             <a:avLst/>
@@ -13964,10 +15592,10 @@
       </p:cxnSp>
       <p:cxnSp>
         <p:nvCxnSpPr>
-          <p:cNvPr id="135" name="Straight Connector 134">
+          <p:cNvPr id="283" name="Straight Connector 282">
             <a:extLst>
               <a:ext uri="{FF2B5EF4-FFF2-40B4-BE49-F238E27FC236}">
-                <a16:creationId xmlns:a16="http://schemas.microsoft.com/office/drawing/2014/main" id="{D77F8E08-D9F1-43C5-A42E-AAA8F781242D}"/>
+                <a16:creationId xmlns:a16="http://schemas.microsoft.com/office/drawing/2014/main" id="{4482F5B4-28DD-4EB7-BFD8-791D5174DCB0}"/>
               </a:ext>
             </a:extLst>
           </p:cNvPr>
@@ -13977,9 +15605,9 @@
           <p:nvPr/>
         </p:nvCxnSpPr>
         <p:spPr>
-          <a:xfrm flipH="1">
-            <a:off x="532122" y="2923850"/>
-            <a:ext cx="1" cy="1365169"/>
+          <a:xfrm>
+            <a:off x="546432" y="3363661"/>
+            <a:ext cx="0" cy="1415545"/>
           </a:xfrm>
           <a:prstGeom prst="line">
             <a:avLst/>
@@ -14007,10 +15635,10 @@
       </p:cxnSp>
       <p:sp>
         <p:nvSpPr>
-          <p:cNvPr id="136" name="Parallelogram 135">
+          <p:cNvPr id="284" name="Parallelogram 283">
             <a:extLst>
               <a:ext uri="{FF2B5EF4-FFF2-40B4-BE49-F238E27FC236}">
-                <a16:creationId xmlns:a16="http://schemas.microsoft.com/office/drawing/2014/main" id="{65BDA3E8-CD6A-4FD2-85E7-470CB2949112}"/>
+                <a16:creationId xmlns:a16="http://schemas.microsoft.com/office/drawing/2014/main" id="{3B1B785D-09F3-402E-83F8-E9CA56BB2ADA}"/>
               </a:ext>
             </a:extLst>
           </p:cNvPr>
@@ -14019,7 +15647,7 @@
         </p:nvSpPr>
         <p:spPr>
           <a:xfrm>
-            <a:off x="1337704" y="4780239"/>
+            <a:off x="1212012" y="5270427"/>
             <a:ext cx="1368516" cy="275682"/>
           </a:xfrm>
           <a:prstGeom prst="parallelogram">
@@ -14077,10 +15705,10 @@
       </p:sp>
       <p:cxnSp>
         <p:nvCxnSpPr>
-          <p:cNvPr id="137" name="Straight Arrow Connector 136">
+          <p:cNvPr id="285" name="Straight Arrow Connector 284">
             <a:extLst>
               <a:ext uri="{FF2B5EF4-FFF2-40B4-BE49-F238E27FC236}">
-                <a16:creationId xmlns:a16="http://schemas.microsoft.com/office/drawing/2014/main" id="{CADFB0E7-6D8C-4035-9DD4-6196FBF02B45}"/>
+                <a16:creationId xmlns:a16="http://schemas.microsoft.com/office/drawing/2014/main" id="{136F3906-07B5-4636-A646-BC5ED3F80328}"/>
               </a:ext>
             </a:extLst>
           </p:cNvPr>
@@ -14091,7 +15719,7 @@
         </p:nvCxnSpPr>
         <p:spPr>
           <a:xfrm>
-            <a:off x="2022382" y="4490704"/>
+            <a:off x="1894501" y="4980892"/>
             <a:ext cx="3539" cy="289535"/>
           </a:xfrm>
           <a:prstGeom prst="straightConnector1">
@@ -14121,10 +15749,10 @@
       </p:cxnSp>
       <p:sp>
         <p:nvSpPr>
-          <p:cNvPr id="138" name="Rectangle 137">
+          <p:cNvPr id="286" name="Rectangle 285">
             <a:extLst>
               <a:ext uri="{FF2B5EF4-FFF2-40B4-BE49-F238E27FC236}">
-                <a16:creationId xmlns:a16="http://schemas.microsoft.com/office/drawing/2014/main" id="{C304CC4C-4F2F-4821-A035-78B87CC1C778}"/>
+                <a16:creationId xmlns:a16="http://schemas.microsoft.com/office/drawing/2014/main" id="{320BE698-8F54-4C41-AF86-81D315831723}"/>
               </a:ext>
             </a:extLst>
           </p:cNvPr>
@@ -14133,7 +15761,7 @@
         </p:nvSpPr>
         <p:spPr>
           <a:xfrm>
-            <a:off x="1854571" y="4528910"/>
+            <a:off x="1726690" y="5019098"/>
             <a:ext cx="339160" cy="149676"/>
           </a:xfrm>
           <a:prstGeom prst="rect">
@@ -14188,10 +15816,10 @@
       </p:sp>
       <p:sp>
         <p:nvSpPr>
-          <p:cNvPr id="139" name="Rectangle: Rounded Corners 138">
+          <p:cNvPr id="287" name="Rectangle: Rounded Corners 286">
             <a:extLst>
               <a:ext uri="{FF2B5EF4-FFF2-40B4-BE49-F238E27FC236}">
-                <a16:creationId xmlns:a16="http://schemas.microsoft.com/office/drawing/2014/main" id="{E76AD702-9494-459F-814C-C0F84321D4FE}"/>
+                <a16:creationId xmlns:a16="http://schemas.microsoft.com/office/drawing/2014/main" id="{A4ED0840-9FA0-4DFF-85DE-380FF5681CDF}"/>
               </a:ext>
             </a:extLst>
           </p:cNvPr>
@@ -14200,7 +15828,7 @@
         </p:nvSpPr>
         <p:spPr>
           <a:xfrm>
-            <a:off x="956363" y="506031"/>
+            <a:off x="838625" y="701342"/>
             <a:ext cx="2115291" cy="250434"/>
           </a:xfrm>
           <a:prstGeom prst="roundRect">
@@ -14250,31 +15878,29 @@
                 </a:solidFill>
                 <a:cs typeface="Arial" panose="020B0604020202020204" pitchFamily="34" charset="0"/>
               </a:rPr>
-              <a:t>Use of ecPoint-Rainfall forecasts to predict extreme localized rainfall events over a one-year period.</a:t>
+              <a:t>Use and evaluation of ecPoint-Rainfall forecasts to predict extreme (localized) rainfall events over a 12-months period.</a:t>
             </a:r>
           </a:p>
         </p:txBody>
       </p:sp>
       <p:cxnSp>
         <p:nvCxnSpPr>
-          <p:cNvPr id="140" name="Straight Arrow Connector 139">
+          <p:cNvPr id="288" name="Straight Arrow Connector 287">
             <a:extLst>
               <a:ext uri="{FF2B5EF4-FFF2-40B4-BE49-F238E27FC236}">
-                <a16:creationId xmlns:a16="http://schemas.microsoft.com/office/drawing/2014/main" id="{77025495-4DB6-4AA0-AC52-619158943D75}"/>
+                <a16:creationId xmlns:a16="http://schemas.microsoft.com/office/drawing/2014/main" id="{98B47DB0-631E-4893-98A3-D8BA4A7A5A29}"/>
               </a:ext>
             </a:extLst>
           </p:cNvPr>
           <p:cNvCxnSpPr>
             <a:cxnSpLocks/>
-            <a:stCxn id="132" idx="2"/>
-            <a:endCxn id="168" idx="0"/>
           </p:cNvCxnSpPr>
           <p:nvPr/>
         </p:nvCxnSpPr>
         <p:spPr>
-          <a:xfrm>
-            <a:off x="2021925" y="3922278"/>
-            <a:ext cx="37" cy="168919"/>
+          <a:xfrm flipH="1">
+            <a:off x="1896270" y="4399354"/>
+            <a:ext cx="1" cy="182031"/>
           </a:xfrm>
           <a:prstGeom prst="straightConnector1">
             <a:avLst/>
@@ -14303,10 +15929,10 @@
       </p:cxnSp>
       <p:sp>
         <p:nvSpPr>
-          <p:cNvPr id="141" name="Rectangle 140">
+          <p:cNvPr id="289" name="Rectangle 288">
             <a:extLst>
               <a:ext uri="{FF2B5EF4-FFF2-40B4-BE49-F238E27FC236}">
-                <a16:creationId xmlns:a16="http://schemas.microsoft.com/office/drawing/2014/main" id="{6EFF9339-92AE-4BCC-B827-F8C4CBEB346C}"/>
+                <a16:creationId xmlns:a16="http://schemas.microsoft.com/office/drawing/2014/main" id="{D722EC90-53E1-477E-8A82-A8C013FD8FA8}"/>
               </a:ext>
             </a:extLst>
           </p:cNvPr>
@@ -14315,8 +15941,8 @@
         </p:nvSpPr>
         <p:spPr>
           <a:xfrm>
-            <a:off x="892555" y="395020"/>
-            <a:ext cx="2234266" cy="941102"/>
+            <a:off x="730084" y="590331"/>
+            <a:ext cx="2332372" cy="390783"/>
           </a:xfrm>
           <a:prstGeom prst="rect">
             <a:avLst/>
@@ -14363,68 +15989,24 @@
       </p:sp>
       <p:cxnSp>
         <p:nvCxnSpPr>
-          <p:cNvPr id="142" name="Straight Arrow Connector 141">
+          <p:cNvPr id="290" name="Straight Arrow Connector 289">
             <a:extLst>
               <a:ext uri="{FF2B5EF4-FFF2-40B4-BE49-F238E27FC236}">
-                <a16:creationId xmlns:a16="http://schemas.microsoft.com/office/drawing/2014/main" id="{BA749652-883D-479B-B132-F405B264D034}"/>
+                <a16:creationId xmlns:a16="http://schemas.microsoft.com/office/drawing/2014/main" id="{DED19E2E-A4F9-41D9-88D9-326BB1E4DE5A}"/>
               </a:ext>
             </a:extLst>
           </p:cNvPr>
           <p:cNvCxnSpPr>
             <a:cxnSpLocks/>
+            <a:stCxn id="274" idx="2"/>
+            <a:endCxn id="287" idx="0"/>
           </p:cNvCxnSpPr>
           <p:nvPr/>
         </p:nvCxnSpPr>
         <p:spPr>
-          <a:xfrm flipH="1">
-            <a:off x="2012939" y="330680"/>
-            <a:ext cx="2139" cy="179999"/>
-          </a:xfrm>
-          <a:prstGeom prst="straightConnector1">
-            <a:avLst/>
-          </a:prstGeom>
-          <a:ln>
-            <a:solidFill>
-              <a:srgbClr val="787878"/>
-            </a:solidFill>
-            <a:tailEnd type="triangle"/>
-          </a:ln>
-        </p:spPr>
-        <p:style>
-          <a:lnRef idx="1">
-            <a:schemeClr val="accent1"/>
-          </a:lnRef>
-          <a:fillRef idx="0">
-            <a:schemeClr val="accent1"/>
-          </a:fillRef>
-          <a:effectRef idx="0">
-            <a:schemeClr val="accent1"/>
-          </a:effectRef>
-          <a:fontRef idx="minor">
-            <a:schemeClr val="tx1"/>
-          </a:fontRef>
-        </p:style>
-      </p:cxnSp>
-      <p:cxnSp>
-        <p:nvCxnSpPr>
-          <p:cNvPr id="143" name="Straight Arrow Connector 142">
-            <a:extLst>
-              <a:ext uri="{FF2B5EF4-FFF2-40B4-BE49-F238E27FC236}">
-                <a16:creationId xmlns:a16="http://schemas.microsoft.com/office/drawing/2014/main" id="{F4349C01-53B4-45C7-B08A-A6FB18E85FAC}"/>
-              </a:ext>
-            </a:extLst>
-          </p:cNvPr>
-          <p:cNvCxnSpPr>
-            <a:cxnSpLocks/>
-            <a:stCxn id="125" idx="2"/>
-            <a:endCxn id="126" idx="0"/>
-          </p:cNvCxnSpPr>
-          <p:nvPr/>
-        </p:nvCxnSpPr>
-        <p:spPr>
-          <a:xfrm flipH="1">
-            <a:off x="1473276" y="1287035"/>
-            <a:ext cx="537533" cy="217098"/>
+          <a:xfrm>
+            <a:off x="1364092" y="537693"/>
+            <a:ext cx="532179" cy="163649"/>
           </a:xfrm>
           <a:prstGeom prst="straightConnector1">
             <a:avLst/>
@@ -14453,10 +16035,10 @@
       </p:cxnSp>
       <p:sp>
         <p:nvSpPr>
-          <p:cNvPr id="144" name="Rectangle 143">
+          <p:cNvPr id="291" name="Rectangle 290">
             <a:extLst>
               <a:ext uri="{FF2B5EF4-FFF2-40B4-BE49-F238E27FC236}">
-                <a16:creationId xmlns:a16="http://schemas.microsoft.com/office/drawing/2014/main" id="{BFFBFD37-E911-46AB-AA5F-CACE9492D57E}"/>
+                <a16:creationId xmlns:a16="http://schemas.microsoft.com/office/drawing/2014/main" id="{A8F9F45F-C1BE-440A-8C78-DC53AD562CE1}"/>
               </a:ext>
             </a:extLst>
           </p:cNvPr>
@@ -14465,8 +16047,8 @@
         </p:nvSpPr>
         <p:spPr>
           <a:xfrm>
-            <a:off x="892554" y="17892"/>
-            <a:ext cx="2234267" cy="350842"/>
+            <a:off x="730084" y="25811"/>
+            <a:ext cx="2332372" cy="540000"/>
           </a:xfrm>
           <a:prstGeom prst="rect">
             <a:avLst/>
@@ -14474,7 +16056,7 @@
           <a:noFill/>
           <a:ln w="12700">
             <a:solidFill>
-              <a:srgbClr val="FF0000"/>
+              <a:srgbClr val="FF00FF"/>
             </a:solidFill>
             <a:prstDash val="solid"/>
           </a:ln>
@@ -14513,22 +16095,24 @@
       </p:sp>
       <p:cxnSp>
         <p:nvCxnSpPr>
-          <p:cNvPr id="145" name="Straight Arrow Connector 144">
+          <p:cNvPr id="292" name="Straight Arrow Connector 291">
             <a:extLst>
               <a:ext uri="{FF2B5EF4-FFF2-40B4-BE49-F238E27FC236}">
-                <a16:creationId xmlns:a16="http://schemas.microsoft.com/office/drawing/2014/main" id="{C7B89DC0-E435-4097-9C9D-A5B35836C670}"/>
+                <a16:creationId xmlns:a16="http://schemas.microsoft.com/office/drawing/2014/main" id="{41F60FD2-85A7-4F60-964E-F18CBBB167CE}"/>
               </a:ext>
             </a:extLst>
           </p:cNvPr>
           <p:cNvCxnSpPr>
             <a:cxnSpLocks/>
+            <a:stCxn id="301" idx="1"/>
+            <a:endCxn id="302" idx="2"/>
           </p:cNvCxnSpPr>
           <p:nvPr/>
         </p:nvCxnSpPr>
         <p:spPr>
           <a:xfrm flipH="1">
-            <a:off x="996440" y="2223280"/>
-            <a:ext cx="345544" cy="0"/>
+            <a:off x="839097" y="2470665"/>
+            <a:ext cx="325400" cy="325"/>
           </a:xfrm>
           <a:prstGeom prst="straightConnector1">
             <a:avLst/>
@@ -14557,24 +16141,22 @@
       </p:cxnSp>
       <p:cxnSp>
         <p:nvCxnSpPr>
-          <p:cNvPr id="146" name="Straight Arrow Connector 145">
+          <p:cNvPr id="293" name="Straight Arrow Connector 292">
             <a:extLst>
               <a:ext uri="{FF2B5EF4-FFF2-40B4-BE49-F238E27FC236}">
-                <a16:creationId xmlns:a16="http://schemas.microsoft.com/office/drawing/2014/main" id="{E187B116-65BB-4475-A104-04D408D24A34}"/>
+                <a16:creationId xmlns:a16="http://schemas.microsoft.com/office/drawing/2014/main" id="{BA8C51A4-67B1-4ECA-9327-902B18925157}"/>
               </a:ext>
             </a:extLst>
           </p:cNvPr>
           <p:cNvCxnSpPr>
             <a:cxnSpLocks/>
-            <a:stCxn id="156" idx="2"/>
-            <a:endCxn id="128" idx="0"/>
           </p:cNvCxnSpPr>
           <p:nvPr/>
         </p:nvCxnSpPr>
         <p:spPr>
           <a:xfrm>
-            <a:off x="2010809" y="2419002"/>
-            <a:ext cx="7800" cy="326170"/>
+            <a:off x="1895953" y="2855036"/>
+            <a:ext cx="634" cy="326539"/>
           </a:xfrm>
           <a:prstGeom prst="straightConnector1">
             <a:avLst/>
@@ -14603,10 +16185,10 @@
       </p:cxnSp>
       <p:sp>
         <p:nvSpPr>
-          <p:cNvPr id="147" name="Rectangle 146">
+          <p:cNvPr id="294" name="Rectangle 293">
             <a:extLst>
               <a:ext uri="{FF2B5EF4-FFF2-40B4-BE49-F238E27FC236}">
-                <a16:creationId xmlns:a16="http://schemas.microsoft.com/office/drawing/2014/main" id="{3E850B6E-86F3-4C57-8400-4E073EF0D7BA}"/>
+                <a16:creationId xmlns:a16="http://schemas.microsoft.com/office/drawing/2014/main" id="{82D4433C-8EF9-4118-BF0A-254D2C585598}"/>
               </a:ext>
             </a:extLst>
           </p:cNvPr>
@@ -14615,7 +16197,7 @@
         </p:nvSpPr>
         <p:spPr>
           <a:xfrm>
-            <a:off x="1854571" y="2455239"/>
+            <a:off x="1740033" y="2911971"/>
             <a:ext cx="312475" cy="128568"/>
           </a:xfrm>
           <a:prstGeom prst="rect">
@@ -14670,10 +16252,10 @@
       </p:sp>
       <p:sp>
         <p:nvSpPr>
-          <p:cNvPr id="148" name="Rectangle 147">
+          <p:cNvPr id="295" name="Rectangle 294">
             <a:extLst>
               <a:ext uri="{FF2B5EF4-FFF2-40B4-BE49-F238E27FC236}">
-                <a16:creationId xmlns:a16="http://schemas.microsoft.com/office/drawing/2014/main" id="{758B1423-5973-42B6-84F3-A86AB3FE346D}"/>
+                <a16:creationId xmlns:a16="http://schemas.microsoft.com/office/drawing/2014/main" id="{97A19938-240D-4334-ACA2-B0496814E8B8}"/>
               </a:ext>
             </a:extLst>
           </p:cNvPr>
@@ -14682,8 +16264,8 @@
         </p:nvSpPr>
         <p:spPr>
           <a:xfrm>
-            <a:off x="881867" y="2632310"/>
-            <a:ext cx="2249555" cy="1324384"/>
+            <a:off x="726392" y="3078746"/>
+            <a:ext cx="2339757" cy="487016"/>
           </a:xfrm>
           <a:prstGeom prst="rect">
             <a:avLst/>
@@ -14730,10 +16312,10 @@
       </p:sp>
       <p:sp>
         <p:nvSpPr>
-          <p:cNvPr id="149" name="Rectangle 148">
+          <p:cNvPr id="296" name="Rectangle 295">
             <a:extLst>
               <a:ext uri="{FF2B5EF4-FFF2-40B4-BE49-F238E27FC236}">
-                <a16:creationId xmlns:a16="http://schemas.microsoft.com/office/drawing/2014/main" id="{3C09C7FB-47EB-4AD5-BB35-62F8309C4C5D}"/>
+                <a16:creationId xmlns:a16="http://schemas.microsoft.com/office/drawing/2014/main" id="{F55E738F-4212-4CA2-8E69-1311A5957643}"/>
               </a:ext>
             </a:extLst>
           </p:cNvPr>
@@ -14742,7 +16324,7 @@
         </p:nvSpPr>
         <p:spPr>
           <a:xfrm rot="16200000">
-            <a:off x="1073105" y="4203622"/>
+            <a:off x="947655" y="4712364"/>
             <a:ext cx="325898" cy="133683"/>
           </a:xfrm>
           <a:prstGeom prst="rect">
@@ -14797,10 +16379,10 @@
       </p:sp>
       <p:sp>
         <p:nvSpPr>
-          <p:cNvPr id="150" name="Rectangle 149">
+          <p:cNvPr id="297" name="Rectangle 296">
             <a:extLst>
               <a:ext uri="{FF2B5EF4-FFF2-40B4-BE49-F238E27FC236}">
-                <a16:creationId xmlns:a16="http://schemas.microsoft.com/office/drawing/2014/main" id="{60DE4DCA-D392-4BD2-8683-B7538A0ABD6D}"/>
+                <a16:creationId xmlns:a16="http://schemas.microsoft.com/office/drawing/2014/main" id="{F9E0C54F-B2DC-411F-9838-BCEAD7473CA1}"/>
               </a:ext>
             </a:extLst>
           </p:cNvPr>
@@ -14809,8 +16391,8 @@
         </p:nvSpPr>
         <p:spPr>
           <a:xfrm>
-            <a:off x="6058" y="498631"/>
-            <a:ext cx="872646" cy="351941"/>
+            <a:off x="-45031" y="-77161"/>
+            <a:ext cx="784427" cy="351941"/>
           </a:xfrm>
           <a:prstGeom prst="rect">
             <a:avLst/>
@@ -14852,17 +16434,17 @@
                 </a:solidFill>
                 <a:cs typeface="Arial" panose="020B0604020202020204" pitchFamily="34" charset="0"/>
               </a:rPr>
-              <a:t>ecPoint developers</a:t>
+              <a:t>ecPoint experts</a:t>
             </a:r>
           </a:p>
         </p:txBody>
       </p:sp>
       <p:sp>
         <p:nvSpPr>
-          <p:cNvPr id="151" name="Rectangle 150">
+          <p:cNvPr id="298" name="Rectangle 297">
             <a:extLst>
               <a:ext uri="{FF2B5EF4-FFF2-40B4-BE49-F238E27FC236}">
-                <a16:creationId xmlns:a16="http://schemas.microsoft.com/office/drawing/2014/main" id="{9411C48E-0E32-4FCA-BC87-D95E1CA1A4B6}"/>
+                <a16:creationId xmlns:a16="http://schemas.microsoft.com/office/drawing/2014/main" id="{3A45AC96-C7B2-47F9-8511-8D5D9CF39B8E}"/>
               </a:ext>
             </a:extLst>
           </p:cNvPr>
@@ -14871,8 +16453,8 @@
         </p:nvSpPr>
         <p:spPr>
           <a:xfrm>
-            <a:off x="6058" y="697810"/>
-            <a:ext cx="872646" cy="353392"/>
+            <a:off x="-45033" y="122018"/>
+            <a:ext cx="784428" cy="353392"/>
           </a:xfrm>
           <a:prstGeom prst="rect">
             <a:avLst/>
@@ -14914,17 +16496,17 @@
                 </a:solidFill>
                 <a:cs typeface="Arial" panose="020B0604020202020204" pitchFamily="34" charset="0"/>
               </a:rPr>
-              <a:t>Volunteer Testers</a:t>
+              <a:t>NMHS forecasters</a:t>
             </a:r>
           </a:p>
         </p:txBody>
       </p:sp>
       <p:sp>
         <p:nvSpPr>
-          <p:cNvPr id="152" name="Rectangle 151">
+          <p:cNvPr id="299" name="Rectangle 298">
             <a:extLst>
               <a:ext uri="{FF2B5EF4-FFF2-40B4-BE49-F238E27FC236}">
-                <a16:creationId xmlns:a16="http://schemas.microsoft.com/office/drawing/2014/main" id="{B309B982-440E-48D8-8195-CD17D6778287}"/>
+                <a16:creationId xmlns:a16="http://schemas.microsoft.com/office/drawing/2014/main" id="{E96C34E9-B6F4-424B-B963-9231561743E7}"/>
               </a:ext>
             </a:extLst>
           </p:cNvPr>
@@ -14933,8 +16515,8 @@
         </p:nvSpPr>
         <p:spPr>
           <a:xfrm>
-            <a:off x="-138508" y="898440"/>
-            <a:ext cx="1161779" cy="353392"/>
+            <a:off x="-45778" y="509258"/>
+            <a:ext cx="784429" cy="353392"/>
           </a:xfrm>
           <a:prstGeom prst="rect">
             <a:avLst/>
@@ -14976,17 +16558,17 @@
                 </a:solidFill>
                 <a:cs typeface="Arial" panose="020B0604020202020204" pitchFamily="34" charset="0"/>
               </a:rPr>
-              <a:t>Dev. &amp; Testers</a:t>
+              <a:t>Exp. &amp; Interm.</a:t>
             </a:r>
           </a:p>
         </p:txBody>
       </p:sp>
       <p:cxnSp>
         <p:nvCxnSpPr>
-          <p:cNvPr id="153" name="Straight Connector 152">
+          <p:cNvPr id="300" name="Straight Connector 299">
             <a:extLst>
               <a:ext uri="{FF2B5EF4-FFF2-40B4-BE49-F238E27FC236}">
-                <a16:creationId xmlns:a16="http://schemas.microsoft.com/office/drawing/2014/main" id="{51E6B9BE-8FA3-46A4-B642-F4D7649A0C43}"/>
+                <a16:creationId xmlns:a16="http://schemas.microsoft.com/office/drawing/2014/main" id="{C5FFDD23-5D0C-40DF-98F4-1191DA5783D4}"/>
               </a:ext>
             </a:extLst>
           </p:cNvPr>
@@ -14997,7 +16579,7 @@
         </p:nvCxnSpPr>
         <p:spPr>
           <a:xfrm flipV="1">
-            <a:off x="133747" y="723940"/>
+            <a:off x="38548" y="148148"/>
             <a:ext cx="612000" cy="1"/>
           </a:xfrm>
           <a:prstGeom prst="line">
@@ -15005,95 +16587,7 @@
           </a:prstGeom>
           <a:ln w="19050">
             <a:solidFill>
-              <a:srgbClr val="FF0000"/>
-            </a:solidFill>
-            <a:prstDash val="solid"/>
-          </a:ln>
-        </p:spPr>
-        <p:style>
-          <a:lnRef idx="1">
-            <a:schemeClr val="accent1"/>
-          </a:lnRef>
-          <a:fillRef idx="0">
-            <a:schemeClr val="accent1"/>
-          </a:fillRef>
-          <a:effectRef idx="0">
-            <a:schemeClr val="accent1"/>
-          </a:effectRef>
-          <a:fontRef idx="minor">
-            <a:schemeClr val="tx1"/>
-          </a:fontRef>
-        </p:style>
-      </p:cxnSp>
-      <p:cxnSp>
-        <p:nvCxnSpPr>
-          <p:cNvPr id="154" name="Straight Connector 153">
-            <a:extLst>
-              <a:ext uri="{FF2B5EF4-FFF2-40B4-BE49-F238E27FC236}">
-                <a16:creationId xmlns:a16="http://schemas.microsoft.com/office/drawing/2014/main" id="{A34FDA89-9AF1-44B9-873D-3C42AB161AD1}"/>
-              </a:ext>
-            </a:extLst>
-          </p:cNvPr>
-          <p:cNvCxnSpPr>
-            <a:cxnSpLocks/>
-          </p:cNvCxnSpPr>
-          <p:nvPr/>
-        </p:nvCxnSpPr>
-        <p:spPr>
-          <a:xfrm>
-            <a:off x="153064" y="924021"/>
-            <a:ext cx="576000" cy="0"/>
-          </a:xfrm>
-          <a:prstGeom prst="line">
-            <a:avLst/>
-          </a:prstGeom>
-          <a:ln w="19050">
-            <a:solidFill>
-              <a:srgbClr val="0000FF"/>
-            </a:solidFill>
-            <a:prstDash val="solid"/>
-          </a:ln>
-        </p:spPr>
-        <p:style>
-          <a:lnRef idx="1">
-            <a:schemeClr val="accent1"/>
-          </a:lnRef>
-          <a:fillRef idx="0">
-            <a:schemeClr val="accent1"/>
-          </a:fillRef>
-          <a:effectRef idx="0">
-            <a:schemeClr val="accent1"/>
-          </a:effectRef>
-          <a:fontRef idx="minor">
-            <a:schemeClr val="tx1"/>
-          </a:fontRef>
-        </p:style>
-      </p:cxnSp>
-      <p:cxnSp>
-        <p:nvCxnSpPr>
-          <p:cNvPr id="155" name="Straight Connector 154">
-            <a:extLst>
-              <a:ext uri="{FF2B5EF4-FFF2-40B4-BE49-F238E27FC236}">
-                <a16:creationId xmlns:a16="http://schemas.microsoft.com/office/drawing/2014/main" id="{C5A0C94A-0F1D-44A5-9AD6-FE947E84859A}"/>
-              </a:ext>
-            </a:extLst>
-          </p:cNvPr>
-          <p:cNvCxnSpPr>
-            <a:cxnSpLocks/>
-          </p:cNvCxnSpPr>
-          <p:nvPr/>
-        </p:nvCxnSpPr>
-        <p:spPr>
-          <a:xfrm>
-            <a:off x="204576" y="1124650"/>
-            <a:ext cx="468000" cy="0"/>
-          </a:xfrm>
-          <a:prstGeom prst="line">
-            <a:avLst/>
-          </a:prstGeom>
-          <a:ln w="19050">
-            <a:solidFill>
-              <a:srgbClr val="00CCFF"/>
+              <a:srgbClr val="FF00FF"/>
             </a:solidFill>
             <a:prstDash val="solid"/>
           </a:ln>
@@ -15115,10 +16609,10 @@
       </p:cxnSp>
       <p:sp>
         <p:nvSpPr>
-          <p:cNvPr id="156" name="Diamond 155">
+          <p:cNvPr id="301" name="Diamond 300">
             <a:extLst>
               <a:ext uri="{FF2B5EF4-FFF2-40B4-BE49-F238E27FC236}">
-                <a16:creationId xmlns:a16="http://schemas.microsoft.com/office/drawing/2014/main" id="{8539F026-8842-4405-838B-6E8532626571}"/>
+                <a16:creationId xmlns:a16="http://schemas.microsoft.com/office/drawing/2014/main" id="{AB6B946D-1005-4413-A902-720056E98143}"/>
               </a:ext>
             </a:extLst>
           </p:cNvPr>
@@ -15127,8 +16621,8 @@
         </p:nvSpPr>
         <p:spPr>
           <a:xfrm>
-            <a:off x="1326551" y="2020729"/>
-            <a:ext cx="1368516" cy="398273"/>
+            <a:off x="1164497" y="2086293"/>
+            <a:ext cx="1463547" cy="768743"/>
           </a:xfrm>
           <a:prstGeom prst="diamond">
             <a:avLst/>
@@ -15165,27 +16659,24 @@
           <a:lstStyle/>
           <a:p>
             <a:pPr algn="ctr"/>
-            <a:r>
-              <a:rPr lang="en-GB" sz="600" dirty="0">
-                <a:solidFill>
-                  <a:schemeClr val="tx1">
-                    <a:lumMod val="65000"/>
-                    <a:lumOff val="35000"/>
-                  </a:schemeClr>
-                </a:solidFill>
-                <a:cs typeface="Arial" panose="020B0604020202020204" pitchFamily="34" charset="0"/>
-              </a:rPr>
-              <a:t>Are the results similar?</a:t>
-            </a:r>
+            <a:endParaRPr lang="en-GB" sz="600" dirty="0">
+              <a:solidFill>
+                <a:schemeClr val="tx1">
+                  <a:lumMod val="65000"/>
+                  <a:lumOff val="35000"/>
+                </a:schemeClr>
+              </a:solidFill>
+              <a:cs typeface="Arial" panose="020B0604020202020204" pitchFamily="34" charset="0"/>
+            </a:endParaRPr>
           </a:p>
         </p:txBody>
       </p:sp>
       <p:sp>
         <p:nvSpPr>
-          <p:cNvPr id="157" name="Parallelogram 156">
+          <p:cNvPr id="302" name="Parallelogram 301">
             <a:extLst>
               <a:ext uri="{FF2B5EF4-FFF2-40B4-BE49-F238E27FC236}">
-                <a16:creationId xmlns:a16="http://schemas.microsoft.com/office/drawing/2014/main" id="{FDAC7E92-12B1-4AD1-9DBA-FD7B5A51FC4B}"/>
+                <a16:creationId xmlns:a16="http://schemas.microsoft.com/office/drawing/2014/main" id="{7F876B03-C553-4F2D-81DB-929E35DA78BA}"/>
               </a:ext>
             </a:extLst>
           </p:cNvPr>
@@ -15194,8 +16685,8 @@
         </p:nvSpPr>
         <p:spPr>
           <a:xfrm>
-            <a:off x="31620" y="2039968"/>
-            <a:ext cx="1002411" cy="353392"/>
+            <a:off x="27423" y="2294294"/>
+            <a:ext cx="855848" cy="353392"/>
           </a:xfrm>
           <a:prstGeom prst="parallelogram">
             <a:avLst/>
@@ -15260,66 +16751,17 @@
                 </a:solidFill>
                 <a:cs typeface="Arial" panose="020B0604020202020204" pitchFamily="34" charset="0"/>
               </a:rPr>
-              <a:t>revise ecPoint training/guidance</a:t>
+              <a:t>revise ecPoint guidance</a:t>
             </a:r>
           </a:p>
         </p:txBody>
       </p:sp>
       <p:sp>
         <p:nvSpPr>
-          <p:cNvPr id="158" name="Left Brace 157">
+          <p:cNvPr id="303" name="Rectangle 302">
             <a:extLst>
               <a:ext uri="{FF2B5EF4-FFF2-40B4-BE49-F238E27FC236}">
-                <a16:creationId xmlns:a16="http://schemas.microsoft.com/office/drawing/2014/main" id="{652D85F5-8394-421A-9C4D-17F64979BA3A}"/>
-              </a:ext>
-            </a:extLst>
-          </p:cNvPr>
-          <p:cNvSpPr/>
-          <p:nvPr/>
-        </p:nvSpPr>
-        <p:spPr>
-          <a:xfrm flipH="1">
-            <a:off x="3150866" y="1443690"/>
-            <a:ext cx="121471" cy="2513004"/>
-          </a:xfrm>
-          <a:prstGeom prst="leftBrace">
-            <a:avLst/>
-          </a:prstGeom>
-          <a:ln>
-            <a:solidFill>
-              <a:schemeClr val="tx1"/>
-            </a:solidFill>
-          </a:ln>
-        </p:spPr>
-        <p:style>
-          <a:lnRef idx="1">
-            <a:schemeClr val="accent1"/>
-          </a:lnRef>
-          <a:fillRef idx="0">
-            <a:schemeClr val="accent1"/>
-          </a:fillRef>
-          <a:effectRef idx="0">
-            <a:schemeClr val="accent1"/>
-          </a:effectRef>
-          <a:fontRef idx="minor">
-            <a:schemeClr val="tx1"/>
-          </a:fontRef>
-        </p:style>
-        <p:txBody>
-          <a:bodyPr rtlCol="0" anchor="ctr"/>
-          <a:lstStyle/>
-          <a:p>
-            <a:pPr algn="ctr"/>
-            <a:endParaRPr lang="en-GB"/>
-          </a:p>
-        </p:txBody>
-      </p:sp>
-      <p:sp>
-        <p:nvSpPr>
-          <p:cNvPr id="159" name="Rectangle 158">
-            <a:extLst>
-              <a:ext uri="{FF2B5EF4-FFF2-40B4-BE49-F238E27FC236}">
-                <a16:creationId xmlns:a16="http://schemas.microsoft.com/office/drawing/2014/main" id="{6253FD2B-555C-4B51-B8B8-156CA0CC3A51}"/>
+                <a16:creationId xmlns:a16="http://schemas.microsoft.com/office/drawing/2014/main" id="{0ABDED04-1ABF-4E52-A602-A8BEBBFEB836}"/>
               </a:ext>
             </a:extLst>
           </p:cNvPr>
@@ -15328,8 +16770,8 @@
         </p:nvSpPr>
         <p:spPr>
           <a:xfrm rot="5400000">
-            <a:off x="2098218" y="2512916"/>
-            <a:ext cx="2513005" cy="351941"/>
+            <a:off x="1846038" y="2807288"/>
+            <a:ext cx="2904431" cy="351941"/>
           </a:xfrm>
           <a:prstGeom prst="rect">
             <a:avLst/>
@@ -15378,173 +16820,10 @@
       </p:sp>
       <p:sp>
         <p:nvSpPr>
-          <p:cNvPr id="160" name="Left Brace 159">
+          <p:cNvPr id="304" name="Rectangle 303">
             <a:extLst>
               <a:ext uri="{FF2B5EF4-FFF2-40B4-BE49-F238E27FC236}">
-                <a16:creationId xmlns:a16="http://schemas.microsoft.com/office/drawing/2014/main" id="{D4737B74-D717-4B73-B0BD-DF820697AA8E}"/>
-              </a:ext>
-            </a:extLst>
-          </p:cNvPr>
-          <p:cNvSpPr/>
-          <p:nvPr/>
-        </p:nvSpPr>
-        <p:spPr>
-          <a:xfrm flipH="1">
-            <a:off x="3144241" y="17892"/>
-            <a:ext cx="128097" cy="1312903"/>
-          </a:xfrm>
-          <a:prstGeom prst="leftBrace">
-            <a:avLst/>
-          </a:prstGeom>
-          <a:ln>
-            <a:solidFill>
-              <a:schemeClr val="tx1"/>
-            </a:solidFill>
-          </a:ln>
-        </p:spPr>
-        <p:style>
-          <a:lnRef idx="1">
-            <a:schemeClr val="accent1"/>
-          </a:lnRef>
-          <a:fillRef idx="0">
-            <a:schemeClr val="accent1"/>
-          </a:fillRef>
-          <a:effectRef idx="0">
-            <a:schemeClr val="accent1"/>
-          </a:effectRef>
-          <a:fontRef idx="minor">
-            <a:schemeClr val="tx1"/>
-          </a:fontRef>
-        </p:style>
-        <p:txBody>
-          <a:bodyPr rtlCol="0" anchor="ctr"/>
-          <a:lstStyle/>
-          <a:p>
-            <a:pPr algn="ctr"/>
-            <a:endParaRPr lang="en-GB"/>
-          </a:p>
-        </p:txBody>
-      </p:sp>
-      <p:sp>
-        <p:nvSpPr>
-          <p:cNvPr id="161" name="Rectangle 160">
-            <a:extLst>
-              <a:ext uri="{FF2B5EF4-FFF2-40B4-BE49-F238E27FC236}">
-                <a16:creationId xmlns:a16="http://schemas.microsoft.com/office/drawing/2014/main" id="{E5B78F21-099B-4DEE-A05B-C767241E3252}"/>
-              </a:ext>
-            </a:extLst>
-          </p:cNvPr>
-          <p:cNvSpPr/>
-          <p:nvPr/>
-        </p:nvSpPr>
-        <p:spPr>
-          <a:xfrm rot="5400000">
-            <a:off x="2672393" y="471792"/>
-            <a:ext cx="1376718" cy="351941"/>
-          </a:xfrm>
-          <a:prstGeom prst="rect">
-            <a:avLst/>
-          </a:prstGeom>
-          <a:noFill/>
-          <a:ln w="28575">
-            <a:noFill/>
-            <a:prstDash val="dash"/>
-          </a:ln>
-        </p:spPr>
-        <p:style>
-          <a:lnRef idx="2">
-            <a:schemeClr val="accent1">
-              <a:shade val="50000"/>
-            </a:schemeClr>
-          </a:lnRef>
-          <a:fillRef idx="1">
-            <a:schemeClr val="accent1"/>
-          </a:fillRef>
-          <a:effectRef idx="0">
-            <a:schemeClr val="accent1"/>
-          </a:effectRef>
-          <a:fontRef idx="minor">
-            <a:schemeClr val="lt1"/>
-          </a:fontRef>
-        </p:style>
-        <p:txBody>
-          <a:bodyPr rtlCol="0" anchor="ctr"/>
-          <a:lstStyle/>
-          <a:p>
-            <a:pPr algn="ctr"/>
-            <a:r>
-              <a:rPr lang="en-GB" sz="600" b="1" dirty="0">
-                <a:solidFill>
-                  <a:schemeClr val="tx1">
-                    <a:lumMod val="65000"/>
-                    <a:lumOff val="35000"/>
-                  </a:schemeClr>
-                </a:solidFill>
-                <a:cs typeface="Arial" panose="020B0604020202020204" pitchFamily="34" charset="0"/>
-              </a:rPr>
-              <a:t>REAL-TIME PHASE</a:t>
-            </a:r>
-          </a:p>
-        </p:txBody>
-      </p:sp>
-      <p:sp>
-        <p:nvSpPr>
-          <p:cNvPr id="162" name="Rectangle 161">
-            <a:extLst>
-              <a:ext uri="{FF2B5EF4-FFF2-40B4-BE49-F238E27FC236}">
-                <a16:creationId xmlns:a16="http://schemas.microsoft.com/office/drawing/2014/main" id="{3E40FA3A-333A-4178-BBBC-F339A5FC5269}"/>
-              </a:ext>
-            </a:extLst>
-          </p:cNvPr>
-          <p:cNvSpPr/>
-          <p:nvPr/>
-        </p:nvSpPr>
-        <p:spPr>
-          <a:xfrm>
-            <a:off x="50168" y="542926"/>
-            <a:ext cx="784427" cy="708728"/>
-          </a:xfrm>
-          <a:prstGeom prst="rect">
-            <a:avLst/>
-          </a:prstGeom>
-          <a:noFill/>
-          <a:ln w="3175">
-            <a:solidFill>
-              <a:schemeClr val="tx1"/>
-            </a:solidFill>
-          </a:ln>
-        </p:spPr>
-        <p:style>
-          <a:lnRef idx="2">
-            <a:schemeClr val="accent1">
-              <a:shade val="50000"/>
-            </a:schemeClr>
-          </a:lnRef>
-          <a:fillRef idx="1">
-            <a:schemeClr val="accent1"/>
-          </a:fillRef>
-          <a:effectRef idx="0">
-            <a:schemeClr val="accent1"/>
-          </a:effectRef>
-          <a:fontRef idx="minor">
-            <a:schemeClr val="lt1"/>
-          </a:fontRef>
-        </p:style>
-        <p:txBody>
-          <a:bodyPr rtlCol="0" anchor="ctr"/>
-          <a:lstStyle/>
-          <a:p>
-            <a:pPr algn="ctr"/>
-            <a:endParaRPr lang="en-GB"/>
-          </a:p>
-        </p:txBody>
-      </p:sp>
-      <p:sp>
-        <p:nvSpPr>
-          <p:cNvPr id="163" name="Rectangle 162">
-            <a:extLst>
-              <a:ext uri="{FF2B5EF4-FFF2-40B4-BE49-F238E27FC236}">
-                <a16:creationId xmlns:a16="http://schemas.microsoft.com/office/drawing/2014/main" id="{BD4B059B-E653-49D1-AAF8-E27F0D8BF3DF}"/>
+                <a16:creationId xmlns:a16="http://schemas.microsoft.com/office/drawing/2014/main" id="{633D1D4F-1612-4F30-B47C-CFEDE07D2DCA}"/>
               </a:ext>
             </a:extLst>
           </p:cNvPr>
@@ -15553,8 +16832,8 @@
         </p:nvSpPr>
         <p:spPr>
           <a:xfrm rot="16200000">
-            <a:off x="1024642" y="2157672"/>
-            <a:ext cx="361398" cy="133684"/>
+            <a:off x="867090" y="2406958"/>
+            <a:ext cx="361398" cy="127411"/>
           </a:xfrm>
           <a:prstGeom prst="rect">
             <a:avLst/>
@@ -15608,10 +16887,10 @@
       </p:sp>
       <p:sp>
         <p:nvSpPr>
-          <p:cNvPr id="164" name="Rectangle: Rounded Corners 163">
+          <p:cNvPr id="305" name="Rectangle: Rounded Corners 304">
             <a:extLst>
               <a:ext uri="{FF2B5EF4-FFF2-40B4-BE49-F238E27FC236}">
-                <a16:creationId xmlns:a16="http://schemas.microsoft.com/office/drawing/2014/main" id="{8F4317FD-2147-49D9-9D5B-FA03498D78AA}"/>
+                <a16:creationId xmlns:a16="http://schemas.microsoft.com/office/drawing/2014/main" id="{8816B721-8510-40B7-A91D-543B4D706573}"/>
               </a:ext>
             </a:extLst>
           </p:cNvPr>
@@ -15620,8 +16899,8 @@
         </p:nvSpPr>
         <p:spPr>
           <a:xfrm>
-            <a:off x="2038881" y="1504988"/>
-            <a:ext cx="1028083" cy="360000"/>
+            <a:off x="835636" y="1655344"/>
+            <a:ext cx="2121268" cy="252000"/>
           </a:xfrm>
           <a:prstGeom prst="roundRect">
             <a:avLst>
@@ -15670,31 +16949,29 @@
                 </a:solidFill>
                 <a:cs typeface="Arial" panose="020B0604020202020204" pitchFamily="34" charset="0"/>
               </a:rPr>
-              <a:t>Run a separate analysis for the case studies presented in the summary reports</a:t>
+              <a:t>Independent analysis of the case studies presented in the summary reports.</a:t>
             </a:r>
           </a:p>
         </p:txBody>
       </p:sp>
       <p:cxnSp>
         <p:nvCxnSpPr>
-          <p:cNvPr id="165" name="Straight Arrow Connector 164">
+          <p:cNvPr id="306" name="Straight Arrow Connector 305">
             <a:extLst>
               <a:ext uri="{FF2B5EF4-FFF2-40B4-BE49-F238E27FC236}">
-                <a16:creationId xmlns:a16="http://schemas.microsoft.com/office/drawing/2014/main" id="{BACAAD4A-A471-4E41-B7D3-296E3F0FC88B}"/>
+                <a16:creationId xmlns:a16="http://schemas.microsoft.com/office/drawing/2014/main" id="{A6599E61-DDCB-4380-B6E5-D06FED9DA323}"/>
               </a:ext>
             </a:extLst>
           </p:cNvPr>
           <p:cNvCxnSpPr>
             <a:cxnSpLocks/>
-            <a:stCxn id="125" idx="2"/>
-            <a:endCxn id="164" idx="0"/>
           </p:cNvCxnSpPr>
           <p:nvPr/>
         </p:nvCxnSpPr>
         <p:spPr>
           <a:xfrm>
-            <a:off x="2010809" y="1287035"/>
-            <a:ext cx="542114" cy="217953"/>
+            <a:off x="1896270" y="1475996"/>
+            <a:ext cx="0" cy="179348"/>
           </a:xfrm>
           <a:prstGeom prst="straightConnector1">
             <a:avLst/>
@@ -15723,10 +17000,10 @@
       </p:cxnSp>
       <p:sp>
         <p:nvSpPr>
-          <p:cNvPr id="166" name="Rectangle 165">
+          <p:cNvPr id="307" name="Rectangle 306">
             <a:extLst>
               <a:ext uri="{FF2B5EF4-FFF2-40B4-BE49-F238E27FC236}">
-                <a16:creationId xmlns:a16="http://schemas.microsoft.com/office/drawing/2014/main" id="{B0B31249-3965-4EAE-9779-86EF7BA30922}"/>
+                <a16:creationId xmlns:a16="http://schemas.microsoft.com/office/drawing/2014/main" id="{BECD5DC4-4074-4306-91A5-358C7EE4D0A5}"/>
               </a:ext>
             </a:extLst>
           </p:cNvPr>
@@ -15735,8 +17012,8 @@
         </p:nvSpPr>
         <p:spPr>
           <a:xfrm>
-            <a:off x="892553" y="1443690"/>
-            <a:ext cx="2234268" cy="469471"/>
+            <a:off x="727923" y="1531041"/>
+            <a:ext cx="2336694" cy="405345"/>
           </a:xfrm>
           <a:prstGeom prst="rect">
             <a:avLst/>
@@ -15744,7 +17021,7 @@
           <a:noFill/>
           <a:ln w="12700">
             <a:solidFill>
-              <a:srgbClr val="FF0000"/>
+              <a:srgbClr val="FF00FF"/>
             </a:solidFill>
             <a:prstDash val="solid"/>
           </a:ln>
@@ -15781,58 +17058,12 @@
           </a:p>
         </p:txBody>
       </p:sp>
-      <p:cxnSp>
-        <p:nvCxnSpPr>
-          <p:cNvPr id="167" name="Straight Arrow Connector 166">
+      <p:sp>
+        <p:nvSpPr>
+          <p:cNvPr id="308" name="Diamond 307">
             <a:extLst>
               <a:ext uri="{FF2B5EF4-FFF2-40B4-BE49-F238E27FC236}">
-                <a16:creationId xmlns:a16="http://schemas.microsoft.com/office/drawing/2014/main" id="{3C5FF516-5F73-465A-8528-1C29A41FA446}"/>
-              </a:ext>
-            </a:extLst>
-          </p:cNvPr>
-          <p:cNvCxnSpPr>
-            <a:cxnSpLocks/>
-            <a:stCxn id="126" idx="2"/>
-            <a:endCxn id="156" idx="0"/>
-          </p:cNvCxnSpPr>
-          <p:nvPr/>
-        </p:nvCxnSpPr>
-        <p:spPr>
-          <a:xfrm>
-            <a:off x="1473276" y="1864133"/>
-            <a:ext cx="537533" cy="156596"/>
-          </a:xfrm>
-          <a:prstGeom prst="straightConnector1">
-            <a:avLst/>
-          </a:prstGeom>
-          <a:ln>
-            <a:solidFill>
-              <a:srgbClr val="787878"/>
-            </a:solidFill>
-            <a:tailEnd type="triangle"/>
-          </a:ln>
-        </p:spPr>
-        <p:style>
-          <a:lnRef idx="1">
-            <a:schemeClr val="accent1"/>
-          </a:lnRef>
-          <a:fillRef idx="0">
-            <a:schemeClr val="accent1"/>
-          </a:fillRef>
-          <a:effectRef idx="0">
-            <a:schemeClr val="accent1"/>
-          </a:effectRef>
-          <a:fontRef idx="minor">
-            <a:schemeClr val="tx1"/>
-          </a:fontRef>
-        </p:style>
-      </p:cxnSp>
-      <p:sp>
-        <p:nvSpPr>
-          <p:cNvPr id="168" name="Diamond 167">
-            <a:extLst>
-              <a:ext uri="{FF2B5EF4-FFF2-40B4-BE49-F238E27FC236}">
-                <a16:creationId xmlns:a16="http://schemas.microsoft.com/office/drawing/2014/main" id="{AD6D1F93-1604-42F6-9D96-7EC2C2F69828}"/>
+                <a16:creationId xmlns:a16="http://schemas.microsoft.com/office/drawing/2014/main" id="{1C7BFEA6-C2FE-4FE9-9604-D0A44D220340}"/>
               </a:ext>
             </a:extLst>
           </p:cNvPr>
@@ -15841,7 +17072,7 @@
         </p:nvSpPr>
         <p:spPr>
           <a:xfrm>
-            <a:off x="1337704" y="4091197"/>
+            <a:off x="1212012" y="4581385"/>
             <a:ext cx="1368516" cy="398273"/>
           </a:xfrm>
           <a:prstGeom prst="diamond">
@@ -15889,8 +17120,827 @@
                 </a:solidFill>
                 <a:cs typeface="Arial" panose="020B0604020202020204" pitchFamily="34" charset="0"/>
               </a:rPr>
-              <a:t>Are the new results similar?</a:t>
+              <a:t>Are now the results similar?</a:t>
             </a:r>
+          </a:p>
+        </p:txBody>
+      </p:sp>
+      <p:sp>
+        <p:nvSpPr>
+          <p:cNvPr id="309" name="Rectangle: Rounded Corners 308">
+            <a:extLst>
+              <a:ext uri="{FF2B5EF4-FFF2-40B4-BE49-F238E27FC236}">
+                <a16:creationId xmlns:a16="http://schemas.microsoft.com/office/drawing/2014/main" id="{DEBE84E6-A67F-463E-94FD-3D4BB80DA1CE}"/>
+              </a:ext>
+            </a:extLst>
+          </p:cNvPr>
+          <p:cNvSpPr/>
+          <p:nvPr/>
+        </p:nvSpPr>
+        <p:spPr>
+          <a:xfrm>
+            <a:off x="1929697" y="69505"/>
+            <a:ext cx="1030941" cy="468000"/>
+          </a:xfrm>
+          <a:prstGeom prst="roundRect">
+            <a:avLst>
+              <a:gd name="adj" fmla="val 0"/>
+            </a:avLst>
+          </a:prstGeom>
+          <a:solidFill>
+            <a:schemeClr val="bg2"/>
+          </a:solidFill>
+          <a:ln w="3175">
+            <a:solidFill>
+              <a:schemeClr val="bg2">
+                <a:lumMod val="50000"/>
+              </a:schemeClr>
+            </a:solidFill>
+          </a:ln>
+        </p:spPr>
+        <p:style>
+          <a:lnRef idx="2">
+            <a:schemeClr val="accent1">
+              <a:shade val="50000"/>
+            </a:schemeClr>
+          </a:lnRef>
+          <a:fillRef idx="1">
+            <a:schemeClr val="accent1"/>
+          </a:fillRef>
+          <a:effectRef idx="0">
+            <a:schemeClr val="accent1"/>
+          </a:effectRef>
+          <a:fontRef idx="minor">
+            <a:schemeClr val="lt1"/>
+          </a:fontRef>
+        </p:style>
+        <p:txBody>
+          <a:bodyPr rtlCol="0" anchor="ctr"/>
+          <a:lstStyle/>
+          <a:p>
+            <a:pPr algn="ctr"/>
+            <a:r>
+              <a:rPr lang="en-GB" sz="600" dirty="0">
+                <a:solidFill>
+                  <a:schemeClr val="tx1">
+                    <a:lumMod val="65000"/>
+                    <a:lumOff val="35000"/>
+                  </a:schemeClr>
+                </a:solidFill>
+                <a:cs typeface="Arial" panose="020B0604020202020204" pitchFamily="34" charset="0"/>
+              </a:rPr>
+              <a:t>Provision to the intermediaries of remote training on ecPoint-Rainfall forecasts.</a:t>
+            </a:r>
+          </a:p>
+        </p:txBody>
+      </p:sp>
+      <p:cxnSp>
+        <p:nvCxnSpPr>
+          <p:cNvPr id="310" name="Straight Arrow Connector 309">
+            <a:extLst>
+              <a:ext uri="{FF2B5EF4-FFF2-40B4-BE49-F238E27FC236}">
+                <a16:creationId xmlns:a16="http://schemas.microsoft.com/office/drawing/2014/main" id="{70CFACB8-3C68-4BB7-9F84-2F5BF1C04F0C}"/>
+              </a:ext>
+            </a:extLst>
+          </p:cNvPr>
+          <p:cNvCxnSpPr>
+            <a:cxnSpLocks/>
+          </p:cNvCxnSpPr>
+          <p:nvPr/>
+        </p:nvCxnSpPr>
+        <p:spPr>
+          <a:xfrm>
+            <a:off x="1896270" y="1907344"/>
+            <a:ext cx="1" cy="178949"/>
+          </a:xfrm>
+          <a:prstGeom prst="straightConnector1">
+            <a:avLst/>
+          </a:prstGeom>
+          <a:ln>
+            <a:solidFill>
+              <a:srgbClr val="787878"/>
+            </a:solidFill>
+            <a:tailEnd type="triangle"/>
+          </a:ln>
+        </p:spPr>
+        <p:style>
+          <a:lnRef idx="1">
+            <a:schemeClr val="accent1"/>
+          </a:lnRef>
+          <a:fillRef idx="0">
+            <a:schemeClr val="accent1"/>
+          </a:fillRef>
+          <a:effectRef idx="0">
+            <a:schemeClr val="accent1"/>
+          </a:effectRef>
+          <a:fontRef idx="minor">
+            <a:schemeClr val="tx1"/>
+          </a:fontRef>
+        </p:style>
+      </p:cxnSp>
+      <p:cxnSp>
+        <p:nvCxnSpPr>
+          <p:cNvPr id="311" name="Straight Arrow Connector 310">
+            <a:extLst>
+              <a:ext uri="{FF2B5EF4-FFF2-40B4-BE49-F238E27FC236}">
+                <a16:creationId xmlns:a16="http://schemas.microsoft.com/office/drawing/2014/main" id="{045FCFE1-A3A3-4867-8736-397761D5CFE4}"/>
+              </a:ext>
+            </a:extLst>
+          </p:cNvPr>
+          <p:cNvCxnSpPr>
+            <a:cxnSpLocks/>
+            <a:stCxn id="309" idx="2"/>
+            <a:endCxn id="287" idx="0"/>
+          </p:cNvCxnSpPr>
+          <p:nvPr/>
+        </p:nvCxnSpPr>
+        <p:spPr>
+          <a:xfrm flipH="1">
+            <a:off x="1896271" y="537505"/>
+            <a:ext cx="548897" cy="163837"/>
+          </a:xfrm>
+          <a:prstGeom prst="straightConnector1">
+            <a:avLst/>
+          </a:prstGeom>
+          <a:ln>
+            <a:solidFill>
+              <a:srgbClr val="787878"/>
+            </a:solidFill>
+            <a:tailEnd type="triangle"/>
+          </a:ln>
+        </p:spPr>
+        <p:style>
+          <a:lnRef idx="1">
+            <a:schemeClr val="accent1"/>
+          </a:lnRef>
+          <a:fillRef idx="0">
+            <a:schemeClr val="accent1"/>
+          </a:fillRef>
+          <a:effectRef idx="0">
+            <a:schemeClr val="accent1"/>
+          </a:effectRef>
+          <a:fontRef idx="minor">
+            <a:schemeClr val="tx1"/>
+          </a:fontRef>
+        </p:style>
+      </p:cxnSp>
+      <p:sp>
+        <p:nvSpPr>
+          <p:cNvPr id="312" name="Rectangle 311">
+            <a:extLst>
+              <a:ext uri="{FF2B5EF4-FFF2-40B4-BE49-F238E27FC236}">
+                <a16:creationId xmlns:a16="http://schemas.microsoft.com/office/drawing/2014/main" id="{F133C7A8-79CC-4B79-85B4-2D62BC5CFC5A}"/>
+              </a:ext>
+            </a:extLst>
+          </p:cNvPr>
+          <p:cNvSpPr/>
+          <p:nvPr/>
+        </p:nvSpPr>
+        <p:spPr>
+          <a:xfrm>
+            <a:off x="-54837" y="325456"/>
+            <a:ext cx="784429" cy="353392"/>
+          </a:xfrm>
+          <a:prstGeom prst="rect">
+            <a:avLst/>
+          </a:prstGeom>
+          <a:noFill/>
+          <a:ln w="28575">
+            <a:noFill/>
+            <a:prstDash val="dash"/>
+          </a:ln>
+        </p:spPr>
+        <p:style>
+          <a:lnRef idx="2">
+            <a:schemeClr val="accent1">
+              <a:shade val="50000"/>
+            </a:schemeClr>
+          </a:lnRef>
+          <a:fillRef idx="1">
+            <a:schemeClr val="accent1"/>
+          </a:fillRef>
+          <a:effectRef idx="0">
+            <a:schemeClr val="accent1"/>
+          </a:effectRef>
+          <a:fontRef idx="minor">
+            <a:schemeClr val="lt1"/>
+          </a:fontRef>
+        </p:style>
+        <p:txBody>
+          <a:bodyPr rtlCol="0" anchor="ctr"/>
+          <a:lstStyle/>
+          <a:p>
+            <a:pPr algn="ctr"/>
+            <a:r>
+              <a:rPr lang="en-GB" sz="600" dirty="0">
+                <a:solidFill>
+                  <a:schemeClr val="tx1">
+                    <a:lumMod val="65000"/>
+                    <a:lumOff val="35000"/>
+                  </a:schemeClr>
+                </a:solidFill>
+                <a:cs typeface="Arial" panose="020B0604020202020204" pitchFamily="34" charset="0"/>
+              </a:rPr>
+              <a:t>Intermediaries</a:t>
+            </a:r>
+          </a:p>
+        </p:txBody>
+      </p:sp>
+      <p:cxnSp>
+        <p:nvCxnSpPr>
+          <p:cNvPr id="313" name="Straight Connector 312">
+            <a:extLst>
+              <a:ext uri="{FF2B5EF4-FFF2-40B4-BE49-F238E27FC236}">
+                <a16:creationId xmlns:a16="http://schemas.microsoft.com/office/drawing/2014/main" id="{3AED1A57-276A-42DD-A317-6294D1B6F574}"/>
+              </a:ext>
+            </a:extLst>
+          </p:cNvPr>
+          <p:cNvCxnSpPr>
+            <a:cxnSpLocks/>
+          </p:cNvCxnSpPr>
+          <p:nvPr/>
+        </p:nvCxnSpPr>
+        <p:spPr>
+          <a:xfrm flipV="1">
+            <a:off x="38548" y="339630"/>
+            <a:ext cx="612000" cy="1"/>
+          </a:xfrm>
+          <a:prstGeom prst="line">
+            <a:avLst/>
+          </a:prstGeom>
+          <a:ln w="19050">
+            <a:solidFill>
+              <a:srgbClr val="0000FF"/>
+            </a:solidFill>
+            <a:prstDash val="solid"/>
+          </a:ln>
+        </p:spPr>
+        <p:style>
+          <a:lnRef idx="1">
+            <a:schemeClr val="accent1"/>
+          </a:lnRef>
+          <a:fillRef idx="0">
+            <a:schemeClr val="accent1"/>
+          </a:fillRef>
+          <a:effectRef idx="0">
+            <a:schemeClr val="accent1"/>
+          </a:effectRef>
+          <a:fontRef idx="minor">
+            <a:schemeClr val="tx1"/>
+          </a:fontRef>
+        </p:style>
+      </p:cxnSp>
+      <p:cxnSp>
+        <p:nvCxnSpPr>
+          <p:cNvPr id="314" name="Straight Connector 313">
+            <a:extLst>
+              <a:ext uri="{FF2B5EF4-FFF2-40B4-BE49-F238E27FC236}">
+                <a16:creationId xmlns:a16="http://schemas.microsoft.com/office/drawing/2014/main" id="{F9A4A458-2370-4427-832D-132CFD2FCA41}"/>
+              </a:ext>
+            </a:extLst>
+          </p:cNvPr>
+          <p:cNvCxnSpPr>
+            <a:cxnSpLocks/>
+          </p:cNvCxnSpPr>
+          <p:nvPr/>
+        </p:nvCxnSpPr>
+        <p:spPr>
+          <a:xfrm flipV="1">
+            <a:off x="38548" y="546158"/>
+            <a:ext cx="612000" cy="1"/>
+          </a:xfrm>
+          <a:prstGeom prst="line">
+            <a:avLst/>
+          </a:prstGeom>
+          <a:ln w="19050">
+            <a:solidFill>
+              <a:srgbClr val="00FF00"/>
+            </a:solidFill>
+            <a:prstDash val="solid"/>
+          </a:ln>
+        </p:spPr>
+        <p:style>
+          <a:lnRef idx="1">
+            <a:schemeClr val="accent1"/>
+          </a:lnRef>
+          <a:fillRef idx="0">
+            <a:schemeClr val="accent1"/>
+          </a:fillRef>
+          <a:effectRef idx="0">
+            <a:schemeClr val="accent1"/>
+          </a:effectRef>
+          <a:fontRef idx="minor">
+            <a:schemeClr val="tx1"/>
+          </a:fontRef>
+        </p:style>
+      </p:cxnSp>
+      <p:cxnSp>
+        <p:nvCxnSpPr>
+          <p:cNvPr id="315" name="Straight Connector 314">
+            <a:extLst>
+              <a:ext uri="{FF2B5EF4-FFF2-40B4-BE49-F238E27FC236}">
+                <a16:creationId xmlns:a16="http://schemas.microsoft.com/office/drawing/2014/main" id="{992FE70A-8B15-4CB0-A6DE-29A41353B07A}"/>
+              </a:ext>
+            </a:extLst>
+          </p:cNvPr>
+          <p:cNvCxnSpPr>
+            <a:cxnSpLocks/>
+          </p:cNvCxnSpPr>
+          <p:nvPr/>
+        </p:nvCxnSpPr>
+        <p:spPr>
+          <a:xfrm flipV="1">
+            <a:off x="39063" y="729728"/>
+            <a:ext cx="612000" cy="1"/>
+          </a:xfrm>
+          <a:prstGeom prst="line">
+            <a:avLst/>
+          </a:prstGeom>
+          <a:ln w="19050">
+            <a:solidFill>
+              <a:srgbClr val="00CCFF"/>
+            </a:solidFill>
+            <a:prstDash val="solid"/>
+          </a:ln>
+        </p:spPr>
+        <p:style>
+          <a:lnRef idx="1">
+            <a:schemeClr val="accent1"/>
+          </a:lnRef>
+          <a:fillRef idx="0">
+            <a:schemeClr val="accent1"/>
+          </a:fillRef>
+          <a:effectRef idx="0">
+            <a:schemeClr val="accent1"/>
+          </a:effectRef>
+          <a:fontRef idx="minor">
+            <a:schemeClr val="tx1"/>
+          </a:fontRef>
+        </p:style>
+      </p:cxnSp>
+      <p:sp>
+        <p:nvSpPr>
+          <p:cNvPr id="316" name="Left Brace 315">
+            <a:extLst>
+              <a:ext uri="{FF2B5EF4-FFF2-40B4-BE49-F238E27FC236}">
+                <a16:creationId xmlns:a16="http://schemas.microsoft.com/office/drawing/2014/main" id="{B3C47BFC-CACF-4BDB-B286-87EC64B26DE6}"/>
+              </a:ext>
+            </a:extLst>
+          </p:cNvPr>
+          <p:cNvSpPr/>
+          <p:nvPr/>
+        </p:nvSpPr>
+        <p:spPr>
+          <a:xfrm flipH="1">
+            <a:off x="3090371" y="1531042"/>
+            <a:ext cx="124501" cy="2904430"/>
+          </a:xfrm>
+          <a:prstGeom prst="leftBrace">
+            <a:avLst>
+              <a:gd name="adj1" fmla="val 253547"/>
+              <a:gd name="adj2" fmla="val 50000"/>
+            </a:avLst>
+          </a:prstGeom>
+          <a:ln>
+            <a:solidFill>
+              <a:srgbClr val="595959"/>
+            </a:solidFill>
+          </a:ln>
+        </p:spPr>
+        <p:style>
+          <a:lnRef idx="1">
+            <a:schemeClr val="accent1"/>
+          </a:lnRef>
+          <a:fillRef idx="0">
+            <a:schemeClr val="accent1"/>
+          </a:fillRef>
+          <a:effectRef idx="0">
+            <a:schemeClr val="accent1"/>
+          </a:effectRef>
+          <a:fontRef idx="minor">
+            <a:schemeClr val="tx1"/>
+          </a:fontRef>
+        </p:style>
+        <p:txBody>
+          <a:bodyPr rtlCol="0" anchor="ctr"/>
+          <a:lstStyle/>
+          <a:p>
+            <a:pPr algn="ctr"/>
+            <a:endParaRPr lang="en-GB"/>
+          </a:p>
+        </p:txBody>
+      </p:sp>
+      <p:sp>
+        <p:nvSpPr>
+          <p:cNvPr id="317" name="Rectangle 316">
+            <a:extLst>
+              <a:ext uri="{FF2B5EF4-FFF2-40B4-BE49-F238E27FC236}">
+                <a16:creationId xmlns:a16="http://schemas.microsoft.com/office/drawing/2014/main" id="{279454DA-3D70-4BDE-BB78-161528294C9F}"/>
+              </a:ext>
+            </a:extLst>
+          </p:cNvPr>
+          <p:cNvSpPr/>
+          <p:nvPr/>
+        </p:nvSpPr>
+        <p:spPr>
+          <a:xfrm rot="5400000">
+            <a:off x="2593847" y="581128"/>
+            <a:ext cx="1500165" cy="351941"/>
+          </a:xfrm>
+          <a:prstGeom prst="rect">
+            <a:avLst/>
+          </a:prstGeom>
+          <a:noFill/>
+          <a:ln w="28575">
+            <a:noFill/>
+            <a:prstDash val="dash"/>
+          </a:ln>
+        </p:spPr>
+        <p:style>
+          <a:lnRef idx="2">
+            <a:schemeClr val="accent1">
+              <a:shade val="50000"/>
+            </a:schemeClr>
+          </a:lnRef>
+          <a:fillRef idx="1">
+            <a:schemeClr val="accent1"/>
+          </a:fillRef>
+          <a:effectRef idx="0">
+            <a:schemeClr val="accent1"/>
+          </a:effectRef>
+          <a:fontRef idx="minor">
+            <a:schemeClr val="lt1"/>
+          </a:fontRef>
+        </p:style>
+        <p:txBody>
+          <a:bodyPr rtlCol="0" anchor="ctr"/>
+          <a:lstStyle/>
+          <a:p>
+            <a:pPr algn="ctr"/>
+            <a:r>
+              <a:rPr lang="en-GB" sz="600" b="1" dirty="0">
+                <a:solidFill>
+                  <a:schemeClr val="tx1">
+                    <a:lumMod val="65000"/>
+                    <a:lumOff val="35000"/>
+                  </a:schemeClr>
+                </a:solidFill>
+                <a:cs typeface="Arial" panose="020B0604020202020204" pitchFamily="34" charset="0"/>
+              </a:rPr>
+              <a:t>REAL-TIME PHASE</a:t>
+            </a:r>
+          </a:p>
+          <a:p>
+            <a:pPr algn="ctr"/>
+            <a:r>
+              <a:rPr lang="en-GB" sz="600" b="1" dirty="0">
+                <a:solidFill>
+                  <a:schemeClr val="tx1">
+                    <a:lumMod val="65000"/>
+                    <a:lumOff val="35000"/>
+                  </a:schemeClr>
+                </a:solidFill>
+                <a:cs typeface="Arial" panose="020B0604020202020204" pitchFamily="34" charset="0"/>
+              </a:rPr>
+              <a:t>(12-months)</a:t>
+            </a:r>
+          </a:p>
+        </p:txBody>
+      </p:sp>
+      <p:sp>
+        <p:nvSpPr>
+          <p:cNvPr id="318" name="Left Brace 317">
+            <a:extLst>
+              <a:ext uri="{FF2B5EF4-FFF2-40B4-BE49-F238E27FC236}">
+                <a16:creationId xmlns:a16="http://schemas.microsoft.com/office/drawing/2014/main" id="{0167A455-A038-41D9-8993-CBD8166C7C77}"/>
+              </a:ext>
+            </a:extLst>
+          </p:cNvPr>
+          <p:cNvSpPr/>
+          <p:nvPr/>
+        </p:nvSpPr>
+        <p:spPr>
+          <a:xfrm flipH="1">
+            <a:off x="3083535" y="7016"/>
+            <a:ext cx="131286" cy="1500164"/>
+          </a:xfrm>
+          <a:prstGeom prst="leftBrace">
+            <a:avLst>
+              <a:gd name="adj1" fmla="val 253547"/>
+              <a:gd name="adj2" fmla="val 50000"/>
+            </a:avLst>
+          </a:prstGeom>
+          <a:ln>
+            <a:solidFill>
+              <a:srgbClr val="595959"/>
+            </a:solidFill>
+          </a:ln>
+        </p:spPr>
+        <p:style>
+          <a:lnRef idx="1">
+            <a:schemeClr val="accent1"/>
+          </a:lnRef>
+          <a:fillRef idx="0">
+            <a:schemeClr val="accent1"/>
+          </a:fillRef>
+          <a:effectRef idx="0">
+            <a:schemeClr val="accent1"/>
+          </a:effectRef>
+          <a:fontRef idx="minor">
+            <a:schemeClr val="tx1"/>
+          </a:fontRef>
+        </p:style>
+        <p:txBody>
+          <a:bodyPr rtlCol="0" anchor="ctr"/>
+          <a:lstStyle/>
+          <a:p>
+            <a:pPr algn="ctr"/>
+            <a:endParaRPr lang="en-GB"/>
+          </a:p>
+        </p:txBody>
+      </p:sp>
+      <p:sp>
+        <p:nvSpPr>
+          <p:cNvPr id="319" name="Rectangle 318">
+            <a:extLst>
+              <a:ext uri="{FF2B5EF4-FFF2-40B4-BE49-F238E27FC236}">
+                <a16:creationId xmlns:a16="http://schemas.microsoft.com/office/drawing/2014/main" id="{9CAF3F53-8BC9-40DD-8A0A-9C3614175742}"/>
+              </a:ext>
+            </a:extLst>
+          </p:cNvPr>
+          <p:cNvSpPr/>
+          <p:nvPr/>
+        </p:nvSpPr>
+        <p:spPr>
+          <a:xfrm>
+            <a:off x="730084" y="1015783"/>
+            <a:ext cx="2332373" cy="491397"/>
+          </a:xfrm>
+          <a:prstGeom prst="rect">
+            <a:avLst/>
+          </a:prstGeom>
+          <a:noFill/>
+          <a:ln w="12700">
+            <a:solidFill>
+              <a:srgbClr val="00FF00"/>
+            </a:solidFill>
+            <a:prstDash val="solid"/>
+          </a:ln>
+        </p:spPr>
+        <p:style>
+          <a:lnRef idx="2">
+            <a:schemeClr val="accent1">
+              <a:shade val="50000"/>
+            </a:schemeClr>
+          </a:lnRef>
+          <a:fillRef idx="1">
+            <a:schemeClr val="accent1"/>
+          </a:fillRef>
+          <a:effectRef idx="0">
+            <a:schemeClr val="accent1"/>
+          </a:effectRef>
+          <a:fontRef idx="minor">
+            <a:schemeClr val="lt1"/>
+          </a:fontRef>
+        </p:style>
+        <p:txBody>
+          <a:bodyPr rtlCol="0" anchor="ctr"/>
+          <a:lstStyle/>
+          <a:p>
+            <a:pPr algn="ctr"/>
+            <a:endParaRPr lang="en-GB" sz="600">
+              <a:solidFill>
+                <a:schemeClr val="tx1">
+                  <a:lumMod val="65000"/>
+                  <a:lumOff val="35000"/>
+                </a:schemeClr>
+              </a:solidFill>
+            </a:endParaRPr>
+          </a:p>
+        </p:txBody>
+      </p:sp>
+      <p:sp>
+        <p:nvSpPr>
+          <p:cNvPr id="320" name="Rectangle 319">
+            <a:extLst>
+              <a:ext uri="{FF2B5EF4-FFF2-40B4-BE49-F238E27FC236}">
+                <a16:creationId xmlns:a16="http://schemas.microsoft.com/office/drawing/2014/main" id="{A9919B69-407B-4C05-8C89-BC4A34A94CCE}"/>
+              </a:ext>
+            </a:extLst>
+          </p:cNvPr>
+          <p:cNvSpPr/>
+          <p:nvPr/>
+        </p:nvSpPr>
+        <p:spPr>
+          <a:xfrm>
+            <a:off x="1386427" y="2153465"/>
+            <a:ext cx="1019687" cy="629075"/>
+          </a:xfrm>
+          <a:prstGeom prst="rect">
+            <a:avLst/>
+          </a:prstGeom>
+          <a:noFill/>
+          <a:ln w="3175">
+            <a:noFill/>
+          </a:ln>
+        </p:spPr>
+        <p:style>
+          <a:lnRef idx="2">
+            <a:schemeClr val="accent1">
+              <a:shade val="50000"/>
+            </a:schemeClr>
+          </a:lnRef>
+          <a:fillRef idx="1">
+            <a:schemeClr val="accent1"/>
+          </a:fillRef>
+          <a:effectRef idx="0">
+            <a:schemeClr val="accent1"/>
+          </a:effectRef>
+          <a:fontRef idx="minor">
+            <a:schemeClr val="lt1"/>
+          </a:fontRef>
+        </p:style>
+        <p:txBody>
+          <a:bodyPr rtlCol="0" anchor="ctr"/>
+          <a:lstStyle/>
+          <a:p>
+            <a:pPr algn="ctr"/>
+            <a:r>
+              <a:rPr lang="en-GB" sz="600" dirty="0">
+                <a:solidFill>
+                  <a:schemeClr val="tx1">
+                    <a:lumMod val="65000"/>
+                    <a:lumOff val="35000"/>
+                  </a:schemeClr>
+                </a:solidFill>
+                <a:cs typeface="Arial" panose="020B0604020202020204" pitchFamily="34" charset="0"/>
+              </a:rPr>
+              <a:t>Are the reports’ results similar to those in the independent analysis run by the ecPoint experts?</a:t>
+            </a:r>
+          </a:p>
+        </p:txBody>
+      </p:sp>
+      <p:sp>
+        <p:nvSpPr>
+          <p:cNvPr id="321" name="Rectangle 320">
+            <a:extLst>
+              <a:ext uri="{FF2B5EF4-FFF2-40B4-BE49-F238E27FC236}">
+                <a16:creationId xmlns:a16="http://schemas.microsoft.com/office/drawing/2014/main" id="{29A0D311-5AC7-4224-85D3-F8B10A570BEB}"/>
+              </a:ext>
+            </a:extLst>
+          </p:cNvPr>
+          <p:cNvSpPr/>
+          <p:nvPr/>
+        </p:nvSpPr>
+        <p:spPr>
+          <a:xfrm>
+            <a:off x="730084" y="3599100"/>
+            <a:ext cx="2332372" cy="390783"/>
+          </a:xfrm>
+          <a:prstGeom prst="rect">
+            <a:avLst/>
+          </a:prstGeom>
+          <a:noFill/>
+          <a:ln w="12700">
+            <a:solidFill>
+              <a:srgbClr val="FF00FF"/>
+            </a:solidFill>
+            <a:prstDash val="solid"/>
+          </a:ln>
+        </p:spPr>
+        <p:style>
+          <a:lnRef idx="2">
+            <a:schemeClr val="accent1">
+              <a:shade val="50000"/>
+            </a:schemeClr>
+          </a:lnRef>
+          <a:fillRef idx="1">
+            <a:schemeClr val="accent1"/>
+          </a:fillRef>
+          <a:effectRef idx="0">
+            <a:schemeClr val="accent1"/>
+          </a:effectRef>
+          <a:fontRef idx="minor">
+            <a:schemeClr val="lt1"/>
+          </a:fontRef>
+        </p:style>
+        <p:txBody>
+          <a:bodyPr rtlCol="0" anchor="ctr"/>
+          <a:lstStyle/>
+          <a:p>
+            <a:pPr algn="ctr"/>
+            <a:endParaRPr lang="en-GB" sz="600">
+              <a:solidFill>
+                <a:schemeClr val="tx1">
+                  <a:lumMod val="65000"/>
+                  <a:lumOff val="35000"/>
+                </a:schemeClr>
+              </a:solidFill>
+            </a:endParaRPr>
+          </a:p>
+        </p:txBody>
+      </p:sp>
+      <p:cxnSp>
+        <p:nvCxnSpPr>
+          <p:cNvPr id="322" name="Straight Arrow Connector 321">
+            <a:extLst>
+              <a:ext uri="{FF2B5EF4-FFF2-40B4-BE49-F238E27FC236}">
+                <a16:creationId xmlns:a16="http://schemas.microsoft.com/office/drawing/2014/main" id="{7179D054-B835-47C6-9CAD-E3511804EE78}"/>
+              </a:ext>
+            </a:extLst>
+          </p:cNvPr>
+          <p:cNvCxnSpPr>
+            <a:cxnSpLocks/>
+          </p:cNvCxnSpPr>
+          <p:nvPr/>
+        </p:nvCxnSpPr>
+        <p:spPr>
+          <a:xfrm>
+            <a:off x="1896270" y="3967767"/>
+            <a:ext cx="1" cy="179587"/>
+          </a:xfrm>
+          <a:prstGeom prst="straightConnector1">
+            <a:avLst/>
+          </a:prstGeom>
+          <a:ln>
+            <a:solidFill>
+              <a:srgbClr val="787878"/>
+            </a:solidFill>
+            <a:tailEnd type="triangle"/>
+          </a:ln>
+        </p:spPr>
+        <p:style>
+          <a:lnRef idx="1">
+            <a:schemeClr val="accent1"/>
+          </a:lnRef>
+          <a:fillRef idx="0">
+            <a:schemeClr val="accent1"/>
+          </a:fillRef>
+          <a:effectRef idx="0">
+            <a:schemeClr val="accent1"/>
+          </a:effectRef>
+          <a:fontRef idx="minor">
+            <a:schemeClr val="tx1"/>
+          </a:fontRef>
+        </p:style>
+      </p:cxnSp>
+      <p:sp>
+        <p:nvSpPr>
+          <p:cNvPr id="323" name="Rectangle 322">
+            <a:extLst>
+              <a:ext uri="{FF2B5EF4-FFF2-40B4-BE49-F238E27FC236}">
+                <a16:creationId xmlns:a16="http://schemas.microsoft.com/office/drawing/2014/main" id="{53766AEE-540D-49CC-889A-67E9EBB6C22A}"/>
+              </a:ext>
+            </a:extLst>
+          </p:cNvPr>
+          <p:cNvSpPr/>
+          <p:nvPr/>
+        </p:nvSpPr>
+        <p:spPr>
+          <a:xfrm>
+            <a:off x="730084" y="4015867"/>
+            <a:ext cx="2332372" cy="419604"/>
+          </a:xfrm>
+          <a:prstGeom prst="rect">
+            <a:avLst/>
+          </a:prstGeom>
+          <a:noFill/>
+          <a:ln w="12700">
+            <a:solidFill>
+              <a:srgbClr val="FF00FF"/>
+            </a:solidFill>
+            <a:prstDash val="solid"/>
+          </a:ln>
+        </p:spPr>
+        <p:style>
+          <a:lnRef idx="2">
+            <a:schemeClr val="accent1">
+              <a:shade val="50000"/>
+            </a:schemeClr>
+          </a:lnRef>
+          <a:fillRef idx="1">
+            <a:schemeClr val="accent1"/>
+          </a:fillRef>
+          <a:effectRef idx="0">
+            <a:schemeClr val="accent1"/>
+          </a:effectRef>
+          <a:fontRef idx="minor">
+            <a:schemeClr val="lt1"/>
+          </a:fontRef>
+        </p:style>
+        <p:txBody>
+          <a:bodyPr rtlCol="0" anchor="ctr"/>
+          <a:lstStyle/>
+          <a:p>
+            <a:pPr algn="ctr"/>
+            <a:endParaRPr lang="en-GB" sz="600">
+              <a:solidFill>
+                <a:schemeClr val="tx1">
+                  <a:lumMod val="65000"/>
+                  <a:lumOff val="35000"/>
+                </a:schemeClr>
+              </a:solidFill>
+            </a:endParaRPr>
           </a:p>
         </p:txBody>
       </p:sp>

--- a/Manuscript/Figures/Methods_FlowChart.pptx
+++ b/Manuscript/Figures/Methods_FlowChart.pptx
@@ -115,14 +115,6 @@
 </p:presentation>
 </file>
 
-<file path=ppt/revisionInfo.xml><?xml version="1.0" encoding="utf-8"?>
-<p1510:revInfo xmlns:a="http://schemas.openxmlformats.org/drawingml/2006/main" xmlns:r="http://schemas.openxmlformats.org/officeDocument/2006/relationships" xmlns:p1510="http://schemas.microsoft.com/office/powerpoint/2015/10/main">
-  <p1510:revLst>
-    <p1510:client id="{DAFFC094-0576-4588-A4C9-5FFA0F59B468}" v="34" dt="2021-07-15T21:19:59.576"/>
-  </p1510:revLst>
-</p1510:revInfo>
-</file>
-
 <file path=ppt/changesInfos/changesInfo1.xml><?xml version="1.0" encoding="utf-8"?>
 <pc:chgInfo xmlns:a="http://schemas.openxmlformats.org/drawingml/2006/main" xmlns:r="http://schemas.openxmlformats.org/officeDocument/2006/relationships" xmlns:ac="http://schemas.microsoft.com/office/drawing/2013/main/command" xmlns:pc="http://schemas.microsoft.com/office/powerpoint/2013/main/command">
   <pc:docChgLst>
@@ -13017,6 +13009,46 @@
             <ac:cxnSpMk id="511" creationId="{D4395B70-F4DE-4B51-B3B6-5F2386026E0E}"/>
           </ac:cxnSpMkLst>
         </pc:cxnChg>
+      </pc:sldChg>
+    </pc:docChg>
+  </pc:docChgLst>
+  <pc:docChgLst>
+    <pc:chgData name="Fatima Pillosu" userId="a6295d4dc9e22643" providerId="LiveId" clId="{37C626E1-76BD-4B33-BEDC-A23DE2B43DA7}"/>
+    <pc:docChg chg="modSld">
+      <pc:chgData name="Fatima Pillosu" userId="a6295d4dc9e22643" providerId="LiveId" clId="{37C626E1-76BD-4B33-BEDC-A23DE2B43DA7}" dt="2021-10-01T08:58:07.417" v="43" actId="20577"/>
+      <pc:docMkLst>
+        <pc:docMk/>
+      </pc:docMkLst>
+      <pc:sldChg chg="modSp mod">
+        <pc:chgData name="Fatima Pillosu" userId="a6295d4dc9e22643" providerId="LiveId" clId="{37C626E1-76BD-4B33-BEDC-A23DE2B43DA7}" dt="2021-10-01T08:58:07.417" v="43" actId="20577"/>
+        <pc:sldMkLst>
+          <pc:docMk/>
+          <pc:sldMk cId="2969362105" sldId="256"/>
+        </pc:sldMkLst>
+        <pc:spChg chg="mod">
+          <ac:chgData name="Fatima Pillosu" userId="a6295d4dc9e22643" providerId="LiveId" clId="{37C626E1-76BD-4B33-BEDC-A23DE2B43DA7}" dt="2021-10-01T08:58:07.417" v="43" actId="20577"/>
+          <ac:spMkLst>
+            <pc:docMk/>
+            <pc:sldMk cId="2969362105" sldId="256"/>
+            <ac:spMk id="142" creationId="{A076CD57-75F7-4786-A505-53981E257E96}"/>
+          </ac:spMkLst>
+        </pc:spChg>
+        <pc:spChg chg="mod">
+          <ac:chgData name="Fatima Pillosu" userId="a6295d4dc9e22643" providerId="LiveId" clId="{37C626E1-76BD-4B33-BEDC-A23DE2B43DA7}" dt="2021-10-01T08:57:38.435" v="12" actId="20577"/>
+          <ac:spMkLst>
+            <pc:docMk/>
+            <pc:sldMk cId="2969362105" sldId="256"/>
+            <ac:spMk id="143" creationId="{52D9C96D-468B-46CC-BA53-749898D9C4FC}"/>
+          </ac:spMkLst>
+        </pc:spChg>
+        <pc:spChg chg="mod">
+          <ac:chgData name="Fatima Pillosu" userId="a6295d4dc9e22643" providerId="LiveId" clId="{37C626E1-76BD-4B33-BEDC-A23DE2B43DA7}" dt="2021-10-01T08:56:00.615" v="5" actId="20577"/>
+          <ac:spMkLst>
+            <pc:docMk/>
+            <pc:sldMk cId="2969362105" sldId="256"/>
+            <ac:spMk id="156" creationId="{818D9B6F-AF06-402A-9103-E08BD5963444}"/>
+          </ac:spMkLst>
+        </pc:spChg>
       </pc:sldChg>
     </pc:docChg>
   </pc:docChgLst>
@@ -13105,7 +13137,7 @@
           <a:p>
             <a:fld id="{316FE1D3-FB31-4194-964E-25DAFFD80F93}" type="datetimeFigureOut">
               <a:rPr lang="en-GB" smtClean="0"/>
-              <a:t>15/07/2021</a:t>
+              <a:t>01/10/2021</a:t>
             </a:fld>
             <a:endParaRPr lang="en-GB"/>
           </a:p>
@@ -13593,7 +13625,7 @@
           <a:p>
             <a:fld id="{79798564-FF97-402E-A2A0-52C33396791A}" type="datetimeFigureOut">
               <a:rPr lang="en-GB" smtClean="0"/>
-              <a:t>15/07/2021</a:t>
+              <a:t>01/10/2021</a:t>
             </a:fld>
             <a:endParaRPr lang="en-GB"/>
           </a:p>
@@ -13763,7 +13795,7 @@
           <a:p>
             <a:fld id="{79798564-FF97-402E-A2A0-52C33396791A}" type="datetimeFigureOut">
               <a:rPr lang="en-GB" smtClean="0"/>
-              <a:t>15/07/2021</a:t>
+              <a:t>01/10/2021</a:t>
             </a:fld>
             <a:endParaRPr lang="en-GB"/>
           </a:p>
@@ -13943,7 +13975,7 @@
           <a:p>
             <a:fld id="{79798564-FF97-402E-A2A0-52C33396791A}" type="datetimeFigureOut">
               <a:rPr lang="en-GB" smtClean="0"/>
-              <a:t>15/07/2021</a:t>
+              <a:t>01/10/2021</a:t>
             </a:fld>
             <a:endParaRPr lang="en-GB"/>
           </a:p>
@@ -14113,7 +14145,7 @@
           <a:p>
             <a:fld id="{79798564-FF97-402E-A2A0-52C33396791A}" type="datetimeFigureOut">
               <a:rPr lang="en-GB" smtClean="0"/>
-              <a:t>15/07/2021</a:t>
+              <a:t>01/10/2021</a:t>
             </a:fld>
             <a:endParaRPr lang="en-GB"/>
           </a:p>
@@ -14357,7 +14389,7 @@
           <a:p>
             <a:fld id="{79798564-FF97-402E-A2A0-52C33396791A}" type="datetimeFigureOut">
               <a:rPr lang="en-GB" smtClean="0"/>
-              <a:t>15/07/2021</a:t>
+              <a:t>01/10/2021</a:t>
             </a:fld>
             <a:endParaRPr lang="en-GB"/>
           </a:p>
@@ -14589,7 +14621,7 @@
           <a:p>
             <a:fld id="{79798564-FF97-402E-A2A0-52C33396791A}" type="datetimeFigureOut">
               <a:rPr lang="en-GB" smtClean="0"/>
-              <a:t>15/07/2021</a:t>
+              <a:t>01/10/2021</a:t>
             </a:fld>
             <a:endParaRPr lang="en-GB"/>
           </a:p>
@@ -14956,7 +14988,7 @@
           <a:p>
             <a:fld id="{79798564-FF97-402E-A2A0-52C33396791A}" type="datetimeFigureOut">
               <a:rPr lang="en-GB" smtClean="0"/>
-              <a:t>15/07/2021</a:t>
+              <a:t>01/10/2021</a:t>
             </a:fld>
             <a:endParaRPr lang="en-GB"/>
           </a:p>
@@ -15074,7 +15106,7 @@
           <a:p>
             <a:fld id="{79798564-FF97-402E-A2A0-52C33396791A}" type="datetimeFigureOut">
               <a:rPr lang="en-GB" smtClean="0"/>
-              <a:t>15/07/2021</a:t>
+              <a:t>01/10/2021</a:t>
             </a:fld>
             <a:endParaRPr lang="en-GB"/>
           </a:p>
@@ -15169,7 +15201,7 @@
           <a:p>
             <a:fld id="{79798564-FF97-402E-A2A0-52C33396791A}" type="datetimeFigureOut">
               <a:rPr lang="en-GB" smtClean="0"/>
-              <a:t>15/07/2021</a:t>
+              <a:t>01/10/2021</a:t>
             </a:fld>
             <a:endParaRPr lang="en-GB"/>
           </a:p>
@@ -15446,7 +15478,7 @@
           <a:p>
             <a:fld id="{79798564-FF97-402E-A2A0-52C33396791A}" type="datetimeFigureOut">
               <a:rPr lang="en-GB" smtClean="0"/>
-              <a:t>15/07/2021</a:t>
+              <a:t>01/10/2021</a:t>
             </a:fld>
             <a:endParaRPr lang="en-GB"/>
           </a:p>
@@ -15703,7 +15735,7 @@
           <a:p>
             <a:fld id="{79798564-FF97-402E-A2A0-52C33396791A}" type="datetimeFigureOut">
               <a:rPr lang="en-GB" smtClean="0"/>
-              <a:t>15/07/2021</a:t>
+              <a:t>01/10/2021</a:t>
             </a:fld>
             <a:endParaRPr lang="en-GB"/>
           </a:p>
@@ -15916,7 +15948,7 @@
           <a:p>
             <a:fld id="{79798564-FF97-402E-A2A0-52C33396791A}" type="datetimeFigureOut">
               <a:rPr lang="en-GB" smtClean="0"/>
-              <a:t>15/07/2021</a:t>
+              <a:t>01/10/2021</a:t>
             </a:fld>
             <a:endParaRPr lang="en-GB"/>
           </a:p>
@@ -16564,8 +16596,23 @@
                 </a:solidFill>
                 <a:cs typeface="Arial" panose="020B0604020202020204" pitchFamily="34" charset="0"/>
               </a:rPr>
-              <a:t>Formulation of new ecPoint-Rainfall products and guidelines tailored to participants’ needs.</a:t>
+              <a:t>Formulation of new ecPoint-Rainfall products and guidelines tailored to participants’ needs discussed at </a:t>
             </a:r>
+            <a:r>
+              <a:rPr lang="en-GB" sz="1000">
+                <a:solidFill>
+                  <a:schemeClr val="tx1"/>
+                </a:solidFill>
+                <a:cs typeface="Arial" panose="020B0604020202020204" pitchFamily="34" charset="0"/>
+              </a:rPr>
+              <a:t>previous step.</a:t>
+            </a:r>
+            <a:endParaRPr lang="en-GB" sz="1000" dirty="0">
+              <a:solidFill>
+                <a:schemeClr val="tx1"/>
+              </a:solidFill>
+              <a:cs typeface="Arial" panose="020B0604020202020204" pitchFamily="34" charset="0"/>
+            </a:endParaRPr>
           </a:p>
         </p:txBody>
       </p:sp>
@@ -16594,7 +16641,7 @@
           <a:noFill/>
           <a:ln w="28575">
             <a:solidFill>
-              <a:srgbClr val="FF00FF"/>
+              <a:srgbClr val="00CCFF"/>
             </a:solidFill>
           </a:ln>
         </p:spPr>
@@ -16626,7 +16673,7 @@
                 </a:solidFill>
                 <a:cs typeface="Arial" panose="020B0604020202020204" pitchFamily="34" charset="0"/>
               </a:rPr>
-              <a:t>Joint revision of the summary reports results under the revised ecPoint-Rainfall products and guidelines.</a:t>
+              <a:t>Joint review of the summary reports results under the revised ecPoint-Rainfall products and guidelines.</a:t>
             </a:r>
           </a:p>
         </p:txBody>
@@ -17358,7 +17405,7 @@
                 </a:solidFill>
                 <a:cs typeface="Arial" panose="020B0604020202020204" pitchFamily="34" charset="0"/>
               </a:rPr>
-              <a:t>Independent revision of the summary reports’ content.</a:t>
+              <a:t>Independent review of the summary reports’ content.</a:t>
             </a:r>
           </a:p>
         </p:txBody>
